--- a/docs/model_design/model_design_v1.0_0324.pptx
+++ b/docs/model_design/model_design_v1.0_0324.pptx
@@ -5,8 +5,7 @@
     <p:sldMasterId id="2147483648" r:id="rId1"/>
   </p:sldMasterIdLst>
   <p:sldIdLst>
-    <p:sldId id="256" r:id="rId2"/>
-    <p:sldId id="257" r:id="rId3"/>
+    <p:sldId id="257" r:id="rId2"/>
   </p:sldIdLst>
   <p:sldSz cx="12192000" cy="6858000"/>
   <p:notesSz cx="6858000" cy="9144000"/>
@@ -260,7 +259,7 @@
           <a:p>
             <a:fld id="{75F1E914-A6F4-3045-9D3D-73FD47E80560}" type="datetimeFigureOut">
               <a:rPr lang="en-US" smtClean="0"/>
-              <a:t>3/24/2019</a:t>
+              <a:t>3/25/2019</a:t>
             </a:fld>
             <a:endParaRPr lang="en-US"/>
           </a:p>
@@ -458,7 +457,7 @@
           <a:p>
             <a:fld id="{75F1E914-A6F4-3045-9D3D-73FD47E80560}" type="datetimeFigureOut">
               <a:rPr lang="en-US" smtClean="0"/>
-              <a:t>3/24/2019</a:t>
+              <a:t>3/25/2019</a:t>
             </a:fld>
             <a:endParaRPr lang="en-US"/>
           </a:p>
@@ -666,7 +665,7 @@
           <a:p>
             <a:fld id="{75F1E914-A6F4-3045-9D3D-73FD47E80560}" type="datetimeFigureOut">
               <a:rPr lang="en-US" smtClean="0"/>
-              <a:t>3/24/2019</a:t>
+              <a:t>3/25/2019</a:t>
             </a:fld>
             <a:endParaRPr lang="en-US"/>
           </a:p>
@@ -864,7 +863,7 @@
           <a:p>
             <a:fld id="{75F1E914-A6F4-3045-9D3D-73FD47E80560}" type="datetimeFigureOut">
               <a:rPr lang="en-US" smtClean="0"/>
-              <a:t>3/24/2019</a:t>
+              <a:t>3/25/2019</a:t>
             </a:fld>
             <a:endParaRPr lang="en-US"/>
           </a:p>
@@ -1139,7 +1138,7 @@
           <a:p>
             <a:fld id="{75F1E914-A6F4-3045-9D3D-73FD47E80560}" type="datetimeFigureOut">
               <a:rPr lang="en-US" smtClean="0"/>
-              <a:t>3/24/2019</a:t>
+              <a:t>3/25/2019</a:t>
             </a:fld>
             <a:endParaRPr lang="en-US"/>
           </a:p>
@@ -1404,7 +1403,7 @@
           <a:p>
             <a:fld id="{75F1E914-A6F4-3045-9D3D-73FD47E80560}" type="datetimeFigureOut">
               <a:rPr lang="en-US" smtClean="0"/>
-              <a:t>3/24/2019</a:t>
+              <a:t>3/25/2019</a:t>
             </a:fld>
             <a:endParaRPr lang="en-US"/>
           </a:p>
@@ -1816,7 +1815,7 @@
           <a:p>
             <a:fld id="{75F1E914-A6F4-3045-9D3D-73FD47E80560}" type="datetimeFigureOut">
               <a:rPr lang="en-US" smtClean="0"/>
-              <a:t>3/24/2019</a:t>
+              <a:t>3/25/2019</a:t>
             </a:fld>
             <a:endParaRPr lang="en-US"/>
           </a:p>
@@ -1957,7 +1956,7 @@
           <a:p>
             <a:fld id="{75F1E914-A6F4-3045-9D3D-73FD47E80560}" type="datetimeFigureOut">
               <a:rPr lang="en-US" smtClean="0"/>
-              <a:t>3/24/2019</a:t>
+              <a:t>3/25/2019</a:t>
             </a:fld>
             <a:endParaRPr lang="en-US"/>
           </a:p>
@@ -2070,7 +2069,7 @@
           <a:p>
             <a:fld id="{75F1E914-A6F4-3045-9D3D-73FD47E80560}" type="datetimeFigureOut">
               <a:rPr lang="en-US" smtClean="0"/>
-              <a:t>3/24/2019</a:t>
+              <a:t>3/25/2019</a:t>
             </a:fld>
             <a:endParaRPr lang="en-US"/>
           </a:p>
@@ -2381,7 +2380,7 @@
           <a:p>
             <a:fld id="{75F1E914-A6F4-3045-9D3D-73FD47E80560}" type="datetimeFigureOut">
               <a:rPr lang="en-US" smtClean="0"/>
-              <a:t>3/24/2019</a:t>
+              <a:t>3/25/2019</a:t>
             </a:fld>
             <a:endParaRPr lang="en-US"/>
           </a:p>
@@ -2669,7 +2668,7 @@
           <a:p>
             <a:fld id="{75F1E914-A6F4-3045-9D3D-73FD47E80560}" type="datetimeFigureOut">
               <a:rPr lang="en-US" smtClean="0"/>
-              <a:t>3/24/2019</a:t>
+              <a:t>3/25/2019</a:t>
             </a:fld>
             <a:endParaRPr lang="en-US"/>
           </a:p>
@@ -2910,7 +2909,7 @@
           <a:p>
             <a:fld id="{75F1E914-A6F4-3045-9D3D-73FD47E80560}" type="datetimeFigureOut">
               <a:rPr lang="en-US" smtClean="0"/>
-              <a:t>3/24/2019</a:t>
+              <a:t>3/25/2019</a:t>
             </a:fld>
             <a:endParaRPr lang="en-US"/>
           </a:p>
@@ -3329,559 +3328,6 @@
       </p:grpSpPr>
       <p:cxnSp>
         <p:nvCxnSpPr>
-          <p:cNvPr id="6" name="Straight Connector 5">
-            <a:extLst>
-              <a:ext uri="{FF2B5EF4-FFF2-40B4-BE49-F238E27FC236}">
-                <a16:creationId xmlns:a16="http://schemas.microsoft.com/office/drawing/2014/main" id="{85104D74-C0C7-804B-B7A2-1D79C37C17AE}"/>
-              </a:ext>
-            </a:extLst>
-          </p:cNvPr>
-          <p:cNvCxnSpPr>
-            <a:cxnSpLocks/>
-          </p:cNvCxnSpPr>
-          <p:nvPr/>
-        </p:nvCxnSpPr>
-        <p:spPr>
-          <a:xfrm flipH="1">
-            <a:off x="1896046" y="6325231"/>
-            <a:ext cx="1334132" cy="0"/>
-          </a:xfrm>
-          <a:prstGeom prst="line">
-            <a:avLst/>
-          </a:prstGeom>
-          <a:ln w="12700">
-            <a:solidFill>
-              <a:schemeClr val="tx1"/>
-            </a:solidFill>
-          </a:ln>
-        </p:spPr>
-        <p:style>
-          <a:lnRef idx="1">
-            <a:schemeClr val="accent1"/>
-          </a:lnRef>
-          <a:fillRef idx="0">
-            <a:schemeClr val="accent1"/>
-          </a:fillRef>
-          <a:effectRef idx="0">
-            <a:schemeClr val="accent1"/>
-          </a:effectRef>
-          <a:fontRef idx="minor">
-            <a:schemeClr val="tx1"/>
-          </a:fontRef>
-        </p:style>
-      </p:cxnSp>
-      <p:sp>
-        <p:nvSpPr>
-          <p:cNvPr id="9" name="TextBox 8">
-            <a:extLst>
-              <a:ext uri="{FF2B5EF4-FFF2-40B4-BE49-F238E27FC236}">
-                <a16:creationId xmlns:a16="http://schemas.microsoft.com/office/drawing/2014/main" id="{E6E227A7-545C-C141-B87B-4692E56A2181}"/>
-              </a:ext>
-            </a:extLst>
-          </p:cNvPr>
-          <p:cNvSpPr txBox="1"/>
-          <p:nvPr/>
-        </p:nvSpPr>
-        <p:spPr>
-          <a:xfrm>
-            <a:off x="2132545" y="6534834"/>
-            <a:ext cx="861133" cy="276999"/>
-          </a:xfrm>
-          <a:prstGeom prst="rect">
-            <a:avLst/>
-          </a:prstGeom>
-          <a:noFill/>
-          <a:ln w="12700">
-            <a:noFill/>
-          </a:ln>
-        </p:spPr>
-        <p:txBody>
-          <a:bodyPr wrap="none" rtlCol="0">
-            <a:spAutoFit/>
-          </a:bodyPr>
-          <a:lstStyle/>
-          <a:p>
-            <a:pPr algn="l"/>
-            <a:r>
-              <a:rPr lang="en-US" sz="1200" dirty="0">
-                <a:latin typeface="Arial Narrow" panose="020B0604020202020204" pitchFamily="34" charset="0"/>
-                <a:cs typeface="Arial Narrow" panose="020B0604020202020204" pitchFamily="34" charset="0"/>
-              </a:rPr>
-              <a:t>▶︎ ◀︎ ▼ ▲</a:t>
-            </a:r>
-          </a:p>
-        </p:txBody>
-      </p:sp>
-      <p:sp>
-        <p:nvSpPr>
-          <p:cNvPr id="37" name="TextBox 36">
-            <a:extLst>
-              <a:ext uri="{FF2B5EF4-FFF2-40B4-BE49-F238E27FC236}">
-                <a16:creationId xmlns:a16="http://schemas.microsoft.com/office/drawing/2014/main" id="{D62A0365-506F-824C-A971-9FA464D85BED}"/>
-              </a:ext>
-            </a:extLst>
-          </p:cNvPr>
-          <p:cNvSpPr txBox="1"/>
-          <p:nvPr/>
-        </p:nvSpPr>
-        <p:spPr>
-          <a:xfrm>
-            <a:off x="1528549" y="407116"/>
-            <a:ext cx="1689542" cy="830997"/>
-          </a:xfrm>
-          <a:prstGeom prst="rect">
-            <a:avLst/>
-          </a:prstGeom>
-          <a:noFill/>
-          <a:ln w="12700">
-            <a:solidFill>
-              <a:schemeClr val="tx1"/>
-            </a:solidFill>
-          </a:ln>
-        </p:spPr>
-        <p:txBody>
-          <a:bodyPr wrap="square" rtlCol="0">
-            <a:spAutoFit/>
-          </a:bodyPr>
-          <a:lstStyle/>
-          <a:p>
-            <a:r>
-              <a:rPr lang="en-US" sz="1200" dirty="0">
-                <a:latin typeface="Arial Narrow" panose="020B0604020202020204" pitchFamily="34" charset="0"/>
-                <a:cs typeface="Arial Narrow" panose="020B0604020202020204" pitchFamily="34" charset="0"/>
-              </a:rPr>
-              <a:t>Customer</a:t>
-            </a:r>
-          </a:p>
-          <a:p>
-            <a:r>
-              <a:rPr lang="en-US" sz="1200" dirty="0">
-                <a:latin typeface="Arial Narrow" panose="020B0604020202020204" pitchFamily="34" charset="0"/>
-                <a:cs typeface="Arial Narrow" panose="020B0604020202020204" pitchFamily="34" charset="0"/>
-              </a:rPr>
-              <a:t>_____________________</a:t>
-            </a:r>
-          </a:p>
-          <a:p>
-            <a:r>
-              <a:rPr lang="en-US" sz="1200" dirty="0">
-                <a:latin typeface="Arial Narrow" panose="020B0604020202020204" pitchFamily="34" charset="0"/>
-                <a:cs typeface="Arial Narrow" panose="020B0604020202020204" pitchFamily="34" charset="0"/>
-              </a:rPr>
-              <a:t>name : string</a:t>
-            </a:r>
-          </a:p>
-          <a:p>
-            <a:r>
-              <a:rPr lang="en-US" sz="1200" dirty="0" err="1">
-                <a:latin typeface="Arial Narrow" panose="020B0604020202020204" pitchFamily="34" charset="0"/>
-                <a:cs typeface="Arial Narrow" panose="020B0604020202020204" pitchFamily="34" charset="0"/>
-              </a:rPr>
-              <a:t>phone_number</a:t>
-            </a:r>
-            <a:r>
-              <a:rPr lang="en-US" sz="1200" dirty="0">
-                <a:latin typeface="Arial Narrow" panose="020B0604020202020204" pitchFamily="34" charset="0"/>
-                <a:cs typeface="Arial Narrow" panose="020B0604020202020204" pitchFamily="34" charset="0"/>
-              </a:rPr>
-              <a:t> : string</a:t>
-            </a:r>
-          </a:p>
-        </p:txBody>
-      </p:sp>
-      <p:cxnSp>
-        <p:nvCxnSpPr>
-          <p:cNvPr id="44" name="Straight Connector 43">
-            <a:extLst>
-              <a:ext uri="{FF2B5EF4-FFF2-40B4-BE49-F238E27FC236}">
-                <a16:creationId xmlns:a16="http://schemas.microsoft.com/office/drawing/2014/main" id="{FDD6883E-AA6F-5A41-9231-18BE1B49B840}"/>
-              </a:ext>
-            </a:extLst>
-          </p:cNvPr>
-          <p:cNvCxnSpPr>
-            <a:cxnSpLocks/>
-            <a:stCxn id="37" idx="3"/>
-            <a:endCxn id="41" idx="1"/>
-          </p:cNvCxnSpPr>
-          <p:nvPr/>
-        </p:nvCxnSpPr>
-        <p:spPr>
-          <a:xfrm flipV="1">
-            <a:off x="3218091" y="822614"/>
-            <a:ext cx="1393222" cy="1"/>
-          </a:xfrm>
-          <a:prstGeom prst="line">
-            <a:avLst/>
-          </a:prstGeom>
-          <a:ln w="12700">
-            <a:solidFill>
-              <a:schemeClr val="tx1"/>
-            </a:solidFill>
-          </a:ln>
-        </p:spPr>
-        <p:style>
-          <a:lnRef idx="1">
-            <a:schemeClr val="accent1"/>
-          </a:lnRef>
-          <a:fillRef idx="0">
-            <a:schemeClr val="accent1"/>
-          </a:fillRef>
-          <a:effectRef idx="0">
-            <a:schemeClr val="accent1"/>
-          </a:effectRef>
-          <a:fontRef idx="minor">
-            <a:schemeClr val="tx1"/>
-          </a:fontRef>
-        </p:style>
-      </p:cxnSp>
-      <p:sp>
-        <p:nvSpPr>
-          <p:cNvPr id="7" name="TextBox 6">
-            <a:extLst>
-              <a:ext uri="{FF2B5EF4-FFF2-40B4-BE49-F238E27FC236}">
-                <a16:creationId xmlns:a16="http://schemas.microsoft.com/office/drawing/2014/main" id="{57AB038C-77A2-284C-AF3A-D3FC42CF739F}"/>
-              </a:ext>
-            </a:extLst>
-          </p:cNvPr>
-          <p:cNvSpPr txBox="1"/>
-          <p:nvPr/>
-        </p:nvSpPr>
-        <p:spPr>
-          <a:xfrm>
-            <a:off x="4376953" y="834895"/>
-            <a:ext cx="234360" cy="276999"/>
-          </a:xfrm>
-          <a:prstGeom prst="rect">
-            <a:avLst/>
-          </a:prstGeom>
-          <a:noFill/>
-          <a:ln w="12700">
-            <a:noFill/>
-          </a:ln>
-        </p:spPr>
-        <p:txBody>
-          <a:bodyPr wrap="none" rtlCol="0">
-            <a:spAutoFit/>
-          </a:bodyPr>
-          <a:lstStyle/>
-          <a:p>
-            <a:pPr algn="l"/>
-            <a:r>
-              <a:rPr lang="en-US" sz="1200" dirty="0">
-                <a:latin typeface="Arial Narrow" panose="020B0604020202020204" pitchFamily="34" charset="0"/>
-                <a:cs typeface="Arial Narrow" panose="020B0604020202020204" pitchFamily="34" charset="0"/>
-              </a:rPr>
-              <a:t>*</a:t>
-            </a:r>
-          </a:p>
-        </p:txBody>
-      </p:sp>
-      <p:sp>
-        <p:nvSpPr>
-          <p:cNvPr id="45" name="TextBox 44">
-            <a:extLst>
-              <a:ext uri="{FF2B5EF4-FFF2-40B4-BE49-F238E27FC236}">
-                <a16:creationId xmlns:a16="http://schemas.microsoft.com/office/drawing/2014/main" id="{E2429C66-6A25-6247-A00A-A1B61B186A3A}"/>
-              </a:ext>
-            </a:extLst>
-          </p:cNvPr>
-          <p:cNvSpPr txBox="1"/>
-          <p:nvPr/>
-        </p:nvSpPr>
-        <p:spPr>
-          <a:xfrm>
-            <a:off x="3570361" y="536259"/>
-            <a:ext cx="759892" cy="276999"/>
-          </a:xfrm>
-          <a:prstGeom prst="rect">
-            <a:avLst/>
-          </a:prstGeom>
-          <a:noFill/>
-          <a:ln w="12700">
-            <a:noFill/>
-          </a:ln>
-        </p:spPr>
-        <p:txBody>
-          <a:bodyPr wrap="square" rtlCol="0">
-            <a:spAutoFit/>
-          </a:bodyPr>
-          <a:lstStyle/>
-          <a:p>
-            <a:pPr algn="ctr"/>
-            <a:r>
-              <a:rPr lang="en-US" sz="1200" dirty="0">
-                <a:latin typeface="Arial Narrow" panose="020B0604020202020204" pitchFamily="34" charset="0"/>
-                <a:cs typeface="Arial Narrow" panose="020B0604020202020204" pitchFamily="34" charset="0"/>
-              </a:rPr>
-              <a:t>has▶︎</a:t>
-            </a:r>
-          </a:p>
-        </p:txBody>
-      </p:sp>
-      <p:sp>
-        <p:nvSpPr>
-          <p:cNvPr id="10" name="TextBox 9">
-            <a:extLst>
-              <a:ext uri="{FF2B5EF4-FFF2-40B4-BE49-F238E27FC236}">
-                <a16:creationId xmlns:a16="http://schemas.microsoft.com/office/drawing/2014/main" id="{A35BB023-096C-B34A-8FED-9CE09EE6F055}"/>
-              </a:ext>
-            </a:extLst>
-          </p:cNvPr>
-          <p:cNvSpPr txBox="1"/>
-          <p:nvPr/>
-        </p:nvSpPr>
-        <p:spPr>
-          <a:xfrm>
-            <a:off x="3210807" y="834895"/>
-            <a:ext cx="255198" cy="276999"/>
-          </a:xfrm>
-          <a:prstGeom prst="rect">
-            <a:avLst/>
-          </a:prstGeom>
-          <a:noFill/>
-          <a:ln w="12700">
-            <a:noFill/>
-          </a:ln>
-        </p:spPr>
-        <p:txBody>
-          <a:bodyPr wrap="none" rtlCol="0">
-            <a:spAutoFit/>
-          </a:bodyPr>
-          <a:lstStyle/>
-          <a:p>
-            <a:pPr algn="l"/>
-            <a:r>
-              <a:rPr lang="en-US" sz="1200" dirty="0">
-                <a:latin typeface="Arial Narrow" panose="020B0604020202020204" pitchFamily="34" charset="0"/>
-                <a:cs typeface="Arial Narrow" panose="020B0604020202020204" pitchFamily="34" charset="0"/>
-              </a:rPr>
-              <a:t>1</a:t>
-            </a:r>
-          </a:p>
-        </p:txBody>
-      </p:sp>
-      <p:sp>
-        <p:nvSpPr>
-          <p:cNvPr id="40" name="TextBox 39">
-            <a:extLst>
-              <a:ext uri="{FF2B5EF4-FFF2-40B4-BE49-F238E27FC236}">
-                <a16:creationId xmlns:a16="http://schemas.microsoft.com/office/drawing/2014/main" id="{42BF2B40-71E3-2B44-A3A7-205FAEE62041}"/>
-              </a:ext>
-            </a:extLst>
-          </p:cNvPr>
-          <p:cNvSpPr txBox="1"/>
-          <p:nvPr/>
-        </p:nvSpPr>
-        <p:spPr>
-          <a:xfrm>
-            <a:off x="-19371" y="6211669"/>
-            <a:ext cx="1672951" cy="646331"/>
-          </a:xfrm>
-          <a:prstGeom prst="rect">
-            <a:avLst/>
-          </a:prstGeom>
-          <a:noFill/>
-          <a:ln w="12700">
-            <a:solidFill>
-              <a:schemeClr val="tx1"/>
-            </a:solidFill>
-          </a:ln>
-        </p:spPr>
-        <p:txBody>
-          <a:bodyPr wrap="square" rtlCol="0">
-            <a:spAutoFit/>
-          </a:bodyPr>
-          <a:lstStyle/>
-          <a:p>
-            <a:r>
-              <a:rPr lang="en-US" sz="1200" dirty="0">
-                <a:latin typeface="Arial Narrow" panose="020B0604020202020204" pitchFamily="34" charset="0"/>
-                <a:cs typeface="Arial Narrow" panose="020B0604020202020204" pitchFamily="34" charset="0"/>
-              </a:rPr>
-              <a:t>Xxx</a:t>
-            </a:r>
-          </a:p>
-          <a:p>
-            <a:r>
-              <a:rPr lang="en-US" sz="1200" dirty="0">
-                <a:latin typeface="Arial Narrow" panose="020B0604020202020204" pitchFamily="34" charset="0"/>
-                <a:cs typeface="Arial Narrow" panose="020B0604020202020204" pitchFamily="34" charset="0"/>
-              </a:rPr>
-              <a:t>_____________________</a:t>
-            </a:r>
-          </a:p>
-          <a:p>
-            <a:r>
-              <a:rPr lang="en-US" sz="1200" dirty="0">
-                <a:latin typeface="Arial Narrow" panose="020B0604020202020204" pitchFamily="34" charset="0"/>
-                <a:cs typeface="Arial Narrow" panose="020B0604020202020204" pitchFamily="34" charset="0"/>
-              </a:rPr>
-              <a:t>xxx : xxx</a:t>
-            </a:r>
-          </a:p>
-        </p:txBody>
-      </p:sp>
-      <p:sp>
-        <p:nvSpPr>
-          <p:cNvPr id="41" name="TextBox 40">
-            <a:extLst>
-              <a:ext uri="{FF2B5EF4-FFF2-40B4-BE49-F238E27FC236}">
-                <a16:creationId xmlns:a16="http://schemas.microsoft.com/office/drawing/2014/main" id="{DD009339-9C23-034D-B7F1-DE3C4C61B514}"/>
-              </a:ext>
-            </a:extLst>
-          </p:cNvPr>
-          <p:cNvSpPr txBox="1"/>
-          <p:nvPr/>
-        </p:nvSpPr>
-        <p:spPr>
-          <a:xfrm>
-            <a:off x="4611313" y="499448"/>
-            <a:ext cx="1656261" cy="646331"/>
-          </a:xfrm>
-          <a:prstGeom prst="rect">
-            <a:avLst/>
-          </a:prstGeom>
-          <a:noFill/>
-          <a:ln w="12700">
-            <a:solidFill>
-              <a:schemeClr val="tx1"/>
-            </a:solidFill>
-          </a:ln>
-        </p:spPr>
-        <p:txBody>
-          <a:bodyPr wrap="square" rtlCol="0">
-            <a:spAutoFit/>
-          </a:bodyPr>
-          <a:lstStyle/>
-          <a:p>
-            <a:r>
-              <a:rPr lang="en-US" sz="1200" dirty="0">
-                <a:latin typeface="Arial Narrow" panose="020B0604020202020204" pitchFamily="34" charset="0"/>
-                <a:cs typeface="Arial Narrow" panose="020B0604020202020204" pitchFamily="34" charset="0"/>
-              </a:rPr>
-              <a:t>Account</a:t>
-            </a:r>
-          </a:p>
-          <a:p>
-            <a:r>
-              <a:rPr lang="en-US" sz="1200" dirty="0">
-                <a:latin typeface="Arial Narrow" panose="020B0604020202020204" pitchFamily="34" charset="0"/>
-                <a:cs typeface="Arial Narrow" panose="020B0604020202020204" pitchFamily="34" charset="0"/>
-              </a:rPr>
-              <a:t>_____________________</a:t>
-            </a:r>
-          </a:p>
-          <a:p>
-            <a:r>
-              <a:rPr lang="en-US" sz="1200" dirty="0">
-                <a:latin typeface="Arial Narrow" panose="020B0604020202020204" pitchFamily="34" charset="0"/>
-                <a:cs typeface="Arial Narrow" panose="020B0604020202020204" pitchFamily="34" charset="0"/>
-              </a:rPr>
-              <a:t>balance : integer</a:t>
-            </a:r>
-          </a:p>
-        </p:txBody>
-      </p:sp>
-    </p:spTree>
-    <p:extLst>
-      <p:ext uri="{BB962C8B-B14F-4D97-AF65-F5344CB8AC3E}">
-        <p14:creationId xmlns:p14="http://schemas.microsoft.com/office/powerpoint/2010/main" val="673717279"/>
-      </p:ext>
-    </p:extLst>
-  </p:cSld>
-  <p:clrMapOvr>
-    <a:masterClrMapping/>
-  </p:clrMapOvr>
-</p:sld>
-</file>
-
-<file path=ppt/slides/slide2.xml><?xml version="1.0" encoding="utf-8"?>
-<p:sld xmlns:a="http://schemas.openxmlformats.org/drawingml/2006/main" xmlns:r="http://schemas.openxmlformats.org/officeDocument/2006/relationships" xmlns:p="http://schemas.openxmlformats.org/presentationml/2006/main">
-  <p:cSld>
-    <p:spTree>
-      <p:nvGrpSpPr>
-        <p:cNvPr id="1" name=""/>
-        <p:cNvGrpSpPr/>
-        <p:nvPr/>
-      </p:nvGrpSpPr>
-      <p:grpSpPr>
-        <a:xfrm>
-          <a:off x="0" y="0"/>
-          <a:ext cx="0" cy="0"/>
-          <a:chOff x="0" y="0"/>
-          <a:chExt cx="0" cy="0"/>
-        </a:xfrm>
-      </p:grpSpPr>
-      <p:sp>
-        <p:nvSpPr>
-          <p:cNvPr id="9" name="TextBox 8">
-            <a:extLst>
-              <a:ext uri="{FF2B5EF4-FFF2-40B4-BE49-F238E27FC236}">
-                <a16:creationId xmlns:a16="http://schemas.microsoft.com/office/drawing/2014/main" id="{E6E227A7-545C-C141-B87B-4692E56A2181}"/>
-              </a:ext>
-            </a:extLst>
-          </p:cNvPr>
-          <p:cNvSpPr txBox="1"/>
-          <p:nvPr/>
-        </p:nvSpPr>
-        <p:spPr>
-          <a:xfrm>
-            <a:off x="2132545" y="6534834"/>
-            <a:ext cx="861133" cy="276999"/>
-          </a:xfrm>
-          <a:prstGeom prst="rect">
-            <a:avLst/>
-          </a:prstGeom>
-          <a:noFill/>
-          <a:ln w="12700">
-            <a:noFill/>
-          </a:ln>
-        </p:spPr>
-        <p:txBody>
-          <a:bodyPr wrap="none" rtlCol="0">
-            <a:spAutoFit/>
-          </a:bodyPr>
-          <a:lstStyle/>
-          <a:p>
-            <a:pPr marL="0" marR="0" lvl="0" indent="0" algn="l" defTabSz="914400" rtl="0" eaLnBrk="1" fontAlgn="auto" latinLnBrk="0" hangingPunct="1">
-              <a:lnSpc>
-                <a:spcPct val="100000"/>
-              </a:lnSpc>
-              <a:spcBef>
-                <a:spcPts val="0"/>
-              </a:spcBef>
-              <a:spcAft>
-                <a:spcPts val="0"/>
-              </a:spcAft>
-              <a:buClrTx/>
-              <a:buSzTx/>
-              <a:buFontTx/>
-              <a:buNone/>
-              <a:tabLst/>
-              <a:defRPr/>
-            </a:pPr>
-            <a:r>
-              <a:rPr kumimoji="0" lang="en-US" sz="1200" b="0" i="0" u="none" strike="noStrike" kern="1200" cap="none" spc="0" normalizeH="0" baseline="0" noProof="0" dirty="0">
-                <a:ln>
-                  <a:noFill/>
-                </a:ln>
-                <a:solidFill>
-                  <a:prstClr val="black"/>
-                </a:solidFill>
-                <a:effectLst/>
-                <a:uLnTx/>
-                <a:uFillTx/>
-                <a:latin typeface="Arial Narrow" panose="020B0604020202020204" pitchFamily="34" charset="0"/>
-                <a:ea typeface="+mn-ea"/>
-                <a:cs typeface="Arial Narrow" panose="020B0604020202020204" pitchFamily="34" charset="0"/>
-              </a:rPr>
-              <a:t>▶︎ ◀︎ ▼ ▲</a:t>
-            </a:r>
-          </a:p>
-        </p:txBody>
-      </p:sp>
-      <p:cxnSp>
-        <p:nvCxnSpPr>
           <p:cNvPr id="44" name="Straight Connector 43">
             <a:extLst>
               <a:ext uri="{FF2B5EF4-FFF2-40B4-BE49-F238E27FC236}">
@@ -4061,10 +3507,10 @@
       </p:sp>
       <p:sp>
         <p:nvSpPr>
-          <p:cNvPr id="40" name="TextBox 39">
-            <a:extLst>
-              <a:ext uri="{FF2B5EF4-FFF2-40B4-BE49-F238E27FC236}">
-                <a16:creationId xmlns:a16="http://schemas.microsoft.com/office/drawing/2014/main" id="{42BF2B40-71E3-2B44-A3A7-205FAEE62041}"/>
+          <p:cNvPr id="41" name="TextBox 40">
+            <a:extLst>
+              <a:ext uri="{FF2B5EF4-FFF2-40B4-BE49-F238E27FC236}">
+                <a16:creationId xmlns:a16="http://schemas.microsoft.com/office/drawing/2014/main" id="{DD009339-9C23-034D-B7F1-DE3C4C61B514}"/>
               </a:ext>
             </a:extLst>
           </p:cNvPr>
@@ -4073,8 +3519,8 @@
         </p:nvSpPr>
         <p:spPr>
           <a:xfrm>
-            <a:off x="-19371" y="6211669"/>
-            <a:ext cx="1672951" cy="646331"/>
+            <a:off x="2460360" y="543588"/>
+            <a:ext cx="1656261" cy="1384995"/>
           </a:xfrm>
           <a:prstGeom prst="rect">
             <a:avLst/>
@@ -4124,7 +3570,7 @@
                 <a:ea typeface="+mn-ea"/>
                 <a:cs typeface="Arial Narrow" panose="020B0604020202020204" pitchFamily="34" charset="0"/>
               </a:rPr>
-              <a:t>Xxx</a:t>
+              <a:t>User</a:t>
             </a:r>
           </a:p>
           <a:p>
@@ -4196,148 +3642,6 @@
                 <a:ea typeface="+mn-ea"/>
                 <a:cs typeface="Arial Narrow" panose="020B0604020202020204" pitchFamily="34" charset="0"/>
               </a:rPr>
-              <a:t>xxx : xxx</a:t>
-            </a:r>
-          </a:p>
-        </p:txBody>
-      </p:sp>
-      <p:sp>
-        <p:nvSpPr>
-          <p:cNvPr id="41" name="TextBox 40">
-            <a:extLst>
-              <a:ext uri="{FF2B5EF4-FFF2-40B4-BE49-F238E27FC236}">
-                <a16:creationId xmlns:a16="http://schemas.microsoft.com/office/drawing/2014/main" id="{DD009339-9C23-034D-B7F1-DE3C4C61B514}"/>
-              </a:ext>
-            </a:extLst>
-          </p:cNvPr>
-          <p:cNvSpPr txBox="1"/>
-          <p:nvPr/>
-        </p:nvSpPr>
-        <p:spPr>
-          <a:xfrm>
-            <a:off x="2460360" y="543588"/>
-            <a:ext cx="1656261" cy="1384995"/>
-          </a:xfrm>
-          <a:prstGeom prst="rect">
-            <a:avLst/>
-          </a:prstGeom>
-          <a:noFill/>
-          <a:ln w="12700">
-            <a:solidFill>
-              <a:schemeClr val="tx1"/>
-            </a:solidFill>
-          </a:ln>
-        </p:spPr>
-        <p:txBody>
-          <a:bodyPr wrap="square" rtlCol="0">
-            <a:spAutoFit/>
-          </a:bodyPr>
-          <a:lstStyle/>
-          <a:p>
-            <a:pPr marL="0" marR="0" lvl="0" indent="0" algn="l" defTabSz="914400" rtl="0" eaLnBrk="1" fontAlgn="auto" latinLnBrk="0" hangingPunct="1">
-              <a:lnSpc>
-                <a:spcPct val="100000"/>
-              </a:lnSpc>
-              <a:spcBef>
-                <a:spcPts val="0"/>
-              </a:spcBef>
-              <a:spcAft>
-                <a:spcPts val="0"/>
-              </a:spcAft>
-              <a:buClrTx/>
-              <a:buSzTx/>
-              <a:buFontTx/>
-              <a:buNone/>
-              <a:tabLst/>
-              <a:defRPr/>
-            </a:pPr>
-            <a:r>
-              <a:rPr kumimoji="0" lang="en-US" sz="1200" b="0" i="0" u="none" strike="noStrike" kern="1200" cap="none" spc="0" normalizeH="0" baseline="0" noProof="0" dirty="0">
-                <a:ln>
-                  <a:noFill/>
-                </a:ln>
-                <a:solidFill>
-                  <a:prstClr val="black"/>
-                </a:solidFill>
-                <a:effectLst/>
-                <a:uLnTx/>
-                <a:uFillTx/>
-                <a:latin typeface="Arial Narrow" panose="020B0604020202020204" pitchFamily="34" charset="0"/>
-                <a:ea typeface="+mn-ea"/>
-                <a:cs typeface="Arial Narrow" panose="020B0604020202020204" pitchFamily="34" charset="0"/>
-              </a:rPr>
-              <a:t>User</a:t>
-            </a:r>
-          </a:p>
-          <a:p>
-            <a:pPr marL="0" marR="0" lvl="0" indent="0" algn="l" defTabSz="914400" rtl="0" eaLnBrk="1" fontAlgn="auto" latinLnBrk="0" hangingPunct="1">
-              <a:lnSpc>
-                <a:spcPct val="100000"/>
-              </a:lnSpc>
-              <a:spcBef>
-                <a:spcPts val="0"/>
-              </a:spcBef>
-              <a:spcAft>
-                <a:spcPts val="0"/>
-              </a:spcAft>
-              <a:buClrTx/>
-              <a:buSzTx/>
-              <a:buFontTx/>
-              <a:buNone/>
-              <a:tabLst/>
-              <a:defRPr/>
-            </a:pPr>
-            <a:r>
-              <a:rPr kumimoji="0" lang="en-US" sz="1200" b="0" i="0" u="none" strike="noStrike" kern="1200" cap="none" spc="0" normalizeH="0" baseline="0" noProof="0" dirty="0">
-                <a:ln>
-                  <a:noFill/>
-                </a:ln>
-                <a:solidFill>
-                  <a:prstClr val="black"/>
-                </a:solidFill>
-                <a:effectLst/>
-                <a:uLnTx/>
-                <a:uFillTx/>
-                <a:latin typeface="Arial Narrow" panose="020B0604020202020204" pitchFamily="34" charset="0"/>
-                <a:ea typeface="+mn-ea"/>
-                <a:cs typeface="Arial Narrow" panose="020B0604020202020204" pitchFamily="34" charset="0"/>
-              </a:rPr>
-              <a:t>_____________________</a:t>
-            </a:r>
-          </a:p>
-          <a:p>
-            <a:pPr marL="0" marR="0" lvl="0" indent="0" algn="l" defTabSz="914400" rtl="0" eaLnBrk="1" fontAlgn="auto" latinLnBrk="0" hangingPunct="1">
-              <a:lnSpc>
-                <a:spcPct val="100000"/>
-              </a:lnSpc>
-              <a:spcBef>
-                <a:spcPts val="0"/>
-              </a:spcBef>
-              <a:spcAft>
-                <a:spcPts val="0"/>
-              </a:spcAft>
-              <a:buClrTx/>
-              <a:buSzTx/>
-              <a:buFontTx/>
-              <a:buNone/>
-              <a:tabLst/>
-              <a:defRPr/>
-            </a:pPr>
-            <a:r>
-              <a:rPr kumimoji="0" lang="en-US" sz="1200" b="0" i="0" u="none" strike="noStrike" kern="1200" cap="none" spc="0" normalizeH="0" baseline="0" noProof="0" dirty="0">
-                <a:ln>
-                  <a:noFill/>
-                </a:ln>
-                <a:solidFill>
-                  <a:prstClr val="black"/>
-                </a:solidFill>
-                <a:effectLst/>
-                <a:uLnTx/>
-                <a:uFillTx/>
-                <a:latin typeface="Arial Narrow" panose="020B0604020202020204" pitchFamily="34" charset="0"/>
-                <a:ea typeface="+mn-ea"/>
-                <a:cs typeface="Arial Narrow" panose="020B0604020202020204" pitchFamily="34" charset="0"/>
-              </a:rPr>
               <a:t>name : string</a:t>
             </a:r>
           </a:p>
@@ -4487,49 +3791,6 @@
           </a:p>
         </p:txBody>
       </p:sp>
-      <p:cxnSp>
-        <p:nvCxnSpPr>
-          <p:cNvPr id="12" name="Straight Connector 11">
-            <a:extLst>
-              <a:ext uri="{FF2B5EF4-FFF2-40B4-BE49-F238E27FC236}">
-                <a16:creationId xmlns:a16="http://schemas.microsoft.com/office/drawing/2014/main" id="{A420D895-5609-482B-BB21-101A230920FD}"/>
-              </a:ext>
-            </a:extLst>
-          </p:cNvPr>
-          <p:cNvCxnSpPr>
-            <a:cxnSpLocks/>
-          </p:cNvCxnSpPr>
-          <p:nvPr/>
-        </p:nvCxnSpPr>
-        <p:spPr>
-          <a:xfrm flipH="1">
-            <a:off x="2212569" y="6477631"/>
-            <a:ext cx="1334132" cy="0"/>
-          </a:xfrm>
-          <a:prstGeom prst="line">
-            <a:avLst/>
-          </a:prstGeom>
-          <a:ln w="12700">
-            <a:solidFill>
-              <a:schemeClr val="tx1"/>
-            </a:solidFill>
-          </a:ln>
-        </p:spPr>
-        <p:style>
-          <a:lnRef idx="1">
-            <a:schemeClr val="accent1"/>
-          </a:lnRef>
-          <a:fillRef idx="0">
-            <a:schemeClr val="accent1"/>
-          </a:fillRef>
-          <a:effectRef idx="0">
-            <a:schemeClr val="accent1"/>
-          </a:effectRef>
-          <a:fontRef idx="minor">
-            <a:schemeClr val="tx1"/>
-          </a:fontRef>
-        </p:style>
-      </p:cxnSp>
       <p:grpSp>
         <p:nvGrpSpPr>
           <p:cNvPr id="32" name="Group 31">

--- a/docs/model_design/model_design_v1.0_0324.pptx
+++ b/docs/model_design/model_design_v1.0_0324.pptx
@@ -6,6 +6,7 @@
   </p:sldMasterIdLst>
   <p:sldIdLst>
     <p:sldId id="257" r:id="rId2"/>
+    <p:sldId id="258" r:id="rId3"/>
   </p:sldIdLst>
   <p:sldSz cx="12192000" cy="6858000"/>
   <p:notesSz cx="6858000" cy="9144000"/>
@@ -106,7 +107,7 @@
   </p:defaultTextStyle>
   <p:extLst>
     <p:ext uri="{EFAFB233-063F-42B5-8137-9DF3F51BA10A}">
-      <p15:sldGuideLst xmlns:p15="http://schemas.microsoft.com/office/powerpoint/2012/main"/>
+      <p15:sldGuideLst xmlns:p15="http://schemas.microsoft.com/office/powerpoint/2012/main" xmlns=""/>
     </p:ext>
   </p:extLst>
 </p:presentation>
@@ -134,7 +135,7 @@
           <p:cNvPr id="2" name="Title 1">
             <a:extLst>
               <a:ext uri="{FF2B5EF4-FFF2-40B4-BE49-F238E27FC236}">
-                <a16:creationId xmlns:a16="http://schemas.microsoft.com/office/drawing/2014/main" id="{0876690C-9B23-E84A-B802-36ED11B31244}"/>
+                <a16:creationId xmlns:a16="http://schemas.microsoft.com/office/drawing/2014/main" xmlns="" id="{0876690C-9B23-E84A-B802-36ED11B31244}"/>
               </a:ext>
             </a:extLst>
           </p:cNvPr>
@@ -171,7 +172,7 @@
           <p:cNvPr id="3" name="Subtitle 2">
             <a:extLst>
               <a:ext uri="{FF2B5EF4-FFF2-40B4-BE49-F238E27FC236}">
-                <a16:creationId xmlns:a16="http://schemas.microsoft.com/office/drawing/2014/main" id="{0EFB8CD5-2AD8-5A45-9F97-501DDD4FEA81}"/>
+                <a16:creationId xmlns:a16="http://schemas.microsoft.com/office/drawing/2014/main" xmlns="" id="{0EFB8CD5-2AD8-5A45-9F97-501DDD4FEA81}"/>
               </a:ext>
             </a:extLst>
           </p:cNvPr>
@@ -241,7 +242,7 @@
           <p:cNvPr id="4" name="Date Placeholder 3">
             <a:extLst>
               <a:ext uri="{FF2B5EF4-FFF2-40B4-BE49-F238E27FC236}">
-                <a16:creationId xmlns:a16="http://schemas.microsoft.com/office/drawing/2014/main" id="{5A0435F9-E8E2-554C-91EE-07B63466DF39}"/>
+                <a16:creationId xmlns:a16="http://schemas.microsoft.com/office/drawing/2014/main" xmlns="" id="{5A0435F9-E8E2-554C-91EE-07B63466DF39}"/>
               </a:ext>
             </a:extLst>
           </p:cNvPr>
@@ -259,7 +260,7 @@
           <a:p>
             <a:fld id="{75F1E914-A6F4-3045-9D3D-73FD47E80560}" type="datetimeFigureOut">
               <a:rPr lang="en-US" smtClean="0"/>
-              <a:t>3/25/2019</a:t>
+              <a:t>3/27/19</a:t>
             </a:fld>
             <a:endParaRPr lang="en-US"/>
           </a:p>
@@ -270,7 +271,7 @@
           <p:cNvPr id="5" name="Footer Placeholder 4">
             <a:extLst>
               <a:ext uri="{FF2B5EF4-FFF2-40B4-BE49-F238E27FC236}">
-                <a16:creationId xmlns:a16="http://schemas.microsoft.com/office/drawing/2014/main" id="{7F6B3B04-EBA4-4441-AA85-EFA304725169}"/>
+                <a16:creationId xmlns:a16="http://schemas.microsoft.com/office/drawing/2014/main" xmlns="" id="{7F6B3B04-EBA4-4441-AA85-EFA304725169}"/>
               </a:ext>
             </a:extLst>
           </p:cNvPr>
@@ -295,7 +296,7 @@
           <p:cNvPr id="6" name="Slide Number Placeholder 5">
             <a:extLst>
               <a:ext uri="{FF2B5EF4-FFF2-40B4-BE49-F238E27FC236}">
-                <a16:creationId xmlns:a16="http://schemas.microsoft.com/office/drawing/2014/main" id="{7A3C5D83-4650-6F44-B94D-6CA11045B83C}"/>
+                <a16:creationId xmlns:a16="http://schemas.microsoft.com/office/drawing/2014/main" xmlns="" id="{7A3C5D83-4650-6F44-B94D-6CA11045B83C}"/>
               </a:ext>
             </a:extLst>
           </p:cNvPr>
@@ -354,7 +355,7 @@
           <p:cNvPr id="2" name="Title 1">
             <a:extLst>
               <a:ext uri="{FF2B5EF4-FFF2-40B4-BE49-F238E27FC236}">
-                <a16:creationId xmlns:a16="http://schemas.microsoft.com/office/drawing/2014/main" id="{5C45F2B0-F10A-7646-B090-60951DEB3DA9}"/>
+                <a16:creationId xmlns:a16="http://schemas.microsoft.com/office/drawing/2014/main" xmlns="" id="{5C45F2B0-F10A-7646-B090-60951DEB3DA9}"/>
               </a:ext>
             </a:extLst>
           </p:cNvPr>
@@ -382,7 +383,7 @@
           <p:cNvPr id="3" name="Vertical Text Placeholder 2">
             <a:extLst>
               <a:ext uri="{FF2B5EF4-FFF2-40B4-BE49-F238E27FC236}">
-                <a16:creationId xmlns:a16="http://schemas.microsoft.com/office/drawing/2014/main" id="{D4655179-C685-9240-88FA-EFC78010748D}"/>
+                <a16:creationId xmlns:a16="http://schemas.microsoft.com/office/drawing/2014/main" xmlns="" id="{D4655179-C685-9240-88FA-EFC78010748D}"/>
               </a:ext>
             </a:extLst>
           </p:cNvPr>
@@ -439,7 +440,7 @@
           <p:cNvPr id="4" name="Date Placeholder 3">
             <a:extLst>
               <a:ext uri="{FF2B5EF4-FFF2-40B4-BE49-F238E27FC236}">
-                <a16:creationId xmlns:a16="http://schemas.microsoft.com/office/drawing/2014/main" id="{011C54F1-85B4-2A45-9A3E-9CB496B3DE09}"/>
+                <a16:creationId xmlns:a16="http://schemas.microsoft.com/office/drawing/2014/main" xmlns="" id="{011C54F1-85B4-2A45-9A3E-9CB496B3DE09}"/>
               </a:ext>
             </a:extLst>
           </p:cNvPr>
@@ -457,7 +458,7 @@
           <a:p>
             <a:fld id="{75F1E914-A6F4-3045-9D3D-73FD47E80560}" type="datetimeFigureOut">
               <a:rPr lang="en-US" smtClean="0"/>
-              <a:t>3/25/2019</a:t>
+              <a:t>3/27/19</a:t>
             </a:fld>
             <a:endParaRPr lang="en-US"/>
           </a:p>
@@ -468,7 +469,7 @@
           <p:cNvPr id="5" name="Footer Placeholder 4">
             <a:extLst>
               <a:ext uri="{FF2B5EF4-FFF2-40B4-BE49-F238E27FC236}">
-                <a16:creationId xmlns:a16="http://schemas.microsoft.com/office/drawing/2014/main" id="{5B156631-D074-9D42-B89F-02A25F765DB1}"/>
+                <a16:creationId xmlns:a16="http://schemas.microsoft.com/office/drawing/2014/main" xmlns="" id="{5B156631-D074-9D42-B89F-02A25F765DB1}"/>
               </a:ext>
             </a:extLst>
           </p:cNvPr>
@@ -493,7 +494,7 @@
           <p:cNvPr id="6" name="Slide Number Placeholder 5">
             <a:extLst>
               <a:ext uri="{FF2B5EF4-FFF2-40B4-BE49-F238E27FC236}">
-                <a16:creationId xmlns:a16="http://schemas.microsoft.com/office/drawing/2014/main" id="{43D40104-E579-B049-B180-565D50306CB3}"/>
+                <a16:creationId xmlns:a16="http://schemas.microsoft.com/office/drawing/2014/main" xmlns="" id="{43D40104-E579-B049-B180-565D50306CB3}"/>
               </a:ext>
             </a:extLst>
           </p:cNvPr>
@@ -552,7 +553,7 @@
           <p:cNvPr id="2" name="Vertical Title 1">
             <a:extLst>
               <a:ext uri="{FF2B5EF4-FFF2-40B4-BE49-F238E27FC236}">
-                <a16:creationId xmlns:a16="http://schemas.microsoft.com/office/drawing/2014/main" id="{391E41DF-B2F6-DA4C-AC03-14954BE74EB2}"/>
+                <a16:creationId xmlns:a16="http://schemas.microsoft.com/office/drawing/2014/main" xmlns="" id="{391E41DF-B2F6-DA4C-AC03-14954BE74EB2}"/>
               </a:ext>
             </a:extLst>
           </p:cNvPr>
@@ -585,7 +586,7 @@
           <p:cNvPr id="3" name="Vertical Text Placeholder 2">
             <a:extLst>
               <a:ext uri="{FF2B5EF4-FFF2-40B4-BE49-F238E27FC236}">
-                <a16:creationId xmlns:a16="http://schemas.microsoft.com/office/drawing/2014/main" id="{C607FEC9-9248-CF47-95E8-9E4BE113BF46}"/>
+                <a16:creationId xmlns:a16="http://schemas.microsoft.com/office/drawing/2014/main" xmlns="" id="{C607FEC9-9248-CF47-95E8-9E4BE113BF46}"/>
               </a:ext>
             </a:extLst>
           </p:cNvPr>
@@ -647,7 +648,7 @@
           <p:cNvPr id="4" name="Date Placeholder 3">
             <a:extLst>
               <a:ext uri="{FF2B5EF4-FFF2-40B4-BE49-F238E27FC236}">
-                <a16:creationId xmlns:a16="http://schemas.microsoft.com/office/drawing/2014/main" id="{B127AA72-6CF8-FF49-9FEF-20B504EA7AED}"/>
+                <a16:creationId xmlns:a16="http://schemas.microsoft.com/office/drawing/2014/main" xmlns="" id="{B127AA72-6CF8-FF49-9FEF-20B504EA7AED}"/>
               </a:ext>
             </a:extLst>
           </p:cNvPr>
@@ -665,7 +666,7 @@
           <a:p>
             <a:fld id="{75F1E914-A6F4-3045-9D3D-73FD47E80560}" type="datetimeFigureOut">
               <a:rPr lang="en-US" smtClean="0"/>
-              <a:t>3/25/2019</a:t>
+              <a:t>3/27/19</a:t>
             </a:fld>
             <a:endParaRPr lang="en-US"/>
           </a:p>
@@ -676,7 +677,7 @@
           <p:cNvPr id="5" name="Footer Placeholder 4">
             <a:extLst>
               <a:ext uri="{FF2B5EF4-FFF2-40B4-BE49-F238E27FC236}">
-                <a16:creationId xmlns:a16="http://schemas.microsoft.com/office/drawing/2014/main" id="{BFBD1A25-5286-6044-AC7C-31E4B502EE50}"/>
+                <a16:creationId xmlns:a16="http://schemas.microsoft.com/office/drawing/2014/main" xmlns="" id="{BFBD1A25-5286-6044-AC7C-31E4B502EE50}"/>
               </a:ext>
             </a:extLst>
           </p:cNvPr>
@@ -701,7 +702,7 @@
           <p:cNvPr id="6" name="Slide Number Placeholder 5">
             <a:extLst>
               <a:ext uri="{FF2B5EF4-FFF2-40B4-BE49-F238E27FC236}">
-                <a16:creationId xmlns:a16="http://schemas.microsoft.com/office/drawing/2014/main" id="{2D1F4102-F426-EE48-A3F2-8076EC58C6DB}"/>
+                <a16:creationId xmlns:a16="http://schemas.microsoft.com/office/drawing/2014/main" xmlns="" id="{2D1F4102-F426-EE48-A3F2-8076EC58C6DB}"/>
               </a:ext>
             </a:extLst>
           </p:cNvPr>
@@ -760,7 +761,7 @@
           <p:cNvPr id="2" name="Title 1">
             <a:extLst>
               <a:ext uri="{FF2B5EF4-FFF2-40B4-BE49-F238E27FC236}">
-                <a16:creationId xmlns:a16="http://schemas.microsoft.com/office/drawing/2014/main" id="{E671ABF4-6839-7F44-9527-B694271997A8}"/>
+                <a16:creationId xmlns:a16="http://schemas.microsoft.com/office/drawing/2014/main" xmlns="" id="{E671ABF4-6839-7F44-9527-B694271997A8}"/>
               </a:ext>
             </a:extLst>
           </p:cNvPr>
@@ -788,7 +789,7 @@
           <p:cNvPr id="3" name="Content Placeholder 2">
             <a:extLst>
               <a:ext uri="{FF2B5EF4-FFF2-40B4-BE49-F238E27FC236}">
-                <a16:creationId xmlns:a16="http://schemas.microsoft.com/office/drawing/2014/main" id="{5FDBE065-0B4D-2B4F-AD87-3CDD39BEB010}"/>
+                <a16:creationId xmlns:a16="http://schemas.microsoft.com/office/drawing/2014/main" xmlns="" id="{5FDBE065-0B4D-2B4F-AD87-3CDD39BEB010}"/>
               </a:ext>
             </a:extLst>
           </p:cNvPr>
@@ -845,7 +846,7 @@
           <p:cNvPr id="4" name="Date Placeholder 3">
             <a:extLst>
               <a:ext uri="{FF2B5EF4-FFF2-40B4-BE49-F238E27FC236}">
-                <a16:creationId xmlns:a16="http://schemas.microsoft.com/office/drawing/2014/main" id="{369D87C9-2774-384F-B19B-B52259728C0A}"/>
+                <a16:creationId xmlns:a16="http://schemas.microsoft.com/office/drawing/2014/main" xmlns="" id="{369D87C9-2774-384F-B19B-B52259728C0A}"/>
               </a:ext>
             </a:extLst>
           </p:cNvPr>
@@ -863,7 +864,7 @@
           <a:p>
             <a:fld id="{75F1E914-A6F4-3045-9D3D-73FD47E80560}" type="datetimeFigureOut">
               <a:rPr lang="en-US" smtClean="0"/>
-              <a:t>3/25/2019</a:t>
+              <a:t>3/27/19</a:t>
             </a:fld>
             <a:endParaRPr lang="en-US"/>
           </a:p>
@@ -874,7 +875,7 @@
           <p:cNvPr id="5" name="Footer Placeholder 4">
             <a:extLst>
               <a:ext uri="{FF2B5EF4-FFF2-40B4-BE49-F238E27FC236}">
-                <a16:creationId xmlns:a16="http://schemas.microsoft.com/office/drawing/2014/main" id="{DB79166D-7D20-1249-981E-8BC0EC423C14}"/>
+                <a16:creationId xmlns:a16="http://schemas.microsoft.com/office/drawing/2014/main" xmlns="" id="{DB79166D-7D20-1249-981E-8BC0EC423C14}"/>
               </a:ext>
             </a:extLst>
           </p:cNvPr>
@@ -899,7 +900,7 @@
           <p:cNvPr id="6" name="Slide Number Placeholder 5">
             <a:extLst>
               <a:ext uri="{FF2B5EF4-FFF2-40B4-BE49-F238E27FC236}">
-                <a16:creationId xmlns:a16="http://schemas.microsoft.com/office/drawing/2014/main" id="{7198FF45-D6C1-9E47-B4E1-0E892A4F4F68}"/>
+                <a16:creationId xmlns:a16="http://schemas.microsoft.com/office/drawing/2014/main" xmlns="" id="{7198FF45-D6C1-9E47-B4E1-0E892A4F4F68}"/>
               </a:ext>
             </a:extLst>
           </p:cNvPr>
@@ -958,7 +959,7 @@
           <p:cNvPr id="2" name="Title 1">
             <a:extLst>
               <a:ext uri="{FF2B5EF4-FFF2-40B4-BE49-F238E27FC236}">
-                <a16:creationId xmlns:a16="http://schemas.microsoft.com/office/drawing/2014/main" id="{9CCACAAC-09EB-F044-A233-A19193E5D5FD}"/>
+                <a16:creationId xmlns:a16="http://schemas.microsoft.com/office/drawing/2014/main" xmlns="" id="{9CCACAAC-09EB-F044-A233-A19193E5D5FD}"/>
               </a:ext>
             </a:extLst>
           </p:cNvPr>
@@ -995,7 +996,7 @@
           <p:cNvPr id="3" name="Text Placeholder 2">
             <a:extLst>
               <a:ext uri="{FF2B5EF4-FFF2-40B4-BE49-F238E27FC236}">
-                <a16:creationId xmlns:a16="http://schemas.microsoft.com/office/drawing/2014/main" id="{F3E72DF0-CB0A-4142-A31B-6F41C360FCF6}"/>
+                <a16:creationId xmlns:a16="http://schemas.microsoft.com/office/drawing/2014/main" xmlns="" id="{F3E72DF0-CB0A-4142-A31B-6F41C360FCF6}"/>
               </a:ext>
             </a:extLst>
           </p:cNvPr>
@@ -1120,7 +1121,7 @@
           <p:cNvPr id="4" name="Date Placeholder 3">
             <a:extLst>
               <a:ext uri="{FF2B5EF4-FFF2-40B4-BE49-F238E27FC236}">
-                <a16:creationId xmlns:a16="http://schemas.microsoft.com/office/drawing/2014/main" id="{138BC719-B7A5-F246-A113-22BB58A7FAFA}"/>
+                <a16:creationId xmlns:a16="http://schemas.microsoft.com/office/drawing/2014/main" xmlns="" id="{138BC719-B7A5-F246-A113-22BB58A7FAFA}"/>
               </a:ext>
             </a:extLst>
           </p:cNvPr>
@@ -1138,7 +1139,7 @@
           <a:p>
             <a:fld id="{75F1E914-A6F4-3045-9D3D-73FD47E80560}" type="datetimeFigureOut">
               <a:rPr lang="en-US" smtClean="0"/>
-              <a:t>3/25/2019</a:t>
+              <a:t>3/27/19</a:t>
             </a:fld>
             <a:endParaRPr lang="en-US"/>
           </a:p>
@@ -1149,7 +1150,7 @@
           <p:cNvPr id="5" name="Footer Placeholder 4">
             <a:extLst>
               <a:ext uri="{FF2B5EF4-FFF2-40B4-BE49-F238E27FC236}">
-                <a16:creationId xmlns:a16="http://schemas.microsoft.com/office/drawing/2014/main" id="{2FB92FCE-37A9-724B-BE6F-BA982B51B861}"/>
+                <a16:creationId xmlns:a16="http://schemas.microsoft.com/office/drawing/2014/main" xmlns="" id="{2FB92FCE-37A9-724B-BE6F-BA982B51B861}"/>
               </a:ext>
             </a:extLst>
           </p:cNvPr>
@@ -1174,7 +1175,7 @@
           <p:cNvPr id="6" name="Slide Number Placeholder 5">
             <a:extLst>
               <a:ext uri="{FF2B5EF4-FFF2-40B4-BE49-F238E27FC236}">
-                <a16:creationId xmlns:a16="http://schemas.microsoft.com/office/drawing/2014/main" id="{8F9A66E4-DB72-9B4F-985C-E04AF8489D7D}"/>
+                <a16:creationId xmlns:a16="http://schemas.microsoft.com/office/drawing/2014/main" xmlns="" id="{8F9A66E4-DB72-9B4F-985C-E04AF8489D7D}"/>
               </a:ext>
             </a:extLst>
           </p:cNvPr>
@@ -1233,7 +1234,7 @@
           <p:cNvPr id="2" name="Title 1">
             <a:extLst>
               <a:ext uri="{FF2B5EF4-FFF2-40B4-BE49-F238E27FC236}">
-                <a16:creationId xmlns:a16="http://schemas.microsoft.com/office/drawing/2014/main" id="{AC57AC8C-BC3F-7641-910F-74DEC422A8C8}"/>
+                <a16:creationId xmlns:a16="http://schemas.microsoft.com/office/drawing/2014/main" xmlns="" id="{AC57AC8C-BC3F-7641-910F-74DEC422A8C8}"/>
               </a:ext>
             </a:extLst>
           </p:cNvPr>
@@ -1261,7 +1262,7 @@
           <p:cNvPr id="3" name="Content Placeholder 2">
             <a:extLst>
               <a:ext uri="{FF2B5EF4-FFF2-40B4-BE49-F238E27FC236}">
-                <a16:creationId xmlns:a16="http://schemas.microsoft.com/office/drawing/2014/main" id="{80DC74EE-B717-CC4E-BC38-7647EE6F3EE5}"/>
+                <a16:creationId xmlns:a16="http://schemas.microsoft.com/office/drawing/2014/main" xmlns="" id="{80DC74EE-B717-CC4E-BC38-7647EE6F3EE5}"/>
               </a:ext>
             </a:extLst>
           </p:cNvPr>
@@ -1323,7 +1324,7 @@
           <p:cNvPr id="4" name="Content Placeholder 3">
             <a:extLst>
               <a:ext uri="{FF2B5EF4-FFF2-40B4-BE49-F238E27FC236}">
-                <a16:creationId xmlns:a16="http://schemas.microsoft.com/office/drawing/2014/main" id="{853BC161-41E7-0844-8F35-06AB25071C59}"/>
+                <a16:creationId xmlns:a16="http://schemas.microsoft.com/office/drawing/2014/main" xmlns="" id="{853BC161-41E7-0844-8F35-06AB25071C59}"/>
               </a:ext>
             </a:extLst>
           </p:cNvPr>
@@ -1385,7 +1386,7 @@
           <p:cNvPr id="5" name="Date Placeholder 4">
             <a:extLst>
               <a:ext uri="{FF2B5EF4-FFF2-40B4-BE49-F238E27FC236}">
-                <a16:creationId xmlns:a16="http://schemas.microsoft.com/office/drawing/2014/main" id="{231683D5-5557-EC4C-86ED-B311AA3E14D8}"/>
+                <a16:creationId xmlns:a16="http://schemas.microsoft.com/office/drawing/2014/main" xmlns="" id="{231683D5-5557-EC4C-86ED-B311AA3E14D8}"/>
               </a:ext>
             </a:extLst>
           </p:cNvPr>
@@ -1403,7 +1404,7 @@
           <a:p>
             <a:fld id="{75F1E914-A6F4-3045-9D3D-73FD47E80560}" type="datetimeFigureOut">
               <a:rPr lang="en-US" smtClean="0"/>
-              <a:t>3/25/2019</a:t>
+              <a:t>3/27/19</a:t>
             </a:fld>
             <a:endParaRPr lang="en-US"/>
           </a:p>
@@ -1414,7 +1415,7 @@
           <p:cNvPr id="6" name="Footer Placeholder 5">
             <a:extLst>
               <a:ext uri="{FF2B5EF4-FFF2-40B4-BE49-F238E27FC236}">
-                <a16:creationId xmlns:a16="http://schemas.microsoft.com/office/drawing/2014/main" id="{BEDD93A9-0E90-4A4B-AB77-7FEEB74BBCBD}"/>
+                <a16:creationId xmlns:a16="http://schemas.microsoft.com/office/drawing/2014/main" xmlns="" id="{BEDD93A9-0E90-4A4B-AB77-7FEEB74BBCBD}"/>
               </a:ext>
             </a:extLst>
           </p:cNvPr>
@@ -1439,7 +1440,7 @@
           <p:cNvPr id="7" name="Slide Number Placeholder 6">
             <a:extLst>
               <a:ext uri="{FF2B5EF4-FFF2-40B4-BE49-F238E27FC236}">
-                <a16:creationId xmlns:a16="http://schemas.microsoft.com/office/drawing/2014/main" id="{03180DBF-88DA-6148-B60A-8D05D8CEEBF0}"/>
+                <a16:creationId xmlns:a16="http://schemas.microsoft.com/office/drawing/2014/main" xmlns="" id="{03180DBF-88DA-6148-B60A-8D05D8CEEBF0}"/>
               </a:ext>
             </a:extLst>
           </p:cNvPr>
@@ -1498,7 +1499,7 @@
           <p:cNvPr id="2" name="Title 1">
             <a:extLst>
               <a:ext uri="{FF2B5EF4-FFF2-40B4-BE49-F238E27FC236}">
-                <a16:creationId xmlns:a16="http://schemas.microsoft.com/office/drawing/2014/main" id="{A6044C57-3C7E-D845-B8A5-7046E7C2A8F1}"/>
+                <a16:creationId xmlns:a16="http://schemas.microsoft.com/office/drawing/2014/main" xmlns="" id="{A6044C57-3C7E-D845-B8A5-7046E7C2A8F1}"/>
               </a:ext>
             </a:extLst>
           </p:cNvPr>
@@ -1531,7 +1532,7 @@
           <p:cNvPr id="3" name="Text Placeholder 2">
             <a:extLst>
               <a:ext uri="{FF2B5EF4-FFF2-40B4-BE49-F238E27FC236}">
-                <a16:creationId xmlns:a16="http://schemas.microsoft.com/office/drawing/2014/main" id="{0CA11D7A-01D0-BF46-8304-E1D6D55E43CF}"/>
+                <a16:creationId xmlns:a16="http://schemas.microsoft.com/office/drawing/2014/main" xmlns="" id="{0CA11D7A-01D0-BF46-8304-E1D6D55E43CF}"/>
               </a:ext>
             </a:extLst>
           </p:cNvPr>
@@ -1602,7 +1603,7 @@
           <p:cNvPr id="4" name="Content Placeholder 3">
             <a:extLst>
               <a:ext uri="{FF2B5EF4-FFF2-40B4-BE49-F238E27FC236}">
-                <a16:creationId xmlns:a16="http://schemas.microsoft.com/office/drawing/2014/main" id="{AE4551BC-691F-F34E-A66A-801DAF21E68A}"/>
+                <a16:creationId xmlns:a16="http://schemas.microsoft.com/office/drawing/2014/main" xmlns="" id="{AE4551BC-691F-F34E-A66A-801DAF21E68A}"/>
               </a:ext>
             </a:extLst>
           </p:cNvPr>
@@ -1664,7 +1665,7 @@
           <p:cNvPr id="5" name="Text Placeholder 4">
             <a:extLst>
               <a:ext uri="{FF2B5EF4-FFF2-40B4-BE49-F238E27FC236}">
-                <a16:creationId xmlns:a16="http://schemas.microsoft.com/office/drawing/2014/main" id="{95C37A03-75DC-A646-AFA7-6096496CB226}"/>
+                <a16:creationId xmlns:a16="http://schemas.microsoft.com/office/drawing/2014/main" xmlns="" id="{95C37A03-75DC-A646-AFA7-6096496CB226}"/>
               </a:ext>
             </a:extLst>
           </p:cNvPr>
@@ -1735,7 +1736,7 @@
           <p:cNvPr id="6" name="Content Placeholder 5">
             <a:extLst>
               <a:ext uri="{FF2B5EF4-FFF2-40B4-BE49-F238E27FC236}">
-                <a16:creationId xmlns:a16="http://schemas.microsoft.com/office/drawing/2014/main" id="{439DA11B-09C6-4B43-A0A9-5CA649FB3E61}"/>
+                <a16:creationId xmlns:a16="http://schemas.microsoft.com/office/drawing/2014/main" xmlns="" id="{439DA11B-09C6-4B43-A0A9-5CA649FB3E61}"/>
               </a:ext>
             </a:extLst>
           </p:cNvPr>
@@ -1797,7 +1798,7 @@
           <p:cNvPr id="7" name="Date Placeholder 6">
             <a:extLst>
               <a:ext uri="{FF2B5EF4-FFF2-40B4-BE49-F238E27FC236}">
-                <a16:creationId xmlns:a16="http://schemas.microsoft.com/office/drawing/2014/main" id="{15F34E54-6A18-F043-A938-7CA5FD1EC1B6}"/>
+                <a16:creationId xmlns:a16="http://schemas.microsoft.com/office/drawing/2014/main" xmlns="" id="{15F34E54-6A18-F043-A938-7CA5FD1EC1B6}"/>
               </a:ext>
             </a:extLst>
           </p:cNvPr>
@@ -1815,7 +1816,7 @@
           <a:p>
             <a:fld id="{75F1E914-A6F4-3045-9D3D-73FD47E80560}" type="datetimeFigureOut">
               <a:rPr lang="en-US" smtClean="0"/>
-              <a:t>3/25/2019</a:t>
+              <a:t>3/27/19</a:t>
             </a:fld>
             <a:endParaRPr lang="en-US"/>
           </a:p>
@@ -1826,7 +1827,7 @@
           <p:cNvPr id="8" name="Footer Placeholder 7">
             <a:extLst>
               <a:ext uri="{FF2B5EF4-FFF2-40B4-BE49-F238E27FC236}">
-                <a16:creationId xmlns:a16="http://schemas.microsoft.com/office/drawing/2014/main" id="{092E2FB8-D4AD-DA4D-948D-E6572AF26B41}"/>
+                <a16:creationId xmlns:a16="http://schemas.microsoft.com/office/drawing/2014/main" xmlns="" id="{092E2FB8-D4AD-DA4D-948D-E6572AF26B41}"/>
               </a:ext>
             </a:extLst>
           </p:cNvPr>
@@ -1851,7 +1852,7 @@
           <p:cNvPr id="9" name="Slide Number Placeholder 8">
             <a:extLst>
               <a:ext uri="{FF2B5EF4-FFF2-40B4-BE49-F238E27FC236}">
-                <a16:creationId xmlns:a16="http://schemas.microsoft.com/office/drawing/2014/main" id="{4ECF0903-4F18-D848-A21A-C937B34C3129}"/>
+                <a16:creationId xmlns:a16="http://schemas.microsoft.com/office/drawing/2014/main" xmlns="" id="{4ECF0903-4F18-D848-A21A-C937B34C3129}"/>
               </a:ext>
             </a:extLst>
           </p:cNvPr>
@@ -1910,7 +1911,7 @@
           <p:cNvPr id="2" name="Title 1">
             <a:extLst>
               <a:ext uri="{FF2B5EF4-FFF2-40B4-BE49-F238E27FC236}">
-                <a16:creationId xmlns:a16="http://schemas.microsoft.com/office/drawing/2014/main" id="{DF52C803-3A9D-D64F-BE00-F7A33D8B7575}"/>
+                <a16:creationId xmlns:a16="http://schemas.microsoft.com/office/drawing/2014/main" xmlns="" id="{DF52C803-3A9D-D64F-BE00-F7A33D8B7575}"/>
               </a:ext>
             </a:extLst>
           </p:cNvPr>
@@ -1938,7 +1939,7 @@
           <p:cNvPr id="3" name="Date Placeholder 2">
             <a:extLst>
               <a:ext uri="{FF2B5EF4-FFF2-40B4-BE49-F238E27FC236}">
-                <a16:creationId xmlns:a16="http://schemas.microsoft.com/office/drawing/2014/main" id="{FCB64EDC-2C86-864A-BAAA-F73909D90F1A}"/>
+                <a16:creationId xmlns:a16="http://schemas.microsoft.com/office/drawing/2014/main" xmlns="" id="{FCB64EDC-2C86-864A-BAAA-F73909D90F1A}"/>
               </a:ext>
             </a:extLst>
           </p:cNvPr>
@@ -1956,7 +1957,7 @@
           <a:p>
             <a:fld id="{75F1E914-A6F4-3045-9D3D-73FD47E80560}" type="datetimeFigureOut">
               <a:rPr lang="en-US" smtClean="0"/>
-              <a:t>3/25/2019</a:t>
+              <a:t>3/27/19</a:t>
             </a:fld>
             <a:endParaRPr lang="en-US"/>
           </a:p>
@@ -1967,7 +1968,7 @@
           <p:cNvPr id="4" name="Footer Placeholder 3">
             <a:extLst>
               <a:ext uri="{FF2B5EF4-FFF2-40B4-BE49-F238E27FC236}">
-                <a16:creationId xmlns:a16="http://schemas.microsoft.com/office/drawing/2014/main" id="{C55C4572-1344-944C-B606-3C59F3A2A567}"/>
+                <a16:creationId xmlns:a16="http://schemas.microsoft.com/office/drawing/2014/main" xmlns="" id="{C55C4572-1344-944C-B606-3C59F3A2A567}"/>
               </a:ext>
             </a:extLst>
           </p:cNvPr>
@@ -1992,7 +1993,7 @@
           <p:cNvPr id="5" name="Slide Number Placeholder 4">
             <a:extLst>
               <a:ext uri="{FF2B5EF4-FFF2-40B4-BE49-F238E27FC236}">
-                <a16:creationId xmlns:a16="http://schemas.microsoft.com/office/drawing/2014/main" id="{BDE5D12A-1D1A-C74A-90C0-F76D96AC701C}"/>
+                <a16:creationId xmlns:a16="http://schemas.microsoft.com/office/drawing/2014/main" xmlns="" id="{BDE5D12A-1D1A-C74A-90C0-F76D96AC701C}"/>
               </a:ext>
             </a:extLst>
           </p:cNvPr>
@@ -2051,7 +2052,7 @@
           <p:cNvPr id="2" name="Date Placeholder 1">
             <a:extLst>
               <a:ext uri="{FF2B5EF4-FFF2-40B4-BE49-F238E27FC236}">
-                <a16:creationId xmlns:a16="http://schemas.microsoft.com/office/drawing/2014/main" id="{870F86BB-C2C0-1542-8B6E-092781966227}"/>
+                <a16:creationId xmlns:a16="http://schemas.microsoft.com/office/drawing/2014/main" xmlns="" id="{870F86BB-C2C0-1542-8B6E-092781966227}"/>
               </a:ext>
             </a:extLst>
           </p:cNvPr>
@@ -2069,7 +2070,7 @@
           <a:p>
             <a:fld id="{75F1E914-A6F4-3045-9D3D-73FD47E80560}" type="datetimeFigureOut">
               <a:rPr lang="en-US" smtClean="0"/>
-              <a:t>3/25/2019</a:t>
+              <a:t>3/27/19</a:t>
             </a:fld>
             <a:endParaRPr lang="en-US"/>
           </a:p>
@@ -2080,7 +2081,7 @@
           <p:cNvPr id="3" name="Footer Placeholder 2">
             <a:extLst>
               <a:ext uri="{FF2B5EF4-FFF2-40B4-BE49-F238E27FC236}">
-                <a16:creationId xmlns:a16="http://schemas.microsoft.com/office/drawing/2014/main" id="{9ABC57C3-652E-0A47-BDE0-82678ABC64EB}"/>
+                <a16:creationId xmlns:a16="http://schemas.microsoft.com/office/drawing/2014/main" xmlns="" id="{9ABC57C3-652E-0A47-BDE0-82678ABC64EB}"/>
               </a:ext>
             </a:extLst>
           </p:cNvPr>
@@ -2105,7 +2106,7 @@
           <p:cNvPr id="4" name="Slide Number Placeholder 3">
             <a:extLst>
               <a:ext uri="{FF2B5EF4-FFF2-40B4-BE49-F238E27FC236}">
-                <a16:creationId xmlns:a16="http://schemas.microsoft.com/office/drawing/2014/main" id="{23DEE569-1835-8640-BB24-760D88E476A3}"/>
+                <a16:creationId xmlns:a16="http://schemas.microsoft.com/office/drawing/2014/main" xmlns="" id="{23DEE569-1835-8640-BB24-760D88E476A3}"/>
               </a:ext>
             </a:extLst>
           </p:cNvPr>
@@ -2164,7 +2165,7 @@
           <p:cNvPr id="2" name="Title 1">
             <a:extLst>
               <a:ext uri="{FF2B5EF4-FFF2-40B4-BE49-F238E27FC236}">
-                <a16:creationId xmlns:a16="http://schemas.microsoft.com/office/drawing/2014/main" id="{31D3316B-6B44-364E-8C86-A674BA77E15A}"/>
+                <a16:creationId xmlns:a16="http://schemas.microsoft.com/office/drawing/2014/main" xmlns="" id="{31D3316B-6B44-364E-8C86-A674BA77E15A}"/>
               </a:ext>
             </a:extLst>
           </p:cNvPr>
@@ -2201,7 +2202,7 @@
           <p:cNvPr id="3" name="Content Placeholder 2">
             <a:extLst>
               <a:ext uri="{FF2B5EF4-FFF2-40B4-BE49-F238E27FC236}">
-                <a16:creationId xmlns:a16="http://schemas.microsoft.com/office/drawing/2014/main" id="{B3284106-4D4B-A543-88CB-C1F0B41A8F00}"/>
+                <a16:creationId xmlns:a16="http://schemas.microsoft.com/office/drawing/2014/main" xmlns="" id="{B3284106-4D4B-A543-88CB-C1F0B41A8F00}"/>
               </a:ext>
             </a:extLst>
           </p:cNvPr>
@@ -2291,7 +2292,7 @@
           <p:cNvPr id="4" name="Text Placeholder 3">
             <a:extLst>
               <a:ext uri="{FF2B5EF4-FFF2-40B4-BE49-F238E27FC236}">
-                <a16:creationId xmlns:a16="http://schemas.microsoft.com/office/drawing/2014/main" id="{A712FC88-D310-C043-9EC3-7D8C2D0022F4}"/>
+                <a16:creationId xmlns:a16="http://schemas.microsoft.com/office/drawing/2014/main" xmlns="" id="{A712FC88-D310-C043-9EC3-7D8C2D0022F4}"/>
               </a:ext>
             </a:extLst>
           </p:cNvPr>
@@ -2362,7 +2363,7 @@
           <p:cNvPr id="5" name="Date Placeholder 4">
             <a:extLst>
               <a:ext uri="{FF2B5EF4-FFF2-40B4-BE49-F238E27FC236}">
-                <a16:creationId xmlns:a16="http://schemas.microsoft.com/office/drawing/2014/main" id="{545008D5-69B1-1444-8C87-B55976D2F642}"/>
+                <a16:creationId xmlns:a16="http://schemas.microsoft.com/office/drawing/2014/main" xmlns="" id="{545008D5-69B1-1444-8C87-B55976D2F642}"/>
               </a:ext>
             </a:extLst>
           </p:cNvPr>
@@ -2380,7 +2381,7 @@
           <a:p>
             <a:fld id="{75F1E914-A6F4-3045-9D3D-73FD47E80560}" type="datetimeFigureOut">
               <a:rPr lang="en-US" smtClean="0"/>
-              <a:t>3/25/2019</a:t>
+              <a:t>3/27/19</a:t>
             </a:fld>
             <a:endParaRPr lang="en-US"/>
           </a:p>
@@ -2391,7 +2392,7 @@
           <p:cNvPr id="6" name="Footer Placeholder 5">
             <a:extLst>
               <a:ext uri="{FF2B5EF4-FFF2-40B4-BE49-F238E27FC236}">
-                <a16:creationId xmlns:a16="http://schemas.microsoft.com/office/drawing/2014/main" id="{A5E69E12-393A-434E-9B8B-B4D775D92682}"/>
+                <a16:creationId xmlns:a16="http://schemas.microsoft.com/office/drawing/2014/main" xmlns="" id="{A5E69E12-393A-434E-9B8B-B4D775D92682}"/>
               </a:ext>
             </a:extLst>
           </p:cNvPr>
@@ -2416,7 +2417,7 @@
           <p:cNvPr id="7" name="Slide Number Placeholder 6">
             <a:extLst>
               <a:ext uri="{FF2B5EF4-FFF2-40B4-BE49-F238E27FC236}">
-                <a16:creationId xmlns:a16="http://schemas.microsoft.com/office/drawing/2014/main" id="{33CEBDC0-542F-B041-88EC-CE6D3A0C26E6}"/>
+                <a16:creationId xmlns:a16="http://schemas.microsoft.com/office/drawing/2014/main" xmlns="" id="{33CEBDC0-542F-B041-88EC-CE6D3A0C26E6}"/>
               </a:ext>
             </a:extLst>
           </p:cNvPr>
@@ -2475,7 +2476,7 @@
           <p:cNvPr id="2" name="Title 1">
             <a:extLst>
               <a:ext uri="{FF2B5EF4-FFF2-40B4-BE49-F238E27FC236}">
-                <a16:creationId xmlns:a16="http://schemas.microsoft.com/office/drawing/2014/main" id="{78D6C058-293F-D84D-A04E-055E6C4BD4FB}"/>
+                <a16:creationId xmlns:a16="http://schemas.microsoft.com/office/drawing/2014/main" xmlns="" id="{78D6C058-293F-D84D-A04E-055E6C4BD4FB}"/>
               </a:ext>
             </a:extLst>
           </p:cNvPr>
@@ -2512,7 +2513,7 @@
           <p:cNvPr id="3" name="Picture Placeholder 2">
             <a:extLst>
               <a:ext uri="{FF2B5EF4-FFF2-40B4-BE49-F238E27FC236}">
-                <a16:creationId xmlns:a16="http://schemas.microsoft.com/office/drawing/2014/main" id="{8E6E1A00-537E-9143-91F3-68D0FA3AE574}"/>
+                <a16:creationId xmlns:a16="http://schemas.microsoft.com/office/drawing/2014/main" xmlns="" id="{8E6E1A00-537E-9143-91F3-68D0FA3AE574}"/>
               </a:ext>
             </a:extLst>
           </p:cNvPr>
@@ -2579,7 +2580,7 @@
           <p:cNvPr id="4" name="Text Placeholder 3">
             <a:extLst>
               <a:ext uri="{FF2B5EF4-FFF2-40B4-BE49-F238E27FC236}">
-                <a16:creationId xmlns:a16="http://schemas.microsoft.com/office/drawing/2014/main" id="{76756FC6-B8D6-5941-98DB-268F46527009}"/>
+                <a16:creationId xmlns:a16="http://schemas.microsoft.com/office/drawing/2014/main" xmlns="" id="{76756FC6-B8D6-5941-98DB-268F46527009}"/>
               </a:ext>
             </a:extLst>
           </p:cNvPr>
@@ -2650,7 +2651,7 @@
           <p:cNvPr id="5" name="Date Placeholder 4">
             <a:extLst>
               <a:ext uri="{FF2B5EF4-FFF2-40B4-BE49-F238E27FC236}">
-                <a16:creationId xmlns:a16="http://schemas.microsoft.com/office/drawing/2014/main" id="{DFBDAFCE-6055-D94D-9B4B-9C260268FA85}"/>
+                <a16:creationId xmlns:a16="http://schemas.microsoft.com/office/drawing/2014/main" xmlns="" id="{DFBDAFCE-6055-D94D-9B4B-9C260268FA85}"/>
               </a:ext>
             </a:extLst>
           </p:cNvPr>
@@ -2668,7 +2669,7 @@
           <a:p>
             <a:fld id="{75F1E914-A6F4-3045-9D3D-73FD47E80560}" type="datetimeFigureOut">
               <a:rPr lang="en-US" smtClean="0"/>
-              <a:t>3/25/2019</a:t>
+              <a:t>3/27/19</a:t>
             </a:fld>
             <a:endParaRPr lang="en-US"/>
           </a:p>
@@ -2679,7 +2680,7 @@
           <p:cNvPr id="6" name="Footer Placeholder 5">
             <a:extLst>
               <a:ext uri="{FF2B5EF4-FFF2-40B4-BE49-F238E27FC236}">
-                <a16:creationId xmlns:a16="http://schemas.microsoft.com/office/drawing/2014/main" id="{5544F28C-5EC5-1B42-BFEF-D20F7C0607DD}"/>
+                <a16:creationId xmlns:a16="http://schemas.microsoft.com/office/drawing/2014/main" xmlns="" id="{5544F28C-5EC5-1B42-BFEF-D20F7C0607DD}"/>
               </a:ext>
             </a:extLst>
           </p:cNvPr>
@@ -2704,7 +2705,7 @@
           <p:cNvPr id="7" name="Slide Number Placeholder 6">
             <a:extLst>
               <a:ext uri="{FF2B5EF4-FFF2-40B4-BE49-F238E27FC236}">
-                <a16:creationId xmlns:a16="http://schemas.microsoft.com/office/drawing/2014/main" id="{624BDED9-8AAF-3F46-AE0B-D1F12886B41C}"/>
+                <a16:creationId xmlns:a16="http://schemas.microsoft.com/office/drawing/2014/main" xmlns="" id="{624BDED9-8AAF-3F46-AE0B-D1F12886B41C}"/>
               </a:ext>
             </a:extLst>
           </p:cNvPr>
@@ -2768,7 +2769,7 @@
           <p:cNvPr id="2" name="Title Placeholder 1">
             <a:extLst>
               <a:ext uri="{FF2B5EF4-FFF2-40B4-BE49-F238E27FC236}">
-                <a16:creationId xmlns:a16="http://schemas.microsoft.com/office/drawing/2014/main" id="{12793ADC-9281-414F-923C-EEA8664E623C}"/>
+                <a16:creationId xmlns:a16="http://schemas.microsoft.com/office/drawing/2014/main" xmlns="" id="{12793ADC-9281-414F-923C-EEA8664E623C}"/>
               </a:ext>
             </a:extLst>
           </p:cNvPr>
@@ -2806,7 +2807,7 @@
           <p:cNvPr id="3" name="Text Placeholder 2">
             <a:extLst>
               <a:ext uri="{FF2B5EF4-FFF2-40B4-BE49-F238E27FC236}">
-                <a16:creationId xmlns:a16="http://schemas.microsoft.com/office/drawing/2014/main" id="{D4C8E37C-9C75-5C4A-9CC6-2AA32A448FAF}"/>
+                <a16:creationId xmlns:a16="http://schemas.microsoft.com/office/drawing/2014/main" xmlns="" id="{D4C8E37C-9C75-5C4A-9CC6-2AA32A448FAF}"/>
               </a:ext>
             </a:extLst>
           </p:cNvPr>
@@ -2873,7 +2874,7 @@
           <p:cNvPr id="4" name="Date Placeholder 3">
             <a:extLst>
               <a:ext uri="{FF2B5EF4-FFF2-40B4-BE49-F238E27FC236}">
-                <a16:creationId xmlns:a16="http://schemas.microsoft.com/office/drawing/2014/main" id="{13BAE29D-47D9-5D40-B9EB-7217D1E26033}"/>
+                <a16:creationId xmlns:a16="http://schemas.microsoft.com/office/drawing/2014/main" xmlns="" id="{13BAE29D-47D9-5D40-B9EB-7217D1E26033}"/>
               </a:ext>
             </a:extLst>
           </p:cNvPr>
@@ -2909,7 +2910,7 @@
           <a:p>
             <a:fld id="{75F1E914-A6F4-3045-9D3D-73FD47E80560}" type="datetimeFigureOut">
               <a:rPr lang="en-US" smtClean="0"/>
-              <a:t>3/25/2019</a:t>
+              <a:t>3/27/19</a:t>
             </a:fld>
             <a:endParaRPr lang="en-US"/>
           </a:p>
@@ -2920,7 +2921,7 @@
           <p:cNvPr id="5" name="Footer Placeholder 4">
             <a:extLst>
               <a:ext uri="{FF2B5EF4-FFF2-40B4-BE49-F238E27FC236}">
-                <a16:creationId xmlns:a16="http://schemas.microsoft.com/office/drawing/2014/main" id="{A932298C-A191-494C-A6B1-CB7F5C298E37}"/>
+                <a16:creationId xmlns:a16="http://schemas.microsoft.com/office/drawing/2014/main" xmlns="" id="{A932298C-A191-494C-A6B1-CB7F5C298E37}"/>
               </a:ext>
             </a:extLst>
           </p:cNvPr>
@@ -2963,7 +2964,7 @@
           <p:cNvPr id="6" name="Slide Number Placeholder 5">
             <a:extLst>
               <a:ext uri="{FF2B5EF4-FFF2-40B4-BE49-F238E27FC236}">
-                <a16:creationId xmlns:a16="http://schemas.microsoft.com/office/drawing/2014/main" id="{F3DF3D74-9AAC-E643-A639-52FA4BA0458A}"/>
+                <a16:creationId xmlns:a16="http://schemas.microsoft.com/office/drawing/2014/main" xmlns="" id="{F3DF3D74-9AAC-E643-A639-52FA4BA0458A}"/>
               </a:ext>
             </a:extLst>
           </p:cNvPr>
@@ -3331,7 +3332,7 @@
           <p:cNvPr id="44" name="Straight Connector 43">
             <a:extLst>
               <a:ext uri="{FF2B5EF4-FFF2-40B4-BE49-F238E27FC236}">
-                <a16:creationId xmlns:a16="http://schemas.microsoft.com/office/drawing/2014/main" id="{FDD6883E-AA6F-5A41-9231-18BE1B49B840}"/>
+                <a16:creationId xmlns:a16="http://schemas.microsoft.com/office/drawing/2014/main" xmlns="" id="{FDD6883E-AA6F-5A41-9231-18BE1B49B840}"/>
               </a:ext>
             </a:extLst>
           </p:cNvPr>
@@ -3374,7 +3375,7 @@
           <p:cNvPr id="7" name="TextBox 6">
             <a:extLst>
               <a:ext uri="{FF2B5EF4-FFF2-40B4-BE49-F238E27FC236}">
-                <a16:creationId xmlns:a16="http://schemas.microsoft.com/office/drawing/2014/main" id="{57AB038C-77A2-284C-AF3A-D3FC42CF739F}"/>
+                <a16:creationId xmlns:a16="http://schemas.microsoft.com/office/drawing/2014/main" xmlns="" id="{57AB038C-77A2-284C-AF3A-D3FC42CF739F}"/>
               </a:ext>
             </a:extLst>
           </p:cNvPr>
@@ -3442,7 +3443,7 @@
           <p:cNvPr id="10" name="TextBox 9">
             <a:extLst>
               <a:ext uri="{FF2B5EF4-FFF2-40B4-BE49-F238E27FC236}">
-                <a16:creationId xmlns:a16="http://schemas.microsoft.com/office/drawing/2014/main" id="{A35BB023-096C-B34A-8FED-9CE09EE6F055}"/>
+                <a16:creationId xmlns:a16="http://schemas.microsoft.com/office/drawing/2014/main" xmlns="" id="{A35BB023-096C-B34A-8FED-9CE09EE6F055}"/>
               </a:ext>
             </a:extLst>
           </p:cNvPr>
@@ -3510,7 +3511,7 @@
           <p:cNvPr id="41" name="TextBox 40">
             <a:extLst>
               <a:ext uri="{FF2B5EF4-FFF2-40B4-BE49-F238E27FC236}">
-                <a16:creationId xmlns:a16="http://schemas.microsoft.com/office/drawing/2014/main" id="{DD009339-9C23-034D-B7F1-DE3C4C61B514}"/>
+                <a16:creationId xmlns:a16="http://schemas.microsoft.com/office/drawing/2014/main" xmlns="" id="{DD009339-9C23-034D-B7F1-DE3C4C61B514}"/>
               </a:ext>
             </a:extLst>
           </p:cNvPr>
@@ -3796,7 +3797,7 @@
           <p:cNvPr id="32" name="Group 31">
             <a:extLst>
               <a:ext uri="{FF2B5EF4-FFF2-40B4-BE49-F238E27FC236}">
-                <a16:creationId xmlns:a16="http://schemas.microsoft.com/office/drawing/2014/main" id="{350935DF-7AB9-41D4-AE03-D2A26969D869}"/>
+                <a16:creationId xmlns:a16="http://schemas.microsoft.com/office/drawing/2014/main" xmlns="" id="{350935DF-7AB9-41D4-AE03-D2A26969D869}"/>
               </a:ext>
             </a:extLst>
           </p:cNvPr>
@@ -3816,7 +3817,7 @@
             <p:cNvPr id="31" name="Group 30">
               <a:extLst>
                 <a:ext uri="{FF2B5EF4-FFF2-40B4-BE49-F238E27FC236}">
-                  <a16:creationId xmlns:a16="http://schemas.microsoft.com/office/drawing/2014/main" id="{B61AF512-CC3E-4698-94F3-62B9A333EF22}"/>
+                  <a16:creationId xmlns:a16="http://schemas.microsoft.com/office/drawing/2014/main" xmlns="" id="{B61AF512-CC3E-4698-94F3-62B9A333EF22}"/>
                 </a:ext>
               </a:extLst>
             </p:cNvPr>
@@ -3836,7 +3837,7 @@
               <p:cNvPr id="6" name="Straight Connector 5">
                 <a:extLst>
                   <a:ext uri="{FF2B5EF4-FFF2-40B4-BE49-F238E27FC236}">
-                    <a16:creationId xmlns:a16="http://schemas.microsoft.com/office/drawing/2014/main" id="{85104D74-C0C7-804B-B7A2-1D79C37C17AE}"/>
+                    <a16:creationId xmlns:a16="http://schemas.microsoft.com/office/drawing/2014/main" xmlns="" id="{85104D74-C0C7-804B-B7A2-1D79C37C17AE}"/>
                   </a:ext>
                 </a:extLst>
               </p:cNvPr>
@@ -3879,7 +3880,7 @@
               <p:cNvPr id="37" name="TextBox 36">
                 <a:extLst>
                   <a:ext uri="{FF2B5EF4-FFF2-40B4-BE49-F238E27FC236}">
-                    <a16:creationId xmlns:a16="http://schemas.microsoft.com/office/drawing/2014/main" id="{D62A0365-506F-824C-A971-9FA464D85BED}"/>
+                    <a16:creationId xmlns:a16="http://schemas.microsoft.com/office/drawing/2014/main" xmlns="" id="{D62A0365-506F-824C-A971-9FA464D85BED}"/>
                   </a:ext>
                 </a:extLst>
               </p:cNvPr>
@@ -4201,7 +4202,7 @@
               <p:cNvPr id="13" name="Straight Connector 12">
                 <a:extLst>
                   <a:ext uri="{FF2B5EF4-FFF2-40B4-BE49-F238E27FC236}">
-                    <a16:creationId xmlns:a16="http://schemas.microsoft.com/office/drawing/2014/main" id="{9A37AE96-54D5-46DD-BBEB-06DD03A77904}"/>
+                    <a16:creationId xmlns:a16="http://schemas.microsoft.com/office/drawing/2014/main" xmlns="" id="{9A37AE96-54D5-46DD-BBEB-06DD03A77904}"/>
                   </a:ext>
                 </a:extLst>
               </p:cNvPr>
@@ -4244,7 +4245,7 @@
               <p:cNvPr id="20" name="Straight Connector 19">
                 <a:extLst>
                   <a:ext uri="{FF2B5EF4-FFF2-40B4-BE49-F238E27FC236}">
-                    <a16:creationId xmlns:a16="http://schemas.microsoft.com/office/drawing/2014/main" id="{F9F5D3EC-FAFE-45A8-9E4C-2D0235225002}"/>
+                    <a16:creationId xmlns:a16="http://schemas.microsoft.com/office/drawing/2014/main" xmlns="" id="{F9F5D3EC-FAFE-45A8-9E4C-2D0235225002}"/>
                   </a:ext>
                 </a:extLst>
               </p:cNvPr>
@@ -4287,7 +4288,7 @@
               <p:cNvPr id="23" name="Straight Connector 22">
                 <a:extLst>
                   <a:ext uri="{FF2B5EF4-FFF2-40B4-BE49-F238E27FC236}">
-                    <a16:creationId xmlns:a16="http://schemas.microsoft.com/office/drawing/2014/main" id="{0C47D09D-7432-4597-B8B4-7D6FECCCA00F}"/>
+                    <a16:creationId xmlns:a16="http://schemas.microsoft.com/office/drawing/2014/main" xmlns="" id="{0C47D09D-7432-4597-B8B4-7D6FECCCA00F}"/>
                   </a:ext>
                 </a:extLst>
               </p:cNvPr>
@@ -4330,7 +4331,7 @@
               <p:cNvPr id="24" name="Straight Connector 23">
                 <a:extLst>
                   <a:ext uri="{FF2B5EF4-FFF2-40B4-BE49-F238E27FC236}">
-                    <a16:creationId xmlns:a16="http://schemas.microsoft.com/office/drawing/2014/main" id="{CEE64198-ACBD-4116-B08D-97ECEB203E47}"/>
+                    <a16:creationId xmlns:a16="http://schemas.microsoft.com/office/drawing/2014/main" xmlns="" id="{CEE64198-ACBD-4116-B08D-97ECEB203E47}"/>
                   </a:ext>
                 </a:extLst>
               </p:cNvPr>
@@ -4373,7 +4374,7 @@
               <p:cNvPr id="25" name="TextBox 24">
                 <a:extLst>
                   <a:ext uri="{FF2B5EF4-FFF2-40B4-BE49-F238E27FC236}">
-                    <a16:creationId xmlns:a16="http://schemas.microsoft.com/office/drawing/2014/main" id="{E85E8FB3-7331-44E0-9CC3-79FDBE57BE61}"/>
+                    <a16:creationId xmlns:a16="http://schemas.microsoft.com/office/drawing/2014/main" xmlns="" id="{E85E8FB3-7331-44E0-9CC3-79FDBE57BE61}"/>
                   </a:ext>
                 </a:extLst>
               </p:cNvPr>
@@ -4623,7 +4624,7 @@
               <p:cNvPr id="26" name="TextBox 25">
                 <a:extLst>
                   <a:ext uri="{FF2B5EF4-FFF2-40B4-BE49-F238E27FC236}">
-                    <a16:creationId xmlns:a16="http://schemas.microsoft.com/office/drawing/2014/main" id="{51E684AC-0943-4072-B51F-4D46823CE71C}"/>
+                    <a16:creationId xmlns:a16="http://schemas.microsoft.com/office/drawing/2014/main" xmlns="" id="{51E684AC-0943-4072-B51F-4D46823CE71C}"/>
                   </a:ext>
                 </a:extLst>
               </p:cNvPr>
@@ -4780,7 +4781,7 @@
             <p:cNvPr id="28" name="TextBox 27">
               <a:extLst>
                 <a:ext uri="{FF2B5EF4-FFF2-40B4-BE49-F238E27FC236}">
-                  <a16:creationId xmlns:a16="http://schemas.microsoft.com/office/drawing/2014/main" id="{6938A5B1-7D30-4E35-A2FD-8CE6CED56162}"/>
+                  <a16:creationId xmlns:a16="http://schemas.microsoft.com/office/drawing/2014/main" xmlns="" id="{6938A5B1-7D30-4E35-A2FD-8CE6CED56162}"/>
                 </a:ext>
               </a:extLst>
             </p:cNvPr>
@@ -4995,7 +4996,7 @@
           <p:cNvPr id="36" name="TextBox 35">
             <a:extLst>
               <a:ext uri="{FF2B5EF4-FFF2-40B4-BE49-F238E27FC236}">
-                <a16:creationId xmlns:a16="http://schemas.microsoft.com/office/drawing/2014/main" id="{FCC68075-4730-4C01-961A-DF75F88970FA}"/>
+                <a16:creationId xmlns:a16="http://schemas.microsoft.com/office/drawing/2014/main" xmlns="" id="{FCC68075-4730-4C01-961A-DF75F88970FA}"/>
               </a:ext>
             </a:extLst>
           </p:cNvPr>
@@ -5137,7 +5138,7 @@
           <p:cNvPr id="38" name="TextBox 37">
             <a:extLst>
               <a:ext uri="{FF2B5EF4-FFF2-40B4-BE49-F238E27FC236}">
-                <a16:creationId xmlns:a16="http://schemas.microsoft.com/office/drawing/2014/main" id="{207E9625-334A-4162-AD30-7F1059AFCC04}"/>
+                <a16:creationId xmlns:a16="http://schemas.microsoft.com/office/drawing/2014/main" xmlns="" id="{207E9625-334A-4162-AD30-7F1059AFCC04}"/>
               </a:ext>
             </a:extLst>
           </p:cNvPr>
@@ -5385,7 +5386,7 @@
           <p:cNvPr id="47" name="TextBox 46">
             <a:extLst>
               <a:ext uri="{FF2B5EF4-FFF2-40B4-BE49-F238E27FC236}">
-                <a16:creationId xmlns:a16="http://schemas.microsoft.com/office/drawing/2014/main" id="{C53A9BFD-139E-4EF1-B5D6-0592E93ECA08}"/>
+                <a16:creationId xmlns:a16="http://schemas.microsoft.com/office/drawing/2014/main" xmlns="" id="{C53A9BFD-139E-4EF1-B5D6-0592E93ECA08}"/>
               </a:ext>
             </a:extLst>
           </p:cNvPr>
@@ -5453,7 +5454,7 @@
           <p:cNvPr id="48" name="TextBox 47">
             <a:extLst>
               <a:ext uri="{FF2B5EF4-FFF2-40B4-BE49-F238E27FC236}">
-                <a16:creationId xmlns:a16="http://schemas.microsoft.com/office/drawing/2014/main" id="{2113B727-5772-43C6-B43E-C0504F962E0E}"/>
+                <a16:creationId xmlns:a16="http://schemas.microsoft.com/office/drawing/2014/main" xmlns="" id="{2113B727-5772-43C6-B43E-C0504F962E0E}"/>
               </a:ext>
             </a:extLst>
           </p:cNvPr>
@@ -5521,7 +5522,7 @@
           <p:cNvPr id="49" name="Straight Connector 48">
             <a:extLst>
               <a:ext uri="{FF2B5EF4-FFF2-40B4-BE49-F238E27FC236}">
-                <a16:creationId xmlns:a16="http://schemas.microsoft.com/office/drawing/2014/main" id="{B8E1E1BA-B057-422A-8BE3-4C5E1F1BDC63}"/>
+                <a16:creationId xmlns:a16="http://schemas.microsoft.com/office/drawing/2014/main" xmlns="" id="{B8E1E1BA-B057-422A-8BE3-4C5E1F1BDC63}"/>
               </a:ext>
             </a:extLst>
           </p:cNvPr>
@@ -5564,7 +5565,7 @@
           <p:cNvPr id="54" name="Straight Connector 53">
             <a:extLst>
               <a:ext uri="{FF2B5EF4-FFF2-40B4-BE49-F238E27FC236}">
-                <a16:creationId xmlns:a16="http://schemas.microsoft.com/office/drawing/2014/main" id="{46A60703-7103-42B2-A100-ECF4150C7808}"/>
+                <a16:creationId xmlns:a16="http://schemas.microsoft.com/office/drawing/2014/main" xmlns="" id="{46A60703-7103-42B2-A100-ECF4150C7808}"/>
               </a:ext>
             </a:extLst>
           </p:cNvPr>
@@ -5607,7 +5608,7 @@
           <p:cNvPr id="58" name="Straight Connector 57">
             <a:extLst>
               <a:ext uri="{FF2B5EF4-FFF2-40B4-BE49-F238E27FC236}">
-                <a16:creationId xmlns:a16="http://schemas.microsoft.com/office/drawing/2014/main" id="{A186E243-E43B-4758-8C58-21366E719EC6}"/>
+                <a16:creationId xmlns:a16="http://schemas.microsoft.com/office/drawing/2014/main" xmlns="" id="{A186E243-E43B-4758-8C58-21366E719EC6}"/>
               </a:ext>
             </a:extLst>
           </p:cNvPr>
@@ -5650,7 +5651,7 @@
           <p:cNvPr id="59" name="Rectangle 58">
             <a:extLst>
               <a:ext uri="{FF2B5EF4-FFF2-40B4-BE49-F238E27FC236}">
-                <a16:creationId xmlns:a16="http://schemas.microsoft.com/office/drawing/2014/main" id="{B2ACECDA-B926-457F-8FDA-A6DBD058FB59}"/>
+                <a16:creationId xmlns:a16="http://schemas.microsoft.com/office/drawing/2014/main" xmlns="" id="{B2ACECDA-B926-457F-8FDA-A6DBD058FB59}"/>
               </a:ext>
             </a:extLst>
           </p:cNvPr>
@@ -5728,7 +5729,7 @@
           <p:cNvPr id="60" name="TextBox 59">
             <a:extLst>
               <a:ext uri="{FF2B5EF4-FFF2-40B4-BE49-F238E27FC236}">
-                <a16:creationId xmlns:a16="http://schemas.microsoft.com/office/drawing/2014/main" id="{31F30637-44D0-446F-841B-53078D82CD87}"/>
+                <a16:creationId xmlns:a16="http://schemas.microsoft.com/office/drawing/2014/main" xmlns="" id="{31F30637-44D0-446F-841B-53078D82CD87}"/>
               </a:ext>
             </a:extLst>
           </p:cNvPr>
@@ -5796,7 +5797,7 @@
           <p:cNvPr id="68" name="TextBox 67">
             <a:extLst>
               <a:ext uri="{FF2B5EF4-FFF2-40B4-BE49-F238E27FC236}">
-                <a16:creationId xmlns:a16="http://schemas.microsoft.com/office/drawing/2014/main" id="{A92C3CBC-4C23-433E-A465-36B07F29CE7C}"/>
+                <a16:creationId xmlns:a16="http://schemas.microsoft.com/office/drawing/2014/main" xmlns="" id="{A92C3CBC-4C23-433E-A465-36B07F29CE7C}"/>
               </a:ext>
             </a:extLst>
           </p:cNvPr>
@@ -5864,7 +5865,7 @@
           <p:cNvPr id="69" name="TextBox 68">
             <a:extLst>
               <a:ext uri="{FF2B5EF4-FFF2-40B4-BE49-F238E27FC236}">
-                <a16:creationId xmlns:a16="http://schemas.microsoft.com/office/drawing/2014/main" id="{0612E7B2-6781-4E01-9CD6-14D31575D054}"/>
+                <a16:creationId xmlns:a16="http://schemas.microsoft.com/office/drawing/2014/main" xmlns="" id="{0612E7B2-6781-4E01-9CD6-14D31575D054}"/>
               </a:ext>
             </a:extLst>
           </p:cNvPr>
@@ -5932,7 +5933,7 @@
           <p:cNvPr id="76" name="TextBox 75">
             <a:extLst>
               <a:ext uri="{FF2B5EF4-FFF2-40B4-BE49-F238E27FC236}">
-                <a16:creationId xmlns:a16="http://schemas.microsoft.com/office/drawing/2014/main" id="{D6B9CE01-F533-494C-AEA7-344487E6E040}"/>
+                <a16:creationId xmlns:a16="http://schemas.microsoft.com/office/drawing/2014/main" xmlns="" id="{D6B9CE01-F533-494C-AEA7-344487E6E040}"/>
               </a:ext>
             </a:extLst>
           </p:cNvPr>
@@ -6000,7 +6001,7 @@
           <p:cNvPr id="78" name="TextBox 77">
             <a:extLst>
               <a:ext uri="{FF2B5EF4-FFF2-40B4-BE49-F238E27FC236}">
-                <a16:creationId xmlns:a16="http://schemas.microsoft.com/office/drawing/2014/main" id="{C5DB72EE-40A2-408E-9ABB-CE8073149E90}"/>
+                <a16:creationId xmlns:a16="http://schemas.microsoft.com/office/drawing/2014/main" xmlns="" id="{C5DB72EE-40A2-408E-9ABB-CE8073149E90}"/>
               </a:ext>
             </a:extLst>
           </p:cNvPr>
@@ -6068,7 +6069,7 @@
           <p:cNvPr id="79" name="Rectangle 78">
             <a:extLst>
               <a:ext uri="{FF2B5EF4-FFF2-40B4-BE49-F238E27FC236}">
-                <a16:creationId xmlns:a16="http://schemas.microsoft.com/office/drawing/2014/main" id="{BDA00B79-D653-415B-AF6F-4628F0885ADD}"/>
+                <a16:creationId xmlns:a16="http://schemas.microsoft.com/office/drawing/2014/main" xmlns="" id="{BDA00B79-D653-415B-AF6F-4628F0885ADD}"/>
               </a:ext>
             </a:extLst>
           </p:cNvPr>
@@ -6132,7 +6133,7 @@
           <p:cNvPr id="80" name="Rectangle 79">
             <a:extLst>
               <a:ext uri="{FF2B5EF4-FFF2-40B4-BE49-F238E27FC236}">
-                <a16:creationId xmlns:a16="http://schemas.microsoft.com/office/drawing/2014/main" id="{66AD4AA0-BA47-4A5B-BBDA-A407459662C0}"/>
+                <a16:creationId xmlns:a16="http://schemas.microsoft.com/office/drawing/2014/main" xmlns="" id="{66AD4AA0-BA47-4A5B-BBDA-A407459662C0}"/>
               </a:ext>
             </a:extLst>
           </p:cNvPr>
@@ -6210,7 +6211,7 @@
           <p:cNvPr id="85" name="TextBox 84">
             <a:extLst>
               <a:ext uri="{FF2B5EF4-FFF2-40B4-BE49-F238E27FC236}">
-                <a16:creationId xmlns:a16="http://schemas.microsoft.com/office/drawing/2014/main" id="{58252777-F735-414F-9786-E84F2A7EF6B9}"/>
+                <a16:creationId xmlns:a16="http://schemas.microsoft.com/office/drawing/2014/main" xmlns="" id="{58252777-F735-414F-9786-E84F2A7EF6B9}"/>
               </a:ext>
             </a:extLst>
           </p:cNvPr>
@@ -6278,7 +6279,7 @@
           <p:cNvPr id="86" name="TextBox 85">
             <a:extLst>
               <a:ext uri="{FF2B5EF4-FFF2-40B4-BE49-F238E27FC236}">
-                <a16:creationId xmlns:a16="http://schemas.microsoft.com/office/drawing/2014/main" id="{DF78528B-C4AC-4C2D-9D13-21F0CD59AB1F}"/>
+                <a16:creationId xmlns:a16="http://schemas.microsoft.com/office/drawing/2014/main" xmlns="" id="{DF78528B-C4AC-4C2D-9D13-21F0CD59AB1F}"/>
               </a:ext>
             </a:extLst>
           </p:cNvPr>
@@ -6346,7 +6347,7 @@
           <p:cNvPr id="87" name="TextBox 86">
             <a:extLst>
               <a:ext uri="{FF2B5EF4-FFF2-40B4-BE49-F238E27FC236}">
-                <a16:creationId xmlns:a16="http://schemas.microsoft.com/office/drawing/2014/main" id="{A1306CC8-0663-47ED-A43C-70531064E628}"/>
+                <a16:creationId xmlns:a16="http://schemas.microsoft.com/office/drawing/2014/main" xmlns="" id="{A1306CC8-0663-47ED-A43C-70531064E628}"/>
               </a:ext>
             </a:extLst>
           </p:cNvPr>
@@ -6414,7 +6415,7 @@
           <p:cNvPr id="88" name="TextBox 87">
             <a:extLst>
               <a:ext uri="{FF2B5EF4-FFF2-40B4-BE49-F238E27FC236}">
-                <a16:creationId xmlns:a16="http://schemas.microsoft.com/office/drawing/2014/main" id="{5FF22EE0-D7E3-43C2-9431-66A6DE50B8BD}"/>
+                <a16:creationId xmlns:a16="http://schemas.microsoft.com/office/drawing/2014/main" xmlns="" id="{5FF22EE0-D7E3-43C2-9431-66A6DE50B8BD}"/>
               </a:ext>
             </a:extLst>
           </p:cNvPr>
@@ -6482,7 +6483,7 @@
           <p:cNvPr id="91" name="Group 90">
             <a:extLst>
               <a:ext uri="{FF2B5EF4-FFF2-40B4-BE49-F238E27FC236}">
-                <a16:creationId xmlns:a16="http://schemas.microsoft.com/office/drawing/2014/main" id="{6F23F39D-9B2B-4D8B-94A9-6CFFCA827149}"/>
+                <a16:creationId xmlns:a16="http://schemas.microsoft.com/office/drawing/2014/main" xmlns="" id="{6F23F39D-9B2B-4D8B-94A9-6CFFCA827149}"/>
               </a:ext>
             </a:extLst>
           </p:cNvPr>
@@ -6502,7 +6503,7 @@
             <p:cNvPr id="53" name="Rectangle 52">
               <a:extLst>
                 <a:ext uri="{FF2B5EF4-FFF2-40B4-BE49-F238E27FC236}">
-                  <a16:creationId xmlns:a16="http://schemas.microsoft.com/office/drawing/2014/main" id="{85981300-E1C9-4C9E-B839-B463A12057E9}"/>
+                  <a16:creationId xmlns:a16="http://schemas.microsoft.com/office/drawing/2014/main" xmlns="" id="{85981300-E1C9-4C9E-B839-B463A12057E9}"/>
                 </a:ext>
               </a:extLst>
             </p:cNvPr>
@@ -6580,7 +6581,7 @@
             <p:cNvPr id="89" name="Rectangle 88">
               <a:extLst>
                 <a:ext uri="{FF2B5EF4-FFF2-40B4-BE49-F238E27FC236}">
-                  <a16:creationId xmlns:a16="http://schemas.microsoft.com/office/drawing/2014/main" id="{973DE8A9-50A7-46D1-A020-0F0D3F94AADD}"/>
+                  <a16:creationId xmlns:a16="http://schemas.microsoft.com/office/drawing/2014/main" xmlns="" id="{973DE8A9-50A7-46D1-A020-0F0D3F94AADD}"/>
                 </a:ext>
               </a:extLst>
             </p:cNvPr>
@@ -6645,7 +6646,7 @@
           <p:cNvPr id="92" name="Group 91">
             <a:extLst>
               <a:ext uri="{FF2B5EF4-FFF2-40B4-BE49-F238E27FC236}">
-                <a16:creationId xmlns:a16="http://schemas.microsoft.com/office/drawing/2014/main" id="{93E69870-7970-4997-979F-57646E450226}"/>
+                <a16:creationId xmlns:a16="http://schemas.microsoft.com/office/drawing/2014/main" xmlns="" id="{93E69870-7970-4997-979F-57646E450226}"/>
               </a:ext>
             </a:extLst>
           </p:cNvPr>
@@ -6665,7 +6666,7 @@
             <p:cNvPr id="93" name="Rectangle 92">
               <a:extLst>
                 <a:ext uri="{FF2B5EF4-FFF2-40B4-BE49-F238E27FC236}">
-                  <a16:creationId xmlns:a16="http://schemas.microsoft.com/office/drawing/2014/main" id="{6A642F0C-ECEF-46F4-B2F5-7F668B2686EB}"/>
+                  <a16:creationId xmlns:a16="http://schemas.microsoft.com/office/drawing/2014/main" xmlns="" id="{6A642F0C-ECEF-46F4-B2F5-7F668B2686EB}"/>
                 </a:ext>
               </a:extLst>
             </p:cNvPr>
@@ -6743,7 +6744,7 @@
             <p:cNvPr id="94" name="Rectangle 93">
               <a:extLst>
                 <a:ext uri="{FF2B5EF4-FFF2-40B4-BE49-F238E27FC236}">
-                  <a16:creationId xmlns:a16="http://schemas.microsoft.com/office/drawing/2014/main" id="{C42DE9CF-128B-462A-8533-C9894E99F08F}"/>
+                  <a16:creationId xmlns:a16="http://schemas.microsoft.com/office/drawing/2014/main" xmlns="" id="{C42DE9CF-128B-462A-8533-C9894E99F08F}"/>
                 </a:ext>
               </a:extLst>
             </p:cNvPr>
@@ -6808,7 +6809,7 @@
           <p:cNvPr id="95" name="TextBox 94">
             <a:extLst>
               <a:ext uri="{FF2B5EF4-FFF2-40B4-BE49-F238E27FC236}">
-                <a16:creationId xmlns:a16="http://schemas.microsoft.com/office/drawing/2014/main" id="{B9485CA7-448E-4721-AA04-C47ECACC2C7E}"/>
+                <a16:creationId xmlns:a16="http://schemas.microsoft.com/office/drawing/2014/main" xmlns="" id="{B9485CA7-448E-4721-AA04-C47ECACC2C7E}"/>
               </a:ext>
             </a:extLst>
           </p:cNvPr>
@@ -6876,7 +6877,7 @@
           <p:cNvPr id="96" name="TextBox 95">
             <a:extLst>
               <a:ext uri="{FF2B5EF4-FFF2-40B4-BE49-F238E27FC236}">
-                <a16:creationId xmlns:a16="http://schemas.microsoft.com/office/drawing/2014/main" id="{7FAE3C1D-95B1-4C18-88B0-76E29B043909}"/>
+                <a16:creationId xmlns:a16="http://schemas.microsoft.com/office/drawing/2014/main" xmlns="" id="{7FAE3C1D-95B1-4C18-88B0-76E29B043909}"/>
               </a:ext>
             </a:extLst>
           </p:cNvPr>
@@ -6944,7 +6945,7 @@
           <p:cNvPr id="97" name="TextBox 96">
             <a:extLst>
               <a:ext uri="{FF2B5EF4-FFF2-40B4-BE49-F238E27FC236}">
-                <a16:creationId xmlns:a16="http://schemas.microsoft.com/office/drawing/2014/main" id="{9547729C-91E0-4317-8103-DE3B158A91CB}"/>
+                <a16:creationId xmlns:a16="http://schemas.microsoft.com/office/drawing/2014/main" xmlns="" id="{9547729C-91E0-4317-8103-DE3B158A91CB}"/>
               </a:ext>
             </a:extLst>
           </p:cNvPr>
@@ -7012,7 +7013,7 @@
           <p:cNvPr id="98" name="TextBox 97">
             <a:extLst>
               <a:ext uri="{FF2B5EF4-FFF2-40B4-BE49-F238E27FC236}">
-                <a16:creationId xmlns:a16="http://schemas.microsoft.com/office/drawing/2014/main" id="{6A8A4EA0-F577-4A8D-81C2-602CFEE49338}"/>
+                <a16:creationId xmlns:a16="http://schemas.microsoft.com/office/drawing/2014/main" xmlns="" id="{6A8A4EA0-F577-4A8D-81C2-602CFEE49338}"/>
               </a:ext>
             </a:extLst>
           </p:cNvPr>
@@ -7080,7 +7081,7 @@
           <p:cNvPr id="99" name="Rectangle 98">
             <a:extLst>
               <a:ext uri="{FF2B5EF4-FFF2-40B4-BE49-F238E27FC236}">
-                <a16:creationId xmlns:a16="http://schemas.microsoft.com/office/drawing/2014/main" id="{A5C4CBEB-75EC-47D2-9A66-2F80FAA0F8F6}"/>
+                <a16:creationId xmlns:a16="http://schemas.microsoft.com/office/drawing/2014/main" xmlns="" id="{A5C4CBEB-75EC-47D2-9A66-2F80FAA0F8F6}"/>
               </a:ext>
             </a:extLst>
           </p:cNvPr>
@@ -7157,6 +7158,3979 @@
     <p:extLst>
       <p:ext uri="{BB962C8B-B14F-4D97-AF65-F5344CB8AC3E}">
         <p14:creationId xmlns:p14="http://schemas.microsoft.com/office/powerpoint/2010/main" val="1799278247"/>
+      </p:ext>
+    </p:extLst>
+  </p:cSld>
+  <p:clrMapOvr>
+    <a:masterClrMapping/>
+  </p:clrMapOvr>
+</p:sld>
+</file>
+
+<file path=ppt/slides/slide2.xml><?xml version="1.0" encoding="utf-8"?>
+<p:sld xmlns:a="http://schemas.openxmlformats.org/drawingml/2006/main" xmlns:r="http://schemas.openxmlformats.org/officeDocument/2006/relationships" xmlns:p="http://schemas.openxmlformats.org/presentationml/2006/main">
+  <p:cSld>
+    <p:spTree>
+      <p:nvGrpSpPr>
+        <p:cNvPr id="1" name=""/>
+        <p:cNvGrpSpPr/>
+        <p:nvPr/>
+      </p:nvGrpSpPr>
+      <p:grpSpPr>
+        <a:xfrm>
+          <a:off x="0" y="0"/>
+          <a:ext cx="0" cy="0"/>
+          <a:chOff x="0" y="0"/>
+          <a:chExt cx="0" cy="0"/>
+        </a:xfrm>
+      </p:grpSpPr>
+      <p:cxnSp>
+        <p:nvCxnSpPr>
+          <p:cNvPr id="2" name="Straight Connector 1">
+            <a:extLst>
+              <a:ext uri="{FF2B5EF4-FFF2-40B4-BE49-F238E27FC236}">
+                <a16:creationId xmlns:a16="http://schemas.microsoft.com/office/drawing/2014/main" xmlns="" id="{FDD6883E-AA6F-5A41-9231-18BE1B49B840}"/>
+              </a:ext>
+            </a:extLst>
+          </p:cNvPr>
+          <p:cNvCxnSpPr>
+            <a:cxnSpLocks/>
+          </p:cNvCxnSpPr>
+          <p:nvPr/>
+        </p:nvCxnSpPr>
+        <p:spPr>
+          <a:xfrm>
+            <a:off x="4121755" y="1313319"/>
+            <a:ext cx="3929511" cy="1"/>
+          </a:xfrm>
+          <a:prstGeom prst="line">
+            <a:avLst/>
+          </a:prstGeom>
+          <a:ln w="12700">
+            <a:solidFill>
+              <a:schemeClr val="tx1"/>
+            </a:solidFill>
+          </a:ln>
+        </p:spPr>
+        <p:style>
+          <a:lnRef idx="1">
+            <a:schemeClr val="accent1"/>
+          </a:lnRef>
+          <a:fillRef idx="0">
+            <a:schemeClr val="accent1"/>
+          </a:fillRef>
+          <a:effectRef idx="0">
+            <a:schemeClr val="accent1"/>
+          </a:effectRef>
+          <a:fontRef idx="minor">
+            <a:schemeClr val="tx1"/>
+          </a:fontRef>
+        </p:style>
+      </p:cxnSp>
+      <p:sp>
+        <p:nvSpPr>
+          <p:cNvPr id="3" name="TextBox 2">
+            <a:extLst>
+              <a:ext uri="{FF2B5EF4-FFF2-40B4-BE49-F238E27FC236}">
+                <a16:creationId xmlns:a16="http://schemas.microsoft.com/office/drawing/2014/main" xmlns="" id="{57AB038C-77A2-284C-AF3A-D3FC42CF739F}"/>
+              </a:ext>
+            </a:extLst>
+          </p:cNvPr>
+          <p:cNvSpPr txBox="1"/>
+          <p:nvPr/>
+        </p:nvSpPr>
+        <p:spPr>
+          <a:xfrm>
+            <a:off x="7675842" y="1033704"/>
+            <a:ext cx="375424" cy="276999"/>
+          </a:xfrm>
+          <a:prstGeom prst="rect">
+            <a:avLst/>
+          </a:prstGeom>
+          <a:noFill/>
+          <a:ln w="12700">
+            <a:noFill/>
+          </a:ln>
+        </p:spPr>
+        <p:txBody>
+          <a:bodyPr wrap="none" rtlCol="0">
+            <a:spAutoFit/>
+          </a:bodyPr>
+          <a:lstStyle/>
+          <a:p>
+            <a:pPr marL="0" marR="0" lvl="0" indent="0" algn="l" defTabSz="914400" rtl="0" eaLnBrk="1" fontAlgn="auto" latinLnBrk="0" hangingPunct="1">
+              <a:lnSpc>
+                <a:spcPct val="100000"/>
+              </a:lnSpc>
+              <a:spcBef>
+                <a:spcPts val="0"/>
+              </a:spcBef>
+              <a:spcAft>
+                <a:spcPts val="0"/>
+              </a:spcAft>
+              <a:buClrTx/>
+              <a:buSzTx/>
+              <a:buFontTx/>
+              <a:buNone/>
+              <a:tabLst/>
+              <a:defRPr/>
+            </a:pPr>
+            <a:r>
+              <a:rPr kumimoji="0" lang="en-US" sz="1200" b="0" i="0" u="none" strike="noStrike" kern="1200" cap="none" spc="0" normalizeH="0" baseline="0" noProof="0" dirty="0">
+                <a:ln>
+                  <a:noFill/>
+                </a:ln>
+                <a:solidFill>
+                  <a:prstClr val="black"/>
+                </a:solidFill>
+                <a:effectLst/>
+                <a:uLnTx/>
+                <a:uFillTx/>
+                <a:latin typeface="Arial Narrow" panose="020B0604020202020204" pitchFamily="34" charset="0"/>
+                <a:ea typeface="+mn-ea"/>
+                <a:cs typeface="Arial Narrow" panose="020B0604020202020204" pitchFamily="34" charset="0"/>
+              </a:rPr>
+              <a:t>0, *</a:t>
+            </a:r>
+          </a:p>
+        </p:txBody>
+      </p:sp>
+      <p:sp>
+        <p:nvSpPr>
+          <p:cNvPr id="4" name="TextBox 3">
+            <a:extLst>
+              <a:ext uri="{FF2B5EF4-FFF2-40B4-BE49-F238E27FC236}">
+                <a16:creationId xmlns:a16="http://schemas.microsoft.com/office/drawing/2014/main" xmlns="" id="{A35BB023-096C-B34A-8FED-9CE09EE6F055}"/>
+              </a:ext>
+            </a:extLst>
+          </p:cNvPr>
+          <p:cNvSpPr txBox="1"/>
+          <p:nvPr/>
+        </p:nvSpPr>
+        <p:spPr>
+          <a:xfrm>
+            <a:off x="2768272" y="1901312"/>
+            <a:ext cx="255198" cy="276999"/>
+          </a:xfrm>
+          <a:prstGeom prst="rect">
+            <a:avLst/>
+          </a:prstGeom>
+          <a:noFill/>
+          <a:ln w="12700">
+            <a:noFill/>
+          </a:ln>
+        </p:spPr>
+        <p:txBody>
+          <a:bodyPr wrap="none" rtlCol="0">
+            <a:spAutoFit/>
+          </a:bodyPr>
+          <a:lstStyle/>
+          <a:p>
+            <a:pPr marL="0" marR="0" lvl="0" indent="0" algn="l" defTabSz="914400" rtl="0" eaLnBrk="1" fontAlgn="auto" latinLnBrk="0" hangingPunct="1">
+              <a:lnSpc>
+                <a:spcPct val="100000"/>
+              </a:lnSpc>
+              <a:spcBef>
+                <a:spcPts val="0"/>
+              </a:spcBef>
+              <a:spcAft>
+                <a:spcPts val="0"/>
+              </a:spcAft>
+              <a:buClrTx/>
+              <a:buSzTx/>
+              <a:buFontTx/>
+              <a:buNone/>
+              <a:tabLst/>
+              <a:defRPr/>
+            </a:pPr>
+            <a:r>
+              <a:rPr kumimoji="0" lang="en-US" sz="1200" b="0" i="0" u="none" strike="noStrike" kern="1200" cap="none" spc="0" normalizeH="0" baseline="0" noProof="0" dirty="0">
+                <a:ln>
+                  <a:noFill/>
+                </a:ln>
+                <a:solidFill>
+                  <a:prstClr val="black"/>
+                </a:solidFill>
+                <a:effectLst/>
+                <a:uLnTx/>
+                <a:uFillTx/>
+                <a:latin typeface="Arial Narrow" panose="020B0604020202020204" pitchFamily="34" charset="0"/>
+                <a:ea typeface="+mn-ea"/>
+                <a:cs typeface="Arial Narrow" panose="020B0604020202020204" pitchFamily="34" charset="0"/>
+              </a:rPr>
+              <a:t>2</a:t>
+            </a:r>
+          </a:p>
+        </p:txBody>
+      </p:sp>
+      <p:sp>
+        <p:nvSpPr>
+          <p:cNvPr id="5" name="TextBox 4">
+            <a:extLst>
+              <a:ext uri="{FF2B5EF4-FFF2-40B4-BE49-F238E27FC236}">
+                <a16:creationId xmlns:a16="http://schemas.microsoft.com/office/drawing/2014/main" xmlns="" id="{DD009339-9C23-034D-B7F1-DE3C4C61B514}"/>
+              </a:ext>
+            </a:extLst>
+          </p:cNvPr>
+          <p:cNvSpPr txBox="1"/>
+          <p:nvPr/>
+        </p:nvSpPr>
+        <p:spPr>
+          <a:xfrm>
+            <a:off x="2460360" y="543588"/>
+            <a:ext cx="1656261" cy="1384995"/>
+          </a:xfrm>
+          <a:prstGeom prst="rect">
+            <a:avLst/>
+          </a:prstGeom>
+          <a:noFill/>
+          <a:ln w="12700">
+            <a:solidFill>
+              <a:schemeClr val="tx1"/>
+            </a:solidFill>
+          </a:ln>
+        </p:spPr>
+        <p:txBody>
+          <a:bodyPr wrap="square" rtlCol="0">
+            <a:spAutoFit/>
+          </a:bodyPr>
+          <a:lstStyle/>
+          <a:p>
+            <a:pPr marL="0" marR="0" lvl="0" indent="0" algn="l" defTabSz="914400" rtl="0" eaLnBrk="1" fontAlgn="auto" latinLnBrk="0" hangingPunct="1">
+              <a:lnSpc>
+                <a:spcPct val="100000"/>
+              </a:lnSpc>
+              <a:spcBef>
+                <a:spcPts val="0"/>
+              </a:spcBef>
+              <a:spcAft>
+                <a:spcPts val="0"/>
+              </a:spcAft>
+              <a:buClrTx/>
+              <a:buSzTx/>
+              <a:buFontTx/>
+              <a:buNone/>
+              <a:tabLst/>
+              <a:defRPr/>
+            </a:pPr>
+            <a:r>
+              <a:rPr kumimoji="0" lang="en-US" sz="1200" b="0" i="0" u="none" strike="noStrike" kern="1200" cap="none" spc="0" normalizeH="0" baseline="0" noProof="0" dirty="0">
+                <a:ln>
+                  <a:noFill/>
+                </a:ln>
+                <a:solidFill>
+                  <a:prstClr val="black"/>
+                </a:solidFill>
+                <a:effectLst/>
+                <a:uLnTx/>
+                <a:uFillTx/>
+                <a:latin typeface="Arial Narrow" panose="020B0604020202020204" pitchFamily="34" charset="0"/>
+                <a:ea typeface="+mn-ea"/>
+                <a:cs typeface="Arial Narrow" panose="020B0604020202020204" pitchFamily="34" charset="0"/>
+              </a:rPr>
+              <a:t>User</a:t>
+            </a:r>
+          </a:p>
+          <a:p>
+            <a:pPr marL="0" marR="0" lvl="0" indent="0" algn="l" defTabSz="914400" rtl="0" eaLnBrk="1" fontAlgn="auto" latinLnBrk="0" hangingPunct="1">
+              <a:lnSpc>
+                <a:spcPct val="100000"/>
+              </a:lnSpc>
+              <a:spcBef>
+                <a:spcPts val="0"/>
+              </a:spcBef>
+              <a:spcAft>
+                <a:spcPts val="0"/>
+              </a:spcAft>
+              <a:buClrTx/>
+              <a:buSzTx/>
+              <a:buFontTx/>
+              <a:buNone/>
+              <a:tabLst/>
+              <a:defRPr/>
+            </a:pPr>
+            <a:r>
+              <a:rPr kumimoji="0" lang="en-US" sz="1200" b="0" i="0" u="none" strike="noStrike" kern="1200" cap="none" spc="0" normalizeH="0" baseline="0" noProof="0" dirty="0">
+                <a:ln>
+                  <a:noFill/>
+                </a:ln>
+                <a:solidFill>
+                  <a:prstClr val="black"/>
+                </a:solidFill>
+                <a:effectLst/>
+                <a:uLnTx/>
+                <a:uFillTx/>
+                <a:latin typeface="Arial Narrow" panose="020B0604020202020204" pitchFamily="34" charset="0"/>
+                <a:ea typeface="+mn-ea"/>
+                <a:cs typeface="Arial Narrow" panose="020B0604020202020204" pitchFamily="34" charset="0"/>
+              </a:rPr>
+              <a:t>_____________________</a:t>
+            </a:r>
+          </a:p>
+          <a:p>
+            <a:pPr marL="0" marR="0" lvl="0" indent="0" algn="l" defTabSz="914400" rtl="0" eaLnBrk="1" fontAlgn="auto" latinLnBrk="0" hangingPunct="1">
+              <a:lnSpc>
+                <a:spcPct val="100000"/>
+              </a:lnSpc>
+              <a:spcBef>
+                <a:spcPts val="0"/>
+              </a:spcBef>
+              <a:spcAft>
+                <a:spcPts val="0"/>
+              </a:spcAft>
+              <a:buClrTx/>
+              <a:buSzTx/>
+              <a:buFontTx/>
+              <a:buNone/>
+              <a:tabLst/>
+              <a:defRPr/>
+            </a:pPr>
+            <a:r>
+              <a:rPr kumimoji="0" lang="en-US" sz="1200" b="0" i="0" u="none" strike="noStrike" kern="1200" cap="none" spc="0" normalizeH="0" baseline="0" noProof="0" dirty="0">
+                <a:ln>
+                  <a:noFill/>
+                </a:ln>
+                <a:solidFill>
+                  <a:prstClr val="black"/>
+                </a:solidFill>
+                <a:effectLst/>
+                <a:uLnTx/>
+                <a:uFillTx/>
+                <a:latin typeface="Arial Narrow" panose="020B0604020202020204" pitchFamily="34" charset="0"/>
+                <a:ea typeface="+mn-ea"/>
+                <a:cs typeface="Arial Narrow" panose="020B0604020202020204" pitchFamily="34" charset="0"/>
+              </a:rPr>
+              <a:t>name : string</a:t>
+            </a:r>
+          </a:p>
+          <a:p>
+            <a:pPr marL="0" marR="0" lvl="0" indent="0" algn="l" defTabSz="914400" rtl="0" eaLnBrk="1" fontAlgn="auto" latinLnBrk="0" hangingPunct="1">
+              <a:lnSpc>
+                <a:spcPct val="100000"/>
+              </a:lnSpc>
+              <a:spcBef>
+                <a:spcPts val="0"/>
+              </a:spcBef>
+              <a:spcAft>
+                <a:spcPts val="0"/>
+              </a:spcAft>
+              <a:buClrTx/>
+              <a:buSzTx/>
+              <a:buFontTx/>
+              <a:buNone/>
+              <a:tabLst/>
+              <a:defRPr/>
+            </a:pPr>
+            <a:r>
+              <a:rPr kumimoji="0" lang="en-US" sz="1200" b="0" i="0" u="none" strike="noStrike" kern="1200" cap="none" spc="0" normalizeH="0" baseline="0" noProof="0" dirty="0" smtClean="0">
+                <a:ln>
+                  <a:noFill/>
+                </a:ln>
+                <a:solidFill>
+                  <a:prstClr val="black"/>
+                </a:solidFill>
+                <a:effectLst/>
+                <a:uLnTx/>
+                <a:uFillTx/>
+                <a:latin typeface="Arial Narrow" panose="020B0604020202020204" pitchFamily="34" charset="0"/>
+                <a:ea typeface="+mn-ea"/>
+                <a:cs typeface="Arial Narrow" panose="020B0604020202020204" pitchFamily="34" charset="0"/>
+              </a:rPr>
+              <a:t>email </a:t>
+            </a:r>
+            <a:r>
+              <a:rPr kumimoji="0" lang="en-US" sz="1200" b="0" i="0" u="none" strike="noStrike" kern="1200" cap="none" spc="0" normalizeH="0" baseline="0" noProof="0" dirty="0">
+                <a:ln>
+                  <a:noFill/>
+                </a:ln>
+                <a:solidFill>
+                  <a:prstClr val="black"/>
+                </a:solidFill>
+                <a:effectLst/>
+                <a:uLnTx/>
+                <a:uFillTx/>
+                <a:latin typeface="Arial Narrow" panose="020B0604020202020204" pitchFamily="34" charset="0"/>
+                <a:ea typeface="+mn-ea"/>
+                <a:cs typeface="Arial Narrow" panose="020B0604020202020204" pitchFamily="34" charset="0"/>
+              </a:rPr>
+              <a:t>: string</a:t>
+            </a:r>
+          </a:p>
+          <a:p>
+            <a:pPr marL="0" marR="0" lvl="0" indent="0" algn="l" defTabSz="914400" rtl="0" eaLnBrk="1" fontAlgn="auto" latinLnBrk="0" hangingPunct="1">
+              <a:lnSpc>
+                <a:spcPct val="100000"/>
+              </a:lnSpc>
+              <a:spcBef>
+                <a:spcPts val="0"/>
+              </a:spcBef>
+              <a:spcAft>
+                <a:spcPts val="0"/>
+              </a:spcAft>
+              <a:buClrTx/>
+              <a:buSzTx/>
+              <a:buFontTx/>
+              <a:buNone/>
+              <a:tabLst/>
+              <a:defRPr/>
+            </a:pPr>
+            <a:r>
+              <a:rPr kumimoji="0" lang="en-US" sz="1200" b="0" i="0" u="none" strike="noStrike" kern="1200" cap="none" spc="0" normalizeH="0" baseline="0" noProof="0" dirty="0">
+                <a:ln>
+                  <a:noFill/>
+                </a:ln>
+                <a:solidFill>
+                  <a:prstClr val="black"/>
+                </a:solidFill>
+                <a:effectLst/>
+                <a:uLnTx/>
+                <a:uFillTx/>
+                <a:latin typeface="Arial Narrow" panose="020B0604020202020204" pitchFamily="34" charset="0"/>
+                <a:ea typeface="+mn-ea"/>
+                <a:cs typeface="Arial Narrow" panose="020B0604020202020204" pitchFamily="34" charset="0"/>
+              </a:rPr>
+              <a:t>password : </a:t>
+            </a:r>
+            <a:r>
+              <a:rPr kumimoji="0" lang="en-US" sz="1200" b="0" i="0" u="none" strike="noStrike" kern="1200" cap="none" spc="0" normalizeH="0" baseline="0" noProof="0" dirty="0" smtClean="0">
+                <a:ln>
+                  <a:noFill/>
+                </a:ln>
+                <a:solidFill>
+                  <a:prstClr val="black"/>
+                </a:solidFill>
+                <a:effectLst/>
+                <a:uLnTx/>
+                <a:uFillTx/>
+                <a:latin typeface="Arial Narrow" panose="020B0604020202020204" pitchFamily="34" charset="0"/>
+                <a:ea typeface="+mn-ea"/>
+                <a:cs typeface="Arial Narrow" panose="020B0604020202020204" pitchFamily="34" charset="0"/>
+              </a:rPr>
+              <a:t>pass</a:t>
+            </a:r>
+            <a:endParaRPr kumimoji="0" lang="en-US" sz="1200" b="0" i="0" u="none" strike="noStrike" kern="1200" cap="none" spc="0" normalizeH="0" baseline="0" noProof="0" dirty="0">
+              <a:ln>
+                <a:noFill/>
+              </a:ln>
+              <a:solidFill>
+                <a:prstClr val="black"/>
+              </a:solidFill>
+              <a:effectLst/>
+              <a:uLnTx/>
+              <a:uFillTx/>
+              <a:latin typeface="Arial Narrow" panose="020B0604020202020204" pitchFamily="34" charset="0"/>
+              <a:ea typeface="+mn-ea"/>
+              <a:cs typeface="Arial Narrow" panose="020B0604020202020204" pitchFamily="34" charset="0"/>
+            </a:endParaRPr>
+          </a:p>
+          <a:p>
+            <a:pPr marL="0" marR="0" lvl="0" indent="0" algn="l" defTabSz="914400" rtl="0" eaLnBrk="1" fontAlgn="auto" latinLnBrk="0" hangingPunct="1">
+              <a:lnSpc>
+                <a:spcPct val="100000"/>
+              </a:lnSpc>
+              <a:spcBef>
+                <a:spcPts val="0"/>
+              </a:spcBef>
+              <a:spcAft>
+                <a:spcPts val="0"/>
+              </a:spcAft>
+              <a:buClrTx/>
+              <a:buSzTx/>
+              <a:buFontTx/>
+              <a:buNone/>
+              <a:tabLst/>
+              <a:defRPr/>
+            </a:pPr>
+            <a:r>
+              <a:rPr kumimoji="0" lang="en-US" sz="1200" b="0" i="0" u="none" strike="noStrike" kern="1200" cap="none" spc="0" normalizeH="0" baseline="0" noProof="0" dirty="0">
+                <a:ln>
+                  <a:noFill/>
+                </a:ln>
+                <a:solidFill>
+                  <a:prstClr val="black"/>
+                </a:solidFill>
+                <a:effectLst/>
+                <a:uLnTx/>
+                <a:uFillTx/>
+                <a:latin typeface="Arial Narrow" panose="020B0604020202020204" pitchFamily="34" charset="0"/>
+                <a:ea typeface="+mn-ea"/>
+                <a:cs typeface="Arial Narrow" panose="020B0604020202020204" pitchFamily="34" charset="0"/>
+              </a:rPr>
+              <a:t>department : string</a:t>
+            </a:r>
+          </a:p>
+          <a:p>
+            <a:pPr marL="0" marR="0" lvl="0" indent="0" algn="l" defTabSz="914400" rtl="0" eaLnBrk="1" fontAlgn="auto" latinLnBrk="0" hangingPunct="1">
+              <a:lnSpc>
+                <a:spcPct val="100000"/>
+              </a:lnSpc>
+              <a:spcBef>
+                <a:spcPts val="0"/>
+              </a:spcBef>
+              <a:spcAft>
+                <a:spcPts val="0"/>
+              </a:spcAft>
+              <a:buClrTx/>
+              <a:buSzTx/>
+              <a:buFontTx/>
+              <a:buNone/>
+              <a:tabLst/>
+              <a:defRPr/>
+            </a:pPr>
+            <a:r>
+              <a:rPr kumimoji="0" lang="en-US" sz="1200" b="0" i="0" u="none" strike="noStrike" kern="1200" cap="none" spc="0" normalizeH="0" baseline="0" noProof="0" dirty="0">
+                <a:ln>
+                  <a:noFill/>
+                </a:ln>
+                <a:solidFill>
+                  <a:prstClr val="black"/>
+                </a:solidFill>
+                <a:effectLst/>
+                <a:uLnTx/>
+                <a:uFillTx/>
+                <a:latin typeface="Arial Narrow" panose="020B0604020202020204" pitchFamily="34" charset="0"/>
+                <a:ea typeface="+mn-ea"/>
+                <a:cs typeface="Arial Narrow" panose="020B0604020202020204" pitchFamily="34" charset="0"/>
+              </a:rPr>
+              <a:t>major : string</a:t>
+            </a:r>
+          </a:p>
+        </p:txBody>
+      </p:sp>
+      <p:sp>
+        <p:nvSpPr>
+          <p:cNvPr id="10" name="TextBox 9">
+            <a:extLst>
+              <a:ext uri="{FF2B5EF4-FFF2-40B4-BE49-F238E27FC236}">
+                <a16:creationId xmlns:a16="http://schemas.microsoft.com/office/drawing/2014/main" xmlns="" id="{D62A0365-506F-824C-A971-9FA464D85BED}"/>
+              </a:ext>
+            </a:extLst>
+          </p:cNvPr>
+          <p:cNvSpPr txBox="1"/>
+          <p:nvPr/>
+        </p:nvSpPr>
+        <p:spPr>
+          <a:xfrm>
+            <a:off x="8051266" y="237265"/>
+            <a:ext cx="1689542" cy="3785651"/>
+          </a:xfrm>
+          <a:prstGeom prst="rect">
+            <a:avLst/>
+          </a:prstGeom>
+          <a:noFill/>
+          <a:ln w="12700">
+            <a:solidFill>
+              <a:schemeClr val="tx1"/>
+            </a:solidFill>
+          </a:ln>
+        </p:spPr>
+        <p:txBody>
+          <a:bodyPr wrap="square" rtlCol="0">
+            <a:spAutoFit/>
+          </a:bodyPr>
+          <a:lstStyle/>
+          <a:p>
+            <a:pPr marL="0" marR="0" lvl="0" indent="0" algn="l" defTabSz="914400" rtl="0" eaLnBrk="1" fontAlgn="auto" latinLnBrk="0" hangingPunct="1">
+              <a:lnSpc>
+                <a:spcPct val="100000"/>
+              </a:lnSpc>
+              <a:spcBef>
+                <a:spcPts val="0"/>
+              </a:spcBef>
+              <a:spcAft>
+                <a:spcPts val="0"/>
+              </a:spcAft>
+              <a:buClrTx/>
+              <a:buSzTx/>
+              <a:buFontTx/>
+              <a:buNone/>
+              <a:tabLst/>
+              <a:defRPr/>
+            </a:pPr>
+            <a:r>
+              <a:rPr kumimoji="0" lang="en-US" sz="1200" b="0" i="0" u="none" strike="noStrike" kern="1200" cap="none" spc="0" normalizeH="0" baseline="0" noProof="0" dirty="0">
+                <a:ln>
+                  <a:noFill/>
+                </a:ln>
+                <a:solidFill>
+                  <a:prstClr val="black"/>
+                </a:solidFill>
+                <a:effectLst/>
+                <a:uLnTx/>
+                <a:uFillTx/>
+                <a:latin typeface="Arial Narrow" panose="020B0604020202020204" pitchFamily="34" charset="0"/>
+                <a:ea typeface="+mn-ea"/>
+                <a:cs typeface="Arial Narrow" panose="020B0604020202020204" pitchFamily="34" charset="0"/>
+              </a:rPr>
+              <a:t>Item &lt;abstract&gt;</a:t>
+            </a:r>
+          </a:p>
+          <a:p>
+            <a:pPr marL="0" marR="0" lvl="0" indent="0" algn="l" defTabSz="914400" rtl="0" eaLnBrk="1" fontAlgn="auto" latinLnBrk="0" hangingPunct="1">
+              <a:lnSpc>
+                <a:spcPct val="100000"/>
+              </a:lnSpc>
+              <a:spcBef>
+                <a:spcPts val="0"/>
+              </a:spcBef>
+              <a:spcAft>
+                <a:spcPts val="0"/>
+              </a:spcAft>
+              <a:buClrTx/>
+              <a:buSzTx/>
+              <a:buFontTx/>
+              <a:buNone/>
+              <a:tabLst/>
+              <a:defRPr/>
+            </a:pPr>
+            <a:r>
+              <a:rPr kumimoji="0" lang="en-US" sz="1200" b="0" i="0" u="none" strike="noStrike" kern="1200" cap="none" spc="0" normalizeH="0" baseline="0" noProof="0" dirty="0">
+                <a:ln>
+                  <a:noFill/>
+                </a:ln>
+                <a:solidFill>
+                  <a:prstClr val="black"/>
+                </a:solidFill>
+                <a:effectLst/>
+                <a:uLnTx/>
+                <a:uFillTx/>
+                <a:latin typeface="Arial Narrow" panose="020B0604020202020204" pitchFamily="34" charset="0"/>
+                <a:ea typeface="+mn-ea"/>
+                <a:cs typeface="Arial Narrow" panose="020B0604020202020204" pitchFamily="34" charset="0"/>
+              </a:rPr>
+              <a:t>_____________________</a:t>
+            </a:r>
+          </a:p>
+          <a:p>
+            <a:pPr marL="0" marR="0" lvl="0" indent="0" algn="l" defTabSz="914400" rtl="0" eaLnBrk="1" fontAlgn="auto" latinLnBrk="0" hangingPunct="1">
+              <a:lnSpc>
+                <a:spcPct val="100000"/>
+              </a:lnSpc>
+              <a:spcBef>
+                <a:spcPts val="0"/>
+              </a:spcBef>
+              <a:spcAft>
+                <a:spcPts val="0"/>
+              </a:spcAft>
+              <a:buClrTx/>
+              <a:buSzTx/>
+              <a:buFontTx/>
+              <a:buNone/>
+              <a:tabLst/>
+              <a:defRPr/>
+            </a:pPr>
+            <a:r>
+              <a:rPr lang="en-US" sz="1200" dirty="0">
+                <a:solidFill>
+                  <a:prstClr val="black"/>
+                </a:solidFill>
+                <a:latin typeface="Arial Narrow" panose="020B0604020202020204" pitchFamily="34" charset="0"/>
+                <a:cs typeface="Arial Narrow" panose="020B0604020202020204" pitchFamily="34" charset="0"/>
+              </a:rPr>
+              <a:t>i</a:t>
+            </a:r>
+            <a:r>
+              <a:rPr kumimoji="0" lang="en-US" sz="1200" b="0" i="0" u="none" strike="noStrike" kern="1200" cap="none" spc="0" normalizeH="0" baseline="0" noProof="0" dirty="0" smtClean="0">
+                <a:ln>
+                  <a:noFill/>
+                </a:ln>
+                <a:solidFill>
+                  <a:prstClr val="black"/>
+                </a:solidFill>
+                <a:effectLst/>
+                <a:uLnTx/>
+                <a:uFillTx/>
+                <a:latin typeface="Arial Narrow" panose="020B0604020202020204" pitchFamily="34" charset="0"/>
+                <a:ea typeface="+mn-ea"/>
+                <a:cs typeface="Arial Narrow" panose="020B0604020202020204" pitchFamily="34" charset="0"/>
+              </a:rPr>
+              <a:t>d: integer</a:t>
+            </a:r>
+          </a:p>
+          <a:p>
+            <a:pPr marL="0" marR="0" lvl="0" indent="0" algn="l" defTabSz="914400" rtl="0" eaLnBrk="1" fontAlgn="auto" latinLnBrk="0" hangingPunct="1">
+              <a:lnSpc>
+                <a:spcPct val="100000"/>
+              </a:lnSpc>
+              <a:spcBef>
+                <a:spcPts val="0"/>
+              </a:spcBef>
+              <a:spcAft>
+                <a:spcPts val="0"/>
+              </a:spcAft>
+              <a:buClrTx/>
+              <a:buSzTx/>
+              <a:buFontTx/>
+              <a:buNone/>
+              <a:tabLst/>
+              <a:defRPr/>
+            </a:pPr>
+            <a:r>
+              <a:rPr lang="en-US" sz="1200" dirty="0" err="1">
+                <a:solidFill>
+                  <a:prstClr val="black"/>
+                </a:solidFill>
+                <a:latin typeface="Arial Narrow" panose="020B0604020202020204" pitchFamily="34" charset="0"/>
+                <a:cs typeface="Arial Narrow" panose="020B0604020202020204" pitchFamily="34" charset="0"/>
+              </a:rPr>
+              <a:t>u</a:t>
+            </a:r>
+            <a:r>
+              <a:rPr lang="en-US" sz="1200" dirty="0" err="1" smtClean="0">
+                <a:solidFill>
+                  <a:prstClr val="black"/>
+                </a:solidFill>
+                <a:latin typeface="Arial Narrow" panose="020B0604020202020204" pitchFamily="34" charset="0"/>
+                <a:cs typeface="Arial Narrow" panose="020B0604020202020204" pitchFamily="34" charset="0"/>
+              </a:rPr>
+              <a:t>ser_id</a:t>
+            </a:r>
+            <a:r>
+              <a:rPr lang="en-US" sz="1200" dirty="0" smtClean="0">
+                <a:solidFill>
+                  <a:prstClr val="black"/>
+                </a:solidFill>
+                <a:latin typeface="Arial Narrow" panose="020B0604020202020204" pitchFamily="34" charset="0"/>
+                <a:cs typeface="Arial Narrow" panose="020B0604020202020204" pitchFamily="34" charset="0"/>
+              </a:rPr>
+              <a:t>: integer</a:t>
+            </a:r>
+          </a:p>
+          <a:p>
+            <a:pPr marL="0" marR="0" lvl="0" indent="0" algn="l" defTabSz="914400" rtl="0" eaLnBrk="1" fontAlgn="auto" latinLnBrk="0" hangingPunct="1">
+              <a:lnSpc>
+                <a:spcPct val="100000"/>
+              </a:lnSpc>
+              <a:spcBef>
+                <a:spcPts val="0"/>
+              </a:spcBef>
+              <a:spcAft>
+                <a:spcPts val="0"/>
+              </a:spcAft>
+              <a:buClrTx/>
+              <a:buSzTx/>
+              <a:buFontTx/>
+              <a:buNone/>
+              <a:tabLst/>
+              <a:defRPr/>
+            </a:pPr>
+            <a:r>
+              <a:rPr lang="en-US" sz="1200" dirty="0" smtClean="0">
+                <a:solidFill>
+                  <a:prstClr val="black"/>
+                </a:solidFill>
+                <a:latin typeface="Arial Narrow" panose="020B0604020202020204" pitchFamily="34" charset="0"/>
+                <a:cs typeface="Arial Narrow" panose="020B0604020202020204" pitchFamily="34" charset="0"/>
+              </a:rPr>
+              <a:t>c</a:t>
+            </a:r>
+            <a:r>
+              <a:rPr kumimoji="0" lang="en-US" sz="1200" b="0" i="0" u="none" strike="noStrike" kern="1200" cap="none" spc="0" normalizeH="0" baseline="0" noProof="0" dirty="0" err="1" smtClean="0">
+                <a:ln>
+                  <a:noFill/>
+                </a:ln>
+                <a:solidFill>
+                  <a:prstClr val="black"/>
+                </a:solidFill>
+                <a:effectLst/>
+                <a:uLnTx/>
+                <a:uFillTx/>
+                <a:latin typeface="Arial Narrow" panose="020B0604020202020204" pitchFamily="34" charset="0"/>
+                <a:ea typeface="+mn-ea"/>
+                <a:cs typeface="Arial Narrow" panose="020B0604020202020204" pitchFamily="34" charset="0"/>
+              </a:rPr>
+              <a:t>ategory_id</a:t>
+            </a:r>
+            <a:r>
+              <a:rPr kumimoji="0" lang="en-US" sz="1200" b="0" i="0" u="none" strike="noStrike" kern="1200" cap="none" spc="0" normalizeH="0" baseline="0" noProof="0" dirty="0" smtClean="0">
+                <a:ln>
+                  <a:noFill/>
+                </a:ln>
+                <a:solidFill>
+                  <a:prstClr val="black"/>
+                </a:solidFill>
+                <a:effectLst/>
+                <a:uLnTx/>
+                <a:uFillTx/>
+                <a:latin typeface="Arial Narrow" panose="020B0604020202020204" pitchFamily="34" charset="0"/>
+                <a:ea typeface="+mn-ea"/>
+                <a:cs typeface="Arial Narrow" panose="020B0604020202020204" pitchFamily="34" charset="0"/>
+              </a:rPr>
+              <a:t>: integer</a:t>
+            </a:r>
+          </a:p>
+          <a:p>
+            <a:pPr marL="0" marR="0" lvl="0" indent="0" algn="l" defTabSz="914400" rtl="0" eaLnBrk="1" fontAlgn="auto" latinLnBrk="0" hangingPunct="1">
+              <a:lnSpc>
+                <a:spcPct val="100000"/>
+              </a:lnSpc>
+              <a:spcBef>
+                <a:spcPts val="0"/>
+              </a:spcBef>
+              <a:spcAft>
+                <a:spcPts val="0"/>
+              </a:spcAft>
+              <a:buClrTx/>
+              <a:buSzTx/>
+              <a:buFontTx/>
+              <a:buNone/>
+              <a:tabLst/>
+              <a:defRPr/>
+            </a:pPr>
+            <a:r>
+              <a:rPr kumimoji="0" lang="en-US" sz="1200" b="0" i="0" u="none" strike="noStrike" kern="1200" cap="none" spc="0" normalizeH="0" baseline="0" noProof="0" dirty="0" smtClean="0">
+                <a:ln>
+                  <a:noFill/>
+                </a:ln>
+                <a:solidFill>
+                  <a:prstClr val="black"/>
+                </a:solidFill>
+                <a:effectLst/>
+                <a:uLnTx/>
+                <a:uFillTx/>
+                <a:latin typeface="Arial Narrow" panose="020B0604020202020204" pitchFamily="34" charset="0"/>
+                <a:ea typeface="+mn-ea"/>
+                <a:cs typeface="Arial Narrow" panose="020B0604020202020204" pitchFamily="34" charset="0"/>
+              </a:rPr>
+              <a:t>title </a:t>
+            </a:r>
+            <a:r>
+              <a:rPr kumimoji="0" lang="en-US" sz="1200" b="0" i="0" u="none" strike="noStrike" kern="1200" cap="none" spc="0" normalizeH="0" baseline="0" noProof="0" dirty="0">
+                <a:ln>
+                  <a:noFill/>
+                </a:ln>
+                <a:solidFill>
+                  <a:prstClr val="black"/>
+                </a:solidFill>
+                <a:effectLst/>
+                <a:uLnTx/>
+                <a:uFillTx/>
+                <a:latin typeface="Arial Narrow" panose="020B0604020202020204" pitchFamily="34" charset="0"/>
+                <a:ea typeface="+mn-ea"/>
+                <a:cs typeface="Arial Narrow" panose="020B0604020202020204" pitchFamily="34" charset="0"/>
+              </a:rPr>
+              <a:t>: string</a:t>
+            </a:r>
+          </a:p>
+          <a:p>
+            <a:pPr marL="0" marR="0" lvl="0" indent="0" algn="l" defTabSz="914400" rtl="0" eaLnBrk="1" fontAlgn="auto" latinLnBrk="0" hangingPunct="1">
+              <a:lnSpc>
+                <a:spcPct val="100000"/>
+              </a:lnSpc>
+              <a:spcBef>
+                <a:spcPts val="0"/>
+              </a:spcBef>
+              <a:spcAft>
+                <a:spcPts val="0"/>
+              </a:spcAft>
+              <a:buClrTx/>
+              <a:buSzTx/>
+              <a:buFontTx/>
+              <a:buNone/>
+              <a:tabLst/>
+              <a:defRPr/>
+            </a:pPr>
+            <a:r>
+              <a:rPr kumimoji="0" lang="en-US" sz="1200" b="0" i="0" u="none" strike="noStrike" kern="1200" cap="none" spc="0" normalizeH="0" baseline="0" noProof="0" dirty="0">
+                <a:ln>
+                  <a:noFill/>
+                </a:ln>
+                <a:solidFill>
+                  <a:prstClr val="black"/>
+                </a:solidFill>
+                <a:effectLst/>
+                <a:uLnTx/>
+                <a:uFillTx/>
+                <a:latin typeface="Arial Narrow" panose="020B0604020202020204" pitchFamily="34" charset="0"/>
+                <a:ea typeface="+mn-ea"/>
+                <a:cs typeface="Arial Narrow" panose="020B0604020202020204" pitchFamily="34" charset="0"/>
+              </a:rPr>
+              <a:t>price : float</a:t>
+            </a:r>
+          </a:p>
+          <a:p>
+            <a:pPr marL="0" marR="0" lvl="0" indent="0" algn="l" defTabSz="914400" rtl="0" eaLnBrk="1" fontAlgn="auto" latinLnBrk="0" hangingPunct="1">
+              <a:lnSpc>
+                <a:spcPct val="100000"/>
+              </a:lnSpc>
+              <a:spcBef>
+                <a:spcPts val="0"/>
+              </a:spcBef>
+              <a:spcAft>
+                <a:spcPts val="0"/>
+              </a:spcAft>
+              <a:buClrTx/>
+              <a:buSzTx/>
+              <a:buFontTx/>
+              <a:buNone/>
+              <a:tabLst/>
+              <a:defRPr/>
+            </a:pPr>
+            <a:r>
+              <a:rPr kumimoji="0" lang="en-US" sz="1200" b="0" i="0" u="none" strike="noStrike" kern="1200" cap="none" spc="0" normalizeH="0" baseline="0" noProof="0" dirty="0">
+                <a:ln>
+                  <a:noFill/>
+                </a:ln>
+                <a:solidFill>
+                  <a:prstClr val="black"/>
+                </a:solidFill>
+                <a:effectLst/>
+                <a:uLnTx/>
+                <a:uFillTx/>
+                <a:latin typeface="Arial Narrow" panose="020B0604020202020204" pitchFamily="34" charset="0"/>
+                <a:ea typeface="+mn-ea"/>
+                <a:cs typeface="Arial Narrow" panose="020B0604020202020204" pitchFamily="34" charset="0"/>
+              </a:rPr>
+              <a:t>image : string</a:t>
+            </a:r>
+          </a:p>
+          <a:p>
+            <a:pPr marL="0" marR="0" lvl="0" indent="0" algn="l" defTabSz="914400" rtl="0" eaLnBrk="1" fontAlgn="auto" latinLnBrk="0" hangingPunct="1">
+              <a:lnSpc>
+                <a:spcPct val="100000"/>
+              </a:lnSpc>
+              <a:spcBef>
+                <a:spcPts val="0"/>
+              </a:spcBef>
+              <a:spcAft>
+                <a:spcPts val="0"/>
+              </a:spcAft>
+              <a:buClrTx/>
+              <a:buSzTx/>
+              <a:buFontTx/>
+              <a:buNone/>
+              <a:tabLst/>
+              <a:defRPr/>
+            </a:pPr>
+            <a:r>
+              <a:rPr kumimoji="0" lang="en-US" sz="1200" b="0" i="0" u="none" strike="noStrike" kern="1200" cap="none" spc="0" normalizeH="0" baseline="0" noProof="0" dirty="0">
+                <a:ln>
+                  <a:noFill/>
+                </a:ln>
+                <a:solidFill>
+                  <a:prstClr val="black"/>
+                </a:solidFill>
+                <a:effectLst/>
+                <a:uLnTx/>
+                <a:uFillTx/>
+                <a:latin typeface="Arial Narrow" panose="020B0604020202020204" pitchFamily="34" charset="0"/>
+                <a:ea typeface="+mn-ea"/>
+                <a:cs typeface="Arial Narrow" panose="020B0604020202020204" pitchFamily="34" charset="0"/>
+              </a:rPr>
+              <a:t>condition : integer</a:t>
+            </a:r>
+          </a:p>
+          <a:p>
+            <a:pPr>
+              <a:defRPr/>
+            </a:pPr>
+            <a:r>
+              <a:rPr lang="en-US" sz="1200" dirty="0" smtClean="0">
+                <a:solidFill>
+                  <a:prstClr val="black"/>
+                </a:solidFill>
+                <a:latin typeface="Arial Narrow" panose="020B0604020202020204" pitchFamily="34" charset="0"/>
+                <a:cs typeface="Arial Narrow" panose="020B0604020202020204" pitchFamily="34" charset="0"/>
+              </a:rPr>
+              <a:t>inactive</a:t>
+            </a:r>
+            <a:r>
+              <a:rPr lang="en-US" sz="1200" dirty="0">
+                <a:solidFill>
+                  <a:prstClr val="black"/>
+                </a:solidFill>
+                <a:latin typeface="Arial Narrow" panose="020B0604020202020204" pitchFamily="34" charset="0"/>
+                <a:cs typeface="Arial Narrow" panose="020B0604020202020204" pitchFamily="34" charset="0"/>
+              </a:rPr>
+              <a:t>: </a:t>
+            </a:r>
+            <a:r>
+              <a:rPr lang="en-US" sz="1200" dirty="0" err="1" smtClean="0">
+                <a:solidFill>
+                  <a:prstClr val="black"/>
+                </a:solidFill>
+                <a:latin typeface="Arial Narrow" panose="020B0604020202020204" pitchFamily="34" charset="0"/>
+                <a:cs typeface="Arial Narrow" panose="020B0604020202020204" pitchFamily="34" charset="0"/>
+              </a:rPr>
+              <a:t>boolean</a:t>
+            </a:r>
+            <a:endParaRPr kumimoji="0" lang="en-US" sz="1200" b="0" i="0" u="none" strike="noStrike" kern="1200" cap="none" spc="0" normalizeH="0" baseline="0" noProof="0" dirty="0" smtClean="0">
+              <a:ln>
+                <a:noFill/>
+              </a:ln>
+              <a:solidFill>
+                <a:prstClr val="black"/>
+              </a:solidFill>
+              <a:effectLst/>
+              <a:uLnTx/>
+              <a:uFillTx/>
+              <a:latin typeface="Arial Narrow" panose="020B0604020202020204" pitchFamily="34" charset="0"/>
+              <a:ea typeface="+mn-ea"/>
+              <a:cs typeface="Arial Narrow" panose="020B0604020202020204" pitchFamily="34" charset="0"/>
+            </a:endParaRPr>
+          </a:p>
+          <a:p>
+            <a:pPr marL="0" marR="0" lvl="0" indent="0" algn="l" defTabSz="914400" rtl="0" eaLnBrk="1" fontAlgn="auto" latinLnBrk="0" hangingPunct="1">
+              <a:lnSpc>
+                <a:spcPct val="100000"/>
+              </a:lnSpc>
+              <a:spcBef>
+                <a:spcPts val="0"/>
+              </a:spcBef>
+              <a:spcAft>
+                <a:spcPts val="0"/>
+              </a:spcAft>
+              <a:buClrTx/>
+              <a:buSzTx/>
+              <a:buFontTx/>
+              <a:buNone/>
+              <a:tabLst/>
+              <a:defRPr/>
+            </a:pPr>
+            <a:r>
+              <a:rPr kumimoji="0" lang="en-US" sz="1200" b="0" i="0" u="none" strike="noStrike" kern="1200" cap="none" spc="0" normalizeH="0" baseline="0" noProof="0" dirty="0" smtClean="0">
+                <a:ln>
+                  <a:noFill/>
+                </a:ln>
+                <a:solidFill>
+                  <a:prstClr val="black"/>
+                </a:solidFill>
+                <a:effectLst/>
+                <a:uLnTx/>
+                <a:uFillTx/>
+                <a:latin typeface="Arial Narrow" panose="020B0604020202020204" pitchFamily="34" charset="0"/>
+                <a:ea typeface="+mn-ea"/>
+                <a:cs typeface="Arial Narrow" panose="020B0604020202020204" pitchFamily="34" charset="0"/>
+              </a:rPr>
+              <a:t>description </a:t>
+            </a:r>
+            <a:r>
+              <a:rPr kumimoji="0" lang="en-US" sz="1200" b="0" i="0" u="none" strike="noStrike" kern="1200" cap="none" spc="0" normalizeH="0" baseline="0" noProof="0" dirty="0">
+                <a:ln>
+                  <a:noFill/>
+                </a:ln>
+                <a:solidFill>
+                  <a:prstClr val="black"/>
+                </a:solidFill>
+                <a:effectLst/>
+                <a:uLnTx/>
+                <a:uFillTx/>
+                <a:latin typeface="Arial Narrow" panose="020B0604020202020204" pitchFamily="34" charset="0"/>
+                <a:ea typeface="+mn-ea"/>
+                <a:cs typeface="Arial Narrow" panose="020B0604020202020204" pitchFamily="34" charset="0"/>
+              </a:rPr>
+              <a:t>: </a:t>
+            </a:r>
+            <a:r>
+              <a:rPr kumimoji="0" lang="en-US" sz="1200" b="0" i="0" u="none" strike="noStrike" kern="1200" cap="none" spc="0" normalizeH="0" baseline="0" noProof="0" dirty="0" smtClean="0">
+                <a:ln>
+                  <a:noFill/>
+                </a:ln>
+                <a:solidFill>
+                  <a:prstClr val="black"/>
+                </a:solidFill>
+                <a:effectLst/>
+                <a:uLnTx/>
+                <a:uFillTx/>
+                <a:latin typeface="Arial Narrow" panose="020B0604020202020204" pitchFamily="34" charset="0"/>
+                <a:ea typeface="+mn-ea"/>
+                <a:cs typeface="Arial Narrow" panose="020B0604020202020204" pitchFamily="34" charset="0"/>
+              </a:rPr>
+              <a:t>text</a:t>
+            </a:r>
+          </a:p>
+          <a:p>
+            <a:pPr lvl="0">
+              <a:defRPr/>
+            </a:pPr>
+            <a:endParaRPr lang="en-US" sz="1200" dirty="0" smtClean="0">
+              <a:solidFill>
+                <a:prstClr val="black"/>
+              </a:solidFill>
+              <a:latin typeface="Arial Narrow" panose="020B0604020202020204" pitchFamily="34" charset="0"/>
+              <a:cs typeface="Arial Narrow" panose="020B0604020202020204" pitchFamily="34" charset="0"/>
+            </a:endParaRPr>
+          </a:p>
+          <a:p>
+            <a:pPr lvl="0">
+              <a:defRPr/>
+            </a:pPr>
+            <a:r>
+              <a:rPr lang="en-US" sz="1200" dirty="0" smtClean="0">
+                <a:solidFill>
+                  <a:prstClr val="black"/>
+                </a:solidFill>
+                <a:latin typeface="Arial Narrow" panose="020B0604020202020204" pitchFamily="34" charset="0"/>
+                <a:cs typeface="Arial Narrow" panose="020B0604020202020204" pitchFamily="34" charset="0"/>
+              </a:rPr>
+              <a:t>ISBN </a:t>
+            </a:r>
+            <a:r>
+              <a:rPr lang="en-US" sz="1200" dirty="0">
+                <a:solidFill>
+                  <a:prstClr val="black"/>
+                </a:solidFill>
+                <a:latin typeface="Arial Narrow" panose="020B0604020202020204" pitchFamily="34" charset="0"/>
+                <a:cs typeface="Arial Narrow" panose="020B0604020202020204" pitchFamily="34" charset="0"/>
+              </a:rPr>
+              <a:t>: string</a:t>
+            </a:r>
+          </a:p>
+          <a:p>
+            <a:pPr lvl="0">
+              <a:defRPr/>
+            </a:pPr>
+            <a:r>
+              <a:rPr lang="en-US" sz="1200" dirty="0">
+                <a:solidFill>
+                  <a:prstClr val="black"/>
+                </a:solidFill>
+                <a:latin typeface="Arial Narrow" panose="020B0604020202020204" pitchFamily="34" charset="0"/>
+                <a:cs typeface="Arial Narrow" panose="020B0604020202020204" pitchFamily="34" charset="0"/>
+              </a:rPr>
+              <a:t>author : string</a:t>
+            </a:r>
+          </a:p>
+          <a:p>
+            <a:pPr lvl="0">
+              <a:defRPr/>
+            </a:pPr>
+            <a:r>
+              <a:rPr lang="en-US" sz="1200" dirty="0">
+                <a:solidFill>
+                  <a:prstClr val="black"/>
+                </a:solidFill>
+                <a:latin typeface="Arial Narrow" panose="020B0604020202020204" pitchFamily="34" charset="0"/>
+                <a:cs typeface="Arial Narrow" panose="020B0604020202020204" pitchFamily="34" charset="0"/>
+              </a:rPr>
+              <a:t>edition : string</a:t>
+            </a:r>
+          </a:p>
+          <a:p>
+            <a:pPr lvl="0">
+              <a:defRPr/>
+            </a:pPr>
+            <a:r>
+              <a:rPr lang="en-US" sz="1200" dirty="0">
+                <a:solidFill>
+                  <a:prstClr val="black"/>
+                </a:solidFill>
+                <a:latin typeface="Arial Narrow" panose="020B0604020202020204" pitchFamily="34" charset="0"/>
+                <a:cs typeface="Arial Narrow" panose="020B0604020202020204" pitchFamily="34" charset="0"/>
+              </a:rPr>
+              <a:t>year of publication : </a:t>
+            </a:r>
+            <a:r>
+              <a:rPr lang="en-US" sz="1200" dirty="0" smtClean="0">
+                <a:solidFill>
+                  <a:prstClr val="black"/>
+                </a:solidFill>
+                <a:latin typeface="Arial Narrow" panose="020B0604020202020204" pitchFamily="34" charset="0"/>
+                <a:cs typeface="Arial Narrow" panose="020B0604020202020204" pitchFamily="34" charset="0"/>
+              </a:rPr>
+              <a:t>string</a:t>
+            </a:r>
+          </a:p>
+          <a:p>
+            <a:pPr lvl="0">
+              <a:defRPr/>
+            </a:pPr>
+            <a:endParaRPr lang="en-US" sz="1200" dirty="0" smtClean="0">
+              <a:solidFill>
+                <a:prstClr val="black"/>
+              </a:solidFill>
+              <a:latin typeface="Arial Narrow" panose="020B0604020202020204" pitchFamily="34" charset="0"/>
+              <a:cs typeface="Arial Narrow" panose="020B0604020202020204" pitchFamily="34" charset="0"/>
+            </a:endParaRPr>
+          </a:p>
+          <a:p>
+            <a:pPr lvl="0">
+              <a:defRPr/>
+            </a:pPr>
+            <a:r>
+              <a:rPr lang="en-US" sz="1200" dirty="0" err="1">
+                <a:solidFill>
+                  <a:prstClr val="black"/>
+                </a:solidFill>
+                <a:latin typeface="Arial Narrow" panose="020B0604020202020204" pitchFamily="34" charset="0"/>
+                <a:cs typeface="Arial Narrow" panose="020B0604020202020204" pitchFamily="34" charset="0"/>
+              </a:rPr>
+              <a:t>y</a:t>
+            </a:r>
+            <a:r>
+              <a:rPr lang="en-US" sz="1200" dirty="0" err="1" smtClean="0">
+                <a:solidFill>
+                  <a:prstClr val="black"/>
+                </a:solidFill>
+                <a:latin typeface="Arial Narrow" panose="020B0604020202020204" pitchFamily="34" charset="0"/>
+                <a:cs typeface="Arial Narrow" panose="020B0604020202020204" pitchFamily="34" charset="0"/>
+              </a:rPr>
+              <a:t>ear_release</a:t>
+            </a:r>
+            <a:r>
+              <a:rPr lang="en-US" sz="1200" dirty="0" smtClean="0">
+                <a:solidFill>
+                  <a:prstClr val="black"/>
+                </a:solidFill>
+                <a:latin typeface="Arial Narrow" panose="020B0604020202020204" pitchFamily="34" charset="0"/>
+                <a:cs typeface="Arial Narrow" panose="020B0604020202020204" pitchFamily="34" charset="0"/>
+              </a:rPr>
+              <a:t> </a:t>
+            </a:r>
+            <a:r>
+              <a:rPr lang="en-US" sz="1200" dirty="0">
+                <a:solidFill>
+                  <a:prstClr val="black"/>
+                </a:solidFill>
+                <a:latin typeface="Arial Narrow" panose="020B0604020202020204" pitchFamily="34" charset="0"/>
+                <a:cs typeface="Arial Narrow" panose="020B0604020202020204" pitchFamily="34" charset="0"/>
+              </a:rPr>
+              <a:t>: integer</a:t>
+            </a:r>
+          </a:p>
+          <a:p>
+            <a:pPr lvl="0">
+              <a:defRPr/>
+            </a:pPr>
+            <a:r>
+              <a:rPr lang="en-US" sz="1200" dirty="0">
+                <a:solidFill>
+                  <a:prstClr val="black"/>
+                </a:solidFill>
+                <a:latin typeface="Arial Narrow" panose="020B0604020202020204" pitchFamily="34" charset="0"/>
+                <a:cs typeface="Arial Narrow" panose="020B0604020202020204" pitchFamily="34" charset="0"/>
+              </a:rPr>
+              <a:t>OS: string</a:t>
+            </a:r>
+          </a:p>
+          <a:p>
+            <a:pPr lvl="0">
+              <a:defRPr/>
+            </a:pPr>
+            <a:r>
+              <a:rPr lang="en-US" sz="1200" dirty="0">
+                <a:solidFill>
+                  <a:prstClr val="black"/>
+                </a:solidFill>
+                <a:latin typeface="Arial Narrow" panose="020B0604020202020204" pitchFamily="34" charset="0"/>
+                <a:cs typeface="Arial Narrow" panose="020B0604020202020204" pitchFamily="34" charset="0"/>
+              </a:rPr>
+              <a:t>manufacturer: </a:t>
+            </a:r>
+            <a:r>
+              <a:rPr lang="en-US" sz="1200" dirty="0" smtClean="0">
+                <a:solidFill>
+                  <a:prstClr val="black"/>
+                </a:solidFill>
+                <a:latin typeface="Arial Narrow" panose="020B0604020202020204" pitchFamily="34" charset="0"/>
+                <a:cs typeface="Arial Narrow" panose="020B0604020202020204" pitchFamily="34" charset="0"/>
+              </a:rPr>
+              <a:t>string</a:t>
+            </a:r>
+          </a:p>
+        </p:txBody>
+      </p:sp>
+      <p:sp>
+        <p:nvSpPr>
+          <p:cNvPr id="17" name="TextBox 16">
+            <a:extLst>
+              <a:ext uri="{FF2B5EF4-FFF2-40B4-BE49-F238E27FC236}">
+                <a16:creationId xmlns:a16="http://schemas.microsoft.com/office/drawing/2014/main" xmlns="" id="{FCC68075-4730-4C01-961A-DF75F88970FA}"/>
+              </a:ext>
+            </a:extLst>
+          </p:cNvPr>
+          <p:cNvSpPr txBox="1"/>
+          <p:nvPr/>
+        </p:nvSpPr>
+        <p:spPr>
+          <a:xfrm>
+            <a:off x="3635490" y="3065581"/>
+            <a:ext cx="1656261" cy="1200329"/>
+          </a:xfrm>
+          <a:prstGeom prst="rect">
+            <a:avLst/>
+          </a:prstGeom>
+          <a:noFill/>
+          <a:ln w="12700">
+            <a:solidFill>
+              <a:schemeClr val="tx1"/>
+            </a:solidFill>
+          </a:ln>
+        </p:spPr>
+        <p:txBody>
+          <a:bodyPr wrap="square" rtlCol="0">
+            <a:spAutoFit/>
+          </a:bodyPr>
+          <a:lstStyle/>
+          <a:p>
+            <a:pPr marL="0" marR="0" lvl="0" indent="0" algn="l" defTabSz="914400" rtl="0" eaLnBrk="1" fontAlgn="auto" latinLnBrk="0" hangingPunct="1">
+              <a:lnSpc>
+                <a:spcPct val="100000"/>
+              </a:lnSpc>
+              <a:spcBef>
+                <a:spcPts val="0"/>
+              </a:spcBef>
+              <a:spcAft>
+                <a:spcPts val="0"/>
+              </a:spcAft>
+              <a:buClrTx/>
+              <a:buSzTx/>
+              <a:buFontTx/>
+              <a:buNone/>
+              <a:tabLst/>
+              <a:defRPr/>
+            </a:pPr>
+            <a:r>
+              <a:rPr kumimoji="0" lang="en-US" sz="1200" b="0" i="0" u="none" strike="noStrike" kern="1200" cap="none" spc="0" normalizeH="0" baseline="0" noProof="0" dirty="0">
+                <a:ln>
+                  <a:noFill/>
+                </a:ln>
+                <a:solidFill>
+                  <a:prstClr val="black"/>
+                </a:solidFill>
+                <a:effectLst/>
+                <a:uLnTx/>
+                <a:uFillTx/>
+                <a:latin typeface="Arial Narrow" panose="020B0604020202020204" pitchFamily="34" charset="0"/>
+                <a:ea typeface="+mn-ea"/>
+                <a:cs typeface="Arial Narrow" panose="020B0604020202020204" pitchFamily="34" charset="0"/>
+              </a:rPr>
+              <a:t>Transaction</a:t>
+            </a:r>
+          </a:p>
+          <a:p>
+            <a:pPr marL="0" marR="0" lvl="0" indent="0" algn="l" defTabSz="914400" rtl="0" eaLnBrk="1" fontAlgn="auto" latinLnBrk="0" hangingPunct="1">
+              <a:lnSpc>
+                <a:spcPct val="100000"/>
+              </a:lnSpc>
+              <a:spcBef>
+                <a:spcPts val="0"/>
+              </a:spcBef>
+              <a:spcAft>
+                <a:spcPts val="0"/>
+              </a:spcAft>
+              <a:buClrTx/>
+              <a:buSzTx/>
+              <a:buFontTx/>
+              <a:buNone/>
+              <a:tabLst/>
+              <a:defRPr/>
+            </a:pPr>
+            <a:r>
+              <a:rPr kumimoji="0" lang="en-US" sz="1200" b="0" i="0" u="none" strike="noStrike" kern="1200" cap="none" spc="0" normalizeH="0" baseline="0" noProof="0" dirty="0" smtClean="0">
+                <a:ln>
+                  <a:noFill/>
+                </a:ln>
+                <a:solidFill>
+                  <a:prstClr val="black"/>
+                </a:solidFill>
+                <a:effectLst/>
+                <a:uLnTx/>
+                <a:uFillTx/>
+                <a:latin typeface="Arial Narrow" panose="020B0604020202020204" pitchFamily="34" charset="0"/>
+                <a:ea typeface="+mn-ea"/>
+                <a:cs typeface="Arial Narrow" panose="020B0604020202020204" pitchFamily="34" charset="0"/>
+              </a:rPr>
+              <a:t>_____________________</a:t>
+            </a:r>
+            <a:r>
+              <a:rPr lang="en-US" sz="1200" dirty="0" err="1" smtClean="0">
+                <a:solidFill>
+                  <a:prstClr val="black"/>
+                </a:solidFill>
+                <a:latin typeface="Arial Narrow" panose="020B0604020202020204" pitchFamily="34" charset="0"/>
+                <a:cs typeface="Arial Narrow" panose="020B0604020202020204" pitchFamily="34" charset="0"/>
+              </a:rPr>
+              <a:t>buyer_id</a:t>
+            </a:r>
+            <a:r>
+              <a:rPr lang="en-US" sz="1200" dirty="0" smtClean="0">
+                <a:solidFill>
+                  <a:prstClr val="black"/>
+                </a:solidFill>
+                <a:latin typeface="Arial Narrow" panose="020B0604020202020204" pitchFamily="34" charset="0"/>
+                <a:cs typeface="Arial Narrow" panose="020B0604020202020204" pitchFamily="34" charset="0"/>
+              </a:rPr>
+              <a:t> </a:t>
+            </a:r>
+            <a:r>
+              <a:rPr lang="en-US" sz="1200" dirty="0">
+                <a:solidFill>
+                  <a:prstClr val="black"/>
+                </a:solidFill>
+                <a:latin typeface="Arial Narrow" panose="020B0604020202020204" pitchFamily="34" charset="0"/>
+                <a:cs typeface="Arial Narrow" panose="020B0604020202020204" pitchFamily="34" charset="0"/>
+              </a:rPr>
+              <a:t>: integer</a:t>
+            </a:r>
+          </a:p>
+          <a:p>
+            <a:pPr lvl="0">
+              <a:defRPr/>
+            </a:pPr>
+            <a:r>
+              <a:rPr lang="en-US" sz="1200" dirty="0" err="1" smtClean="0">
+                <a:solidFill>
+                  <a:prstClr val="black"/>
+                </a:solidFill>
+                <a:latin typeface="Arial Narrow" panose="020B0604020202020204" pitchFamily="34" charset="0"/>
+                <a:cs typeface="Arial Narrow" panose="020B0604020202020204" pitchFamily="34" charset="0"/>
+              </a:rPr>
+              <a:t>seller_id</a:t>
+            </a:r>
+            <a:r>
+              <a:rPr lang="en-US" sz="1200" dirty="0" smtClean="0">
+                <a:solidFill>
+                  <a:prstClr val="black"/>
+                </a:solidFill>
+                <a:latin typeface="Arial Narrow" panose="020B0604020202020204" pitchFamily="34" charset="0"/>
+                <a:cs typeface="Arial Narrow" panose="020B0604020202020204" pitchFamily="34" charset="0"/>
+              </a:rPr>
+              <a:t> </a:t>
+            </a:r>
+            <a:r>
+              <a:rPr lang="en-US" sz="1200" dirty="0">
+                <a:solidFill>
+                  <a:prstClr val="black"/>
+                </a:solidFill>
+                <a:latin typeface="Arial Narrow" panose="020B0604020202020204" pitchFamily="34" charset="0"/>
+                <a:cs typeface="Arial Narrow" panose="020B0604020202020204" pitchFamily="34" charset="0"/>
+              </a:rPr>
+              <a:t>: </a:t>
+            </a:r>
+            <a:r>
+              <a:rPr lang="en-US" sz="1200" dirty="0" smtClean="0">
+                <a:solidFill>
+                  <a:prstClr val="black"/>
+                </a:solidFill>
+                <a:latin typeface="Arial Narrow" panose="020B0604020202020204" pitchFamily="34" charset="0"/>
+                <a:cs typeface="Arial Narrow" panose="020B0604020202020204" pitchFamily="34" charset="0"/>
+              </a:rPr>
+              <a:t>integer</a:t>
+            </a:r>
+          </a:p>
+          <a:p>
+            <a:pPr>
+              <a:defRPr/>
+            </a:pPr>
+            <a:r>
+              <a:rPr lang="en-US" sz="1200" dirty="0" smtClean="0">
+                <a:solidFill>
+                  <a:prstClr val="black"/>
+                </a:solidFill>
+                <a:latin typeface="Arial Narrow" panose="020B0604020202020204" pitchFamily="34" charset="0"/>
+                <a:cs typeface="Arial Narrow" panose="020B0604020202020204" pitchFamily="34" charset="0"/>
+              </a:rPr>
+              <a:t>review</a:t>
+            </a:r>
+            <a:r>
+              <a:rPr lang="en-US" sz="1200" dirty="0">
+                <a:solidFill>
+                  <a:prstClr val="black"/>
+                </a:solidFill>
+                <a:latin typeface="Arial Narrow" panose="020B0604020202020204" pitchFamily="34" charset="0"/>
+                <a:cs typeface="Arial Narrow" panose="020B0604020202020204" pitchFamily="34" charset="0"/>
+              </a:rPr>
+              <a:t>: </a:t>
+            </a:r>
+            <a:r>
+              <a:rPr lang="en-US" sz="1200" dirty="0" smtClean="0">
+                <a:solidFill>
+                  <a:prstClr val="black"/>
+                </a:solidFill>
+                <a:latin typeface="Arial Narrow" panose="020B0604020202020204" pitchFamily="34" charset="0"/>
+                <a:cs typeface="Arial Narrow" panose="020B0604020202020204" pitchFamily="34" charset="0"/>
+              </a:rPr>
+              <a:t>text</a:t>
+            </a:r>
+          </a:p>
+          <a:p>
+            <a:pPr>
+              <a:defRPr/>
+            </a:pPr>
+            <a:endParaRPr lang="en-US" sz="1200" dirty="0">
+              <a:solidFill>
+                <a:prstClr val="black"/>
+              </a:solidFill>
+              <a:latin typeface="Arial Narrow" panose="020B0604020202020204" pitchFamily="34" charset="0"/>
+              <a:cs typeface="Arial Narrow" panose="020B0604020202020204" pitchFamily="34" charset="0"/>
+            </a:endParaRPr>
+          </a:p>
+        </p:txBody>
+      </p:sp>
+      <p:sp>
+        <p:nvSpPr>
+          <p:cNvPr id="18" name="TextBox 17">
+            <a:extLst>
+              <a:ext uri="{FF2B5EF4-FFF2-40B4-BE49-F238E27FC236}">
+                <a16:creationId xmlns:a16="http://schemas.microsoft.com/office/drawing/2014/main" xmlns="" id="{207E9625-334A-4162-AD30-7F1059AFCC04}"/>
+              </a:ext>
+            </a:extLst>
+          </p:cNvPr>
+          <p:cNvSpPr txBox="1"/>
+          <p:nvPr/>
+        </p:nvSpPr>
+        <p:spPr>
+          <a:xfrm>
+            <a:off x="1473405" y="3076842"/>
+            <a:ext cx="1656261" cy="1200329"/>
+          </a:xfrm>
+          <a:prstGeom prst="rect">
+            <a:avLst/>
+          </a:prstGeom>
+          <a:noFill/>
+          <a:ln w="12700">
+            <a:solidFill>
+              <a:schemeClr val="tx1"/>
+            </a:solidFill>
+          </a:ln>
+        </p:spPr>
+        <p:txBody>
+          <a:bodyPr wrap="square" rtlCol="0">
+            <a:spAutoFit/>
+          </a:bodyPr>
+          <a:lstStyle/>
+          <a:p>
+            <a:pPr marL="0" marR="0" lvl="0" indent="0" algn="l" defTabSz="914400" rtl="0" eaLnBrk="1" fontAlgn="auto" latinLnBrk="0" hangingPunct="1">
+              <a:lnSpc>
+                <a:spcPct val="100000"/>
+              </a:lnSpc>
+              <a:spcBef>
+                <a:spcPts val="0"/>
+              </a:spcBef>
+              <a:spcAft>
+                <a:spcPts val="0"/>
+              </a:spcAft>
+              <a:buClrTx/>
+              <a:buSzTx/>
+              <a:buFontTx/>
+              <a:buNone/>
+              <a:tabLst/>
+              <a:defRPr/>
+            </a:pPr>
+            <a:r>
+              <a:rPr kumimoji="0" lang="en-US" sz="1200" b="0" i="0" u="none" strike="noStrike" kern="1200" cap="none" spc="0" normalizeH="0" baseline="0" noProof="0" dirty="0">
+                <a:ln>
+                  <a:noFill/>
+                </a:ln>
+                <a:solidFill>
+                  <a:prstClr val="black"/>
+                </a:solidFill>
+                <a:effectLst/>
+                <a:uLnTx/>
+                <a:uFillTx/>
+                <a:latin typeface="Arial Narrow" panose="020B0604020202020204" pitchFamily="34" charset="0"/>
+                <a:ea typeface="+mn-ea"/>
+                <a:cs typeface="Arial Narrow" panose="020B0604020202020204" pitchFamily="34" charset="0"/>
+              </a:rPr>
+              <a:t>Message</a:t>
+            </a:r>
+          </a:p>
+          <a:p>
+            <a:pPr marL="0" marR="0" lvl="0" indent="0" algn="l" defTabSz="914400" rtl="0" eaLnBrk="1" fontAlgn="auto" latinLnBrk="0" hangingPunct="1">
+              <a:lnSpc>
+                <a:spcPct val="100000"/>
+              </a:lnSpc>
+              <a:spcBef>
+                <a:spcPts val="0"/>
+              </a:spcBef>
+              <a:spcAft>
+                <a:spcPts val="0"/>
+              </a:spcAft>
+              <a:buClrTx/>
+              <a:buSzTx/>
+              <a:buFontTx/>
+              <a:buNone/>
+              <a:tabLst/>
+              <a:defRPr/>
+            </a:pPr>
+            <a:r>
+              <a:rPr kumimoji="0" lang="en-US" sz="1200" b="0" i="0" u="none" strike="noStrike" kern="1200" cap="none" spc="0" normalizeH="0" baseline="0" noProof="0" dirty="0">
+                <a:ln>
+                  <a:noFill/>
+                </a:ln>
+                <a:solidFill>
+                  <a:prstClr val="black"/>
+                </a:solidFill>
+                <a:effectLst/>
+                <a:uLnTx/>
+                <a:uFillTx/>
+                <a:latin typeface="Arial Narrow" panose="020B0604020202020204" pitchFamily="34" charset="0"/>
+                <a:ea typeface="+mn-ea"/>
+                <a:cs typeface="Arial Narrow" panose="020B0604020202020204" pitchFamily="34" charset="0"/>
+              </a:rPr>
+              <a:t>_____________________</a:t>
+            </a:r>
+          </a:p>
+          <a:p>
+            <a:pPr marL="0" marR="0" lvl="0" indent="0" algn="l" defTabSz="914400" rtl="0" eaLnBrk="1" fontAlgn="auto" latinLnBrk="0" hangingPunct="1">
+              <a:lnSpc>
+                <a:spcPct val="100000"/>
+              </a:lnSpc>
+              <a:spcBef>
+                <a:spcPts val="0"/>
+              </a:spcBef>
+              <a:spcAft>
+                <a:spcPts val="0"/>
+              </a:spcAft>
+              <a:buClrTx/>
+              <a:buSzTx/>
+              <a:buFontTx/>
+              <a:buNone/>
+              <a:tabLst/>
+              <a:defRPr/>
+            </a:pPr>
+            <a:r>
+              <a:rPr kumimoji="0" lang="en-US" sz="1200" b="0" i="0" u="none" strike="noStrike" kern="1200" cap="none" spc="0" normalizeH="0" baseline="0" noProof="0" dirty="0" err="1">
+                <a:ln>
+                  <a:noFill/>
+                </a:ln>
+                <a:solidFill>
+                  <a:prstClr val="black"/>
+                </a:solidFill>
+                <a:effectLst/>
+                <a:uLnTx/>
+                <a:uFillTx/>
+                <a:latin typeface="Arial Narrow" panose="020B0604020202020204" pitchFamily="34" charset="0"/>
+                <a:ea typeface="+mn-ea"/>
+                <a:cs typeface="Arial Narrow" panose="020B0604020202020204" pitchFamily="34" charset="0"/>
+              </a:rPr>
+              <a:t>sender_id</a:t>
+            </a:r>
+            <a:r>
+              <a:rPr kumimoji="0" lang="en-US" sz="1200" b="0" i="0" u="none" strike="noStrike" kern="1200" cap="none" spc="0" normalizeH="0" baseline="0" noProof="0" dirty="0">
+                <a:ln>
+                  <a:noFill/>
+                </a:ln>
+                <a:solidFill>
+                  <a:prstClr val="black"/>
+                </a:solidFill>
+                <a:effectLst/>
+                <a:uLnTx/>
+                <a:uFillTx/>
+                <a:latin typeface="Arial Narrow" panose="020B0604020202020204" pitchFamily="34" charset="0"/>
+                <a:ea typeface="+mn-ea"/>
+                <a:cs typeface="Arial Narrow" panose="020B0604020202020204" pitchFamily="34" charset="0"/>
+              </a:rPr>
+              <a:t> : integer</a:t>
+            </a:r>
+          </a:p>
+          <a:p>
+            <a:pPr marL="0" marR="0" lvl="0" indent="0" algn="l" defTabSz="914400" rtl="0" eaLnBrk="1" fontAlgn="auto" latinLnBrk="0" hangingPunct="1">
+              <a:lnSpc>
+                <a:spcPct val="100000"/>
+              </a:lnSpc>
+              <a:spcBef>
+                <a:spcPts val="0"/>
+              </a:spcBef>
+              <a:spcAft>
+                <a:spcPts val="0"/>
+              </a:spcAft>
+              <a:buClrTx/>
+              <a:buSzTx/>
+              <a:buFontTx/>
+              <a:buNone/>
+              <a:tabLst/>
+              <a:defRPr/>
+            </a:pPr>
+            <a:r>
+              <a:rPr kumimoji="0" lang="en-US" sz="1200" b="0" i="0" u="none" strike="noStrike" kern="1200" cap="none" spc="0" normalizeH="0" baseline="0" noProof="0" dirty="0" err="1">
+                <a:ln>
+                  <a:noFill/>
+                </a:ln>
+                <a:solidFill>
+                  <a:prstClr val="black"/>
+                </a:solidFill>
+                <a:effectLst/>
+                <a:uLnTx/>
+                <a:uFillTx/>
+                <a:latin typeface="Arial Narrow" panose="020B0604020202020204" pitchFamily="34" charset="0"/>
+                <a:ea typeface="+mn-ea"/>
+                <a:cs typeface="Arial Narrow" panose="020B0604020202020204" pitchFamily="34" charset="0"/>
+              </a:rPr>
+              <a:t>receiver_id</a:t>
+            </a:r>
+            <a:r>
+              <a:rPr kumimoji="0" lang="en-US" sz="1200" b="0" i="0" u="none" strike="noStrike" kern="1200" cap="none" spc="0" normalizeH="0" baseline="0" noProof="0" dirty="0">
+                <a:ln>
+                  <a:noFill/>
+                </a:ln>
+                <a:solidFill>
+                  <a:prstClr val="black"/>
+                </a:solidFill>
+                <a:effectLst/>
+                <a:uLnTx/>
+                <a:uFillTx/>
+                <a:latin typeface="Arial Narrow" panose="020B0604020202020204" pitchFamily="34" charset="0"/>
+                <a:ea typeface="+mn-ea"/>
+                <a:cs typeface="Arial Narrow" panose="020B0604020202020204" pitchFamily="34" charset="0"/>
+              </a:rPr>
+              <a:t> : integer</a:t>
+            </a:r>
+          </a:p>
+          <a:p>
+            <a:pPr marL="0" marR="0" lvl="0" indent="0" algn="l" defTabSz="914400" rtl="0" eaLnBrk="1" fontAlgn="auto" latinLnBrk="0" hangingPunct="1">
+              <a:lnSpc>
+                <a:spcPct val="100000"/>
+              </a:lnSpc>
+              <a:spcBef>
+                <a:spcPts val="0"/>
+              </a:spcBef>
+              <a:spcAft>
+                <a:spcPts val="0"/>
+              </a:spcAft>
+              <a:buClrTx/>
+              <a:buSzTx/>
+              <a:buFontTx/>
+              <a:buNone/>
+              <a:tabLst/>
+              <a:defRPr/>
+            </a:pPr>
+            <a:r>
+              <a:rPr kumimoji="0" lang="en-US" sz="1200" b="0" i="0" u="none" strike="noStrike" kern="1200" cap="none" spc="0" normalizeH="0" baseline="0" noProof="0" dirty="0">
+                <a:ln>
+                  <a:noFill/>
+                </a:ln>
+                <a:solidFill>
+                  <a:prstClr val="black"/>
+                </a:solidFill>
+                <a:effectLst/>
+                <a:uLnTx/>
+                <a:uFillTx/>
+                <a:latin typeface="Arial Narrow" panose="020B0604020202020204" pitchFamily="34" charset="0"/>
+                <a:ea typeface="+mn-ea"/>
+                <a:cs typeface="Arial Narrow" panose="020B0604020202020204" pitchFamily="34" charset="0"/>
+              </a:rPr>
+              <a:t>content : </a:t>
+            </a:r>
+            <a:r>
+              <a:rPr kumimoji="0" lang="en-US" sz="1200" b="0" i="0" u="none" strike="noStrike" kern="1200" cap="none" spc="0" normalizeH="0" baseline="0" noProof="0" dirty="0" smtClean="0">
+                <a:ln>
+                  <a:noFill/>
+                </a:ln>
+                <a:solidFill>
+                  <a:prstClr val="black"/>
+                </a:solidFill>
+                <a:effectLst/>
+                <a:uLnTx/>
+                <a:uFillTx/>
+                <a:latin typeface="Arial Narrow" panose="020B0604020202020204" pitchFamily="34" charset="0"/>
+                <a:ea typeface="+mn-ea"/>
+                <a:cs typeface="Arial Narrow" panose="020B0604020202020204" pitchFamily="34" charset="0"/>
+              </a:rPr>
+              <a:t>text</a:t>
+            </a:r>
+          </a:p>
+          <a:p>
+            <a:pPr marL="0" marR="0" lvl="0" indent="0" algn="l" defTabSz="914400" rtl="0" eaLnBrk="1" fontAlgn="auto" latinLnBrk="0" hangingPunct="1">
+              <a:lnSpc>
+                <a:spcPct val="100000"/>
+              </a:lnSpc>
+              <a:spcBef>
+                <a:spcPts val="0"/>
+              </a:spcBef>
+              <a:spcAft>
+                <a:spcPts val="0"/>
+              </a:spcAft>
+              <a:buClrTx/>
+              <a:buSzTx/>
+              <a:buFontTx/>
+              <a:buNone/>
+              <a:tabLst/>
+              <a:defRPr/>
+            </a:pPr>
+            <a:r>
+              <a:rPr lang="en-US" sz="1200" dirty="0" smtClean="0">
+                <a:solidFill>
+                  <a:prstClr val="black"/>
+                </a:solidFill>
+                <a:latin typeface="Arial Narrow" panose="020B0604020202020204" pitchFamily="34" charset="0"/>
+                <a:cs typeface="Arial Narrow" panose="020B0604020202020204" pitchFamily="34" charset="0"/>
+              </a:rPr>
+              <a:t>read: </a:t>
+            </a:r>
+            <a:r>
+              <a:rPr lang="en-US" sz="1200" dirty="0" err="1" smtClean="0">
+                <a:solidFill>
+                  <a:prstClr val="black"/>
+                </a:solidFill>
+                <a:latin typeface="Arial Narrow" panose="020B0604020202020204" pitchFamily="34" charset="0"/>
+                <a:cs typeface="Arial Narrow" panose="020B0604020202020204" pitchFamily="34" charset="0"/>
+              </a:rPr>
+              <a:t>boolean</a:t>
+            </a:r>
+            <a:endParaRPr kumimoji="0" lang="en-US" sz="1200" b="0" i="0" u="none" strike="noStrike" kern="1200" cap="none" spc="0" normalizeH="0" baseline="0" noProof="0" dirty="0">
+              <a:ln>
+                <a:noFill/>
+              </a:ln>
+              <a:solidFill>
+                <a:prstClr val="black"/>
+              </a:solidFill>
+              <a:effectLst/>
+              <a:uLnTx/>
+              <a:uFillTx/>
+              <a:latin typeface="Arial Narrow" panose="020B0604020202020204" pitchFamily="34" charset="0"/>
+              <a:ea typeface="+mn-ea"/>
+              <a:cs typeface="Arial Narrow" panose="020B0604020202020204" pitchFamily="34" charset="0"/>
+            </a:endParaRPr>
+          </a:p>
+        </p:txBody>
+      </p:sp>
+      <p:sp>
+        <p:nvSpPr>
+          <p:cNvPr id="19" name="TextBox 18">
+            <a:extLst>
+              <a:ext uri="{FF2B5EF4-FFF2-40B4-BE49-F238E27FC236}">
+                <a16:creationId xmlns:a16="http://schemas.microsoft.com/office/drawing/2014/main" xmlns="" id="{C53A9BFD-139E-4EF1-B5D6-0592E93ECA08}"/>
+              </a:ext>
+            </a:extLst>
+          </p:cNvPr>
+          <p:cNvSpPr txBox="1"/>
+          <p:nvPr/>
+        </p:nvSpPr>
+        <p:spPr>
+          <a:xfrm rot="19864879">
+            <a:off x="6345913" y="2161442"/>
+            <a:ext cx="876886" cy="276999"/>
+          </a:xfrm>
+          <a:prstGeom prst="rect">
+            <a:avLst/>
+          </a:prstGeom>
+          <a:noFill/>
+          <a:ln w="12700">
+            <a:noFill/>
+          </a:ln>
+        </p:spPr>
+        <p:txBody>
+          <a:bodyPr wrap="square" rtlCol="0">
+            <a:spAutoFit/>
+          </a:bodyPr>
+          <a:lstStyle/>
+          <a:p>
+            <a:pPr marL="0" marR="0" lvl="0" indent="0" algn="l" defTabSz="914400" rtl="0" eaLnBrk="1" fontAlgn="auto" latinLnBrk="0" hangingPunct="1">
+              <a:lnSpc>
+                <a:spcPct val="100000"/>
+              </a:lnSpc>
+              <a:spcBef>
+                <a:spcPts val="0"/>
+              </a:spcBef>
+              <a:spcAft>
+                <a:spcPts val="0"/>
+              </a:spcAft>
+              <a:buClrTx/>
+              <a:buSzTx/>
+              <a:buFontTx/>
+              <a:buNone/>
+              <a:tabLst/>
+              <a:defRPr/>
+            </a:pPr>
+            <a:r>
+              <a:rPr kumimoji="0" lang="en-US" sz="1200" b="0" i="0" u="none" strike="noStrike" kern="1200" cap="none" spc="0" normalizeH="0" baseline="0" noProof="0" dirty="0">
+                <a:ln>
+                  <a:noFill/>
+                </a:ln>
+                <a:solidFill>
+                  <a:prstClr val="black"/>
+                </a:solidFill>
+                <a:effectLst/>
+                <a:uLnTx/>
+                <a:uFillTx/>
+                <a:latin typeface="Arial Narrow" panose="020B0604020202020204" pitchFamily="34" charset="0"/>
+                <a:ea typeface="+mn-ea"/>
+                <a:cs typeface="+mn-cs"/>
+              </a:rPr>
+              <a:t>has</a:t>
+            </a:r>
+          </a:p>
+        </p:txBody>
+      </p:sp>
+      <p:sp>
+        <p:nvSpPr>
+          <p:cNvPr id="20" name="TextBox 19">
+            <a:extLst>
+              <a:ext uri="{FF2B5EF4-FFF2-40B4-BE49-F238E27FC236}">
+                <a16:creationId xmlns:a16="http://schemas.microsoft.com/office/drawing/2014/main" xmlns="" id="{2113B727-5772-43C6-B43E-C0504F962E0E}"/>
+              </a:ext>
+            </a:extLst>
+          </p:cNvPr>
+          <p:cNvSpPr txBox="1"/>
+          <p:nvPr/>
+        </p:nvSpPr>
+        <p:spPr>
+          <a:xfrm>
+            <a:off x="7636938" y="1284772"/>
+            <a:ext cx="876886" cy="276999"/>
+          </a:xfrm>
+          <a:prstGeom prst="rect">
+            <a:avLst/>
+          </a:prstGeom>
+          <a:noFill/>
+          <a:ln w="12700">
+            <a:noFill/>
+          </a:ln>
+        </p:spPr>
+        <p:txBody>
+          <a:bodyPr wrap="square" rtlCol="0">
+            <a:spAutoFit/>
+          </a:bodyPr>
+          <a:lstStyle/>
+          <a:p>
+            <a:pPr marL="0" marR="0" lvl="0" indent="0" algn="l" defTabSz="914400" rtl="0" eaLnBrk="1" fontAlgn="auto" latinLnBrk="0" hangingPunct="1">
+              <a:lnSpc>
+                <a:spcPct val="100000"/>
+              </a:lnSpc>
+              <a:spcBef>
+                <a:spcPts val="0"/>
+              </a:spcBef>
+              <a:spcAft>
+                <a:spcPts val="0"/>
+              </a:spcAft>
+              <a:buClrTx/>
+              <a:buSzTx/>
+              <a:buFontTx/>
+              <a:buNone/>
+              <a:tabLst/>
+              <a:defRPr/>
+            </a:pPr>
+            <a:r>
+              <a:rPr kumimoji="0" lang="en-US" sz="1200" b="0" i="0" u="none" strike="noStrike" kern="1200" cap="none" spc="0" normalizeH="0" baseline="0" noProof="0" dirty="0">
+                <a:ln>
+                  <a:noFill/>
+                </a:ln>
+                <a:solidFill>
+                  <a:prstClr val="black"/>
+                </a:solidFill>
+                <a:effectLst/>
+                <a:uLnTx/>
+                <a:uFillTx/>
+                <a:latin typeface="Arial Narrow" panose="020B0604020202020204" pitchFamily="34" charset="0"/>
+                <a:ea typeface="+mn-ea"/>
+                <a:cs typeface="+mn-cs"/>
+              </a:rPr>
+              <a:t>item</a:t>
+            </a:r>
+          </a:p>
+        </p:txBody>
+      </p:sp>
+      <p:cxnSp>
+        <p:nvCxnSpPr>
+          <p:cNvPr id="21" name="Straight Connector 20">
+            <a:extLst>
+              <a:ext uri="{FF2B5EF4-FFF2-40B4-BE49-F238E27FC236}">
+                <a16:creationId xmlns:a16="http://schemas.microsoft.com/office/drawing/2014/main" xmlns="" id="{B8E1E1BA-B057-422A-8BE3-4C5E1F1BDC63}"/>
+              </a:ext>
+            </a:extLst>
+          </p:cNvPr>
+          <p:cNvCxnSpPr>
+            <a:cxnSpLocks/>
+          </p:cNvCxnSpPr>
+          <p:nvPr/>
+        </p:nvCxnSpPr>
+        <p:spPr>
+          <a:xfrm flipV="1">
+            <a:off x="2807360" y="1939844"/>
+            <a:ext cx="0" cy="1125737"/>
+          </a:xfrm>
+          <a:prstGeom prst="line">
+            <a:avLst/>
+          </a:prstGeom>
+          <a:ln w="12700">
+            <a:solidFill>
+              <a:schemeClr val="tx1"/>
+            </a:solidFill>
+          </a:ln>
+        </p:spPr>
+        <p:style>
+          <a:lnRef idx="1">
+            <a:schemeClr val="accent1"/>
+          </a:lnRef>
+          <a:fillRef idx="0">
+            <a:schemeClr val="accent1"/>
+          </a:fillRef>
+          <a:effectRef idx="0">
+            <a:schemeClr val="accent1"/>
+          </a:effectRef>
+          <a:fontRef idx="minor">
+            <a:schemeClr val="tx1"/>
+          </a:fontRef>
+        </p:style>
+      </p:cxnSp>
+      <p:cxnSp>
+        <p:nvCxnSpPr>
+          <p:cNvPr id="22" name="Straight Connector 21">
+            <a:extLst>
+              <a:ext uri="{FF2B5EF4-FFF2-40B4-BE49-F238E27FC236}">
+                <a16:creationId xmlns:a16="http://schemas.microsoft.com/office/drawing/2014/main" xmlns="" id="{46A60703-7103-42B2-A100-ECF4150C7808}"/>
+              </a:ext>
+            </a:extLst>
+          </p:cNvPr>
+          <p:cNvCxnSpPr>
+            <a:cxnSpLocks/>
+          </p:cNvCxnSpPr>
+          <p:nvPr/>
+        </p:nvCxnSpPr>
+        <p:spPr>
+          <a:xfrm flipV="1">
+            <a:off x="3875917" y="1928583"/>
+            <a:ext cx="0" cy="1132459"/>
+          </a:xfrm>
+          <a:prstGeom prst="line">
+            <a:avLst/>
+          </a:prstGeom>
+          <a:ln w="12700">
+            <a:solidFill>
+              <a:schemeClr val="tx1"/>
+            </a:solidFill>
+          </a:ln>
+        </p:spPr>
+        <p:style>
+          <a:lnRef idx="1">
+            <a:schemeClr val="accent1"/>
+          </a:lnRef>
+          <a:fillRef idx="0">
+            <a:schemeClr val="accent1"/>
+          </a:fillRef>
+          <a:effectRef idx="0">
+            <a:schemeClr val="accent1"/>
+          </a:effectRef>
+          <a:fontRef idx="minor">
+            <a:schemeClr val="tx1"/>
+          </a:fontRef>
+        </p:style>
+      </p:cxnSp>
+      <p:cxnSp>
+        <p:nvCxnSpPr>
+          <p:cNvPr id="23" name="Straight Connector 22">
+            <a:extLst>
+              <a:ext uri="{FF2B5EF4-FFF2-40B4-BE49-F238E27FC236}">
+                <a16:creationId xmlns:a16="http://schemas.microsoft.com/office/drawing/2014/main" xmlns="" id="{A186E243-E43B-4758-8C58-21366E719EC6}"/>
+              </a:ext>
+            </a:extLst>
+          </p:cNvPr>
+          <p:cNvCxnSpPr>
+            <a:cxnSpLocks/>
+          </p:cNvCxnSpPr>
+          <p:nvPr/>
+        </p:nvCxnSpPr>
+        <p:spPr>
+          <a:xfrm flipV="1">
+            <a:off x="5285050" y="1838277"/>
+            <a:ext cx="2766216" cy="1400012"/>
+          </a:xfrm>
+          <a:prstGeom prst="line">
+            <a:avLst/>
+          </a:prstGeom>
+          <a:ln w="12700">
+            <a:solidFill>
+              <a:schemeClr val="tx1"/>
+            </a:solidFill>
+          </a:ln>
+        </p:spPr>
+        <p:style>
+          <a:lnRef idx="1">
+            <a:schemeClr val="accent1"/>
+          </a:lnRef>
+          <a:fillRef idx="0">
+            <a:schemeClr val="accent1"/>
+          </a:fillRef>
+          <a:effectRef idx="0">
+            <a:schemeClr val="accent1"/>
+          </a:effectRef>
+          <a:fontRef idx="minor">
+            <a:schemeClr val="tx1"/>
+          </a:fontRef>
+        </p:style>
+      </p:cxnSp>
+      <p:sp>
+        <p:nvSpPr>
+          <p:cNvPr id="25" name="TextBox 24">
+            <a:extLst>
+              <a:ext uri="{FF2B5EF4-FFF2-40B4-BE49-F238E27FC236}">
+                <a16:creationId xmlns:a16="http://schemas.microsoft.com/office/drawing/2014/main" xmlns="" id="{31F30637-44D0-446F-841B-53078D82CD87}"/>
+              </a:ext>
+            </a:extLst>
+          </p:cNvPr>
+          <p:cNvSpPr txBox="1"/>
+          <p:nvPr/>
+        </p:nvSpPr>
+        <p:spPr>
+          <a:xfrm>
+            <a:off x="2036460" y="1867485"/>
+            <a:ext cx="876886" cy="461665"/>
+          </a:xfrm>
+          <a:prstGeom prst="rect">
+            <a:avLst/>
+          </a:prstGeom>
+          <a:noFill/>
+          <a:ln w="12700">
+            <a:noFill/>
+          </a:ln>
+        </p:spPr>
+        <p:txBody>
+          <a:bodyPr wrap="square" rtlCol="0">
+            <a:spAutoFit/>
+          </a:bodyPr>
+          <a:lstStyle/>
+          <a:p>
+            <a:pPr marL="0" marR="0" lvl="0" indent="0" algn="l" defTabSz="914400" rtl="0" eaLnBrk="1" fontAlgn="auto" latinLnBrk="0" hangingPunct="1">
+              <a:lnSpc>
+                <a:spcPct val="100000"/>
+              </a:lnSpc>
+              <a:spcBef>
+                <a:spcPts val="0"/>
+              </a:spcBef>
+              <a:spcAft>
+                <a:spcPts val="0"/>
+              </a:spcAft>
+              <a:buClrTx/>
+              <a:buSzTx/>
+              <a:buFontTx/>
+              <a:buNone/>
+              <a:tabLst/>
+              <a:defRPr/>
+            </a:pPr>
+            <a:r>
+              <a:rPr kumimoji="0" lang="en-US" sz="1200" b="0" i="0" u="none" strike="noStrike" kern="1200" cap="none" spc="0" normalizeH="0" baseline="0" noProof="0" dirty="0">
+                <a:ln>
+                  <a:noFill/>
+                </a:ln>
+                <a:solidFill>
+                  <a:prstClr val="black"/>
+                </a:solidFill>
+                <a:effectLst/>
+                <a:uLnTx/>
+                <a:uFillTx/>
+                <a:latin typeface="Arial Narrow" panose="020B0604020202020204" pitchFamily="34" charset="0"/>
+                <a:ea typeface="+mn-ea"/>
+                <a:cs typeface="+mn-cs"/>
+              </a:rPr>
+              <a:t>sender and  receiver</a:t>
+            </a:r>
+          </a:p>
+        </p:txBody>
+      </p:sp>
+      <p:sp>
+        <p:nvSpPr>
+          <p:cNvPr id="26" name="TextBox 25">
+            <a:extLst>
+              <a:ext uri="{FF2B5EF4-FFF2-40B4-BE49-F238E27FC236}">
+                <a16:creationId xmlns:a16="http://schemas.microsoft.com/office/drawing/2014/main" xmlns="" id="{A92C3CBC-4C23-433E-A465-36B07F29CE7C}"/>
+              </a:ext>
+            </a:extLst>
+          </p:cNvPr>
+          <p:cNvSpPr txBox="1"/>
+          <p:nvPr/>
+        </p:nvSpPr>
+        <p:spPr>
+          <a:xfrm rot="19899145">
+            <a:off x="5260206" y="3131577"/>
+            <a:ext cx="375424" cy="276999"/>
+          </a:xfrm>
+          <a:prstGeom prst="rect">
+            <a:avLst/>
+          </a:prstGeom>
+          <a:noFill/>
+          <a:ln w="12700">
+            <a:noFill/>
+          </a:ln>
+        </p:spPr>
+        <p:txBody>
+          <a:bodyPr wrap="none" rtlCol="0">
+            <a:spAutoFit/>
+          </a:bodyPr>
+          <a:lstStyle/>
+          <a:p>
+            <a:pPr marL="0" marR="0" lvl="0" indent="0" algn="l" defTabSz="914400" rtl="0" eaLnBrk="1" fontAlgn="auto" latinLnBrk="0" hangingPunct="1">
+              <a:lnSpc>
+                <a:spcPct val="100000"/>
+              </a:lnSpc>
+              <a:spcBef>
+                <a:spcPts val="0"/>
+              </a:spcBef>
+              <a:spcAft>
+                <a:spcPts val="0"/>
+              </a:spcAft>
+              <a:buClrTx/>
+              <a:buSzTx/>
+              <a:buFontTx/>
+              <a:buNone/>
+              <a:tabLst/>
+              <a:defRPr/>
+            </a:pPr>
+            <a:r>
+              <a:rPr kumimoji="0" lang="en-US" sz="1200" b="0" i="0" u="none" strike="noStrike" kern="1200" cap="none" spc="0" normalizeH="0" baseline="0" noProof="0" dirty="0">
+                <a:ln>
+                  <a:noFill/>
+                </a:ln>
+                <a:solidFill>
+                  <a:prstClr val="black"/>
+                </a:solidFill>
+                <a:effectLst/>
+                <a:uLnTx/>
+                <a:uFillTx/>
+                <a:latin typeface="Arial Narrow" panose="020B0604020202020204" pitchFamily="34" charset="0"/>
+                <a:ea typeface="+mn-ea"/>
+                <a:cs typeface="Arial Narrow" panose="020B0604020202020204" pitchFamily="34" charset="0"/>
+              </a:rPr>
+              <a:t>0, *</a:t>
+            </a:r>
+          </a:p>
+        </p:txBody>
+      </p:sp>
+      <p:sp>
+        <p:nvSpPr>
+          <p:cNvPr id="27" name="TextBox 26">
+            <a:extLst>
+              <a:ext uri="{FF2B5EF4-FFF2-40B4-BE49-F238E27FC236}">
+                <a16:creationId xmlns:a16="http://schemas.microsoft.com/office/drawing/2014/main" xmlns="" id="{0612E7B2-6781-4E01-9CD6-14D31575D054}"/>
+              </a:ext>
+            </a:extLst>
+          </p:cNvPr>
+          <p:cNvSpPr txBox="1"/>
+          <p:nvPr/>
+        </p:nvSpPr>
+        <p:spPr>
+          <a:xfrm>
+            <a:off x="7859889" y="1838276"/>
+            <a:ext cx="288287" cy="276999"/>
+          </a:xfrm>
+          <a:prstGeom prst="rect">
+            <a:avLst/>
+          </a:prstGeom>
+          <a:noFill/>
+          <a:ln w="12700">
+            <a:noFill/>
+          </a:ln>
+        </p:spPr>
+        <p:txBody>
+          <a:bodyPr wrap="square" rtlCol="0">
+            <a:spAutoFit/>
+          </a:bodyPr>
+          <a:lstStyle/>
+          <a:p>
+            <a:pPr marL="0" marR="0" lvl="0" indent="0" algn="l" defTabSz="914400" rtl="0" eaLnBrk="1" fontAlgn="auto" latinLnBrk="0" hangingPunct="1">
+              <a:lnSpc>
+                <a:spcPct val="100000"/>
+              </a:lnSpc>
+              <a:spcBef>
+                <a:spcPts val="0"/>
+              </a:spcBef>
+              <a:spcAft>
+                <a:spcPts val="0"/>
+              </a:spcAft>
+              <a:buClrTx/>
+              <a:buSzTx/>
+              <a:buFontTx/>
+              <a:buNone/>
+              <a:tabLst/>
+              <a:defRPr/>
+            </a:pPr>
+            <a:r>
+              <a:rPr kumimoji="0" lang="en-US" sz="1200" b="0" i="0" u="none" strike="noStrike" kern="1200" cap="none" spc="0" normalizeH="0" baseline="0" noProof="0" dirty="0">
+                <a:ln>
+                  <a:noFill/>
+                </a:ln>
+                <a:solidFill>
+                  <a:prstClr val="black"/>
+                </a:solidFill>
+                <a:effectLst/>
+                <a:uLnTx/>
+                <a:uFillTx/>
+                <a:latin typeface="Arial Narrow" panose="020B0604020202020204" pitchFamily="34" charset="0"/>
+                <a:ea typeface="+mn-ea"/>
+                <a:cs typeface="Arial Narrow" panose="020B0604020202020204" pitchFamily="34" charset="0"/>
+              </a:rPr>
+              <a:t>1</a:t>
+            </a:r>
+          </a:p>
+        </p:txBody>
+      </p:sp>
+      <p:sp>
+        <p:nvSpPr>
+          <p:cNvPr id="28" name="TextBox 27">
+            <a:extLst>
+              <a:ext uri="{FF2B5EF4-FFF2-40B4-BE49-F238E27FC236}">
+                <a16:creationId xmlns:a16="http://schemas.microsoft.com/office/drawing/2014/main" xmlns="" id="{D6B9CE01-F533-494C-AEA7-344487E6E040}"/>
+              </a:ext>
+            </a:extLst>
+          </p:cNvPr>
+          <p:cNvSpPr txBox="1"/>
+          <p:nvPr/>
+        </p:nvSpPr>
+        <p:spPr>
+          <a:xfrm rot="20149495">
+            <a:off x="7669761" y="1581752"/>
+            <a:ext cx="901226" cy="286066"/>
+          </a:xfrm>
+          <a:prstGeom prst="rect">
+            <a:avLst/>
+          </a:prstGeom>
+          <a:noFill/>
+          <a:ln w="12700">
+            <a:noFill/>
+          </a:ln>
+        </p:spPr>
+        <p:txBody>
+          <a:bodyPr wrap="square" rtlCol="0">
+            <a:spAutoFit/>
+          </a:bodyPr>
+          <a:lstStyle/>
+          <a:p>
+            <a:pPr marL="0" marR="0" lvl="0" indent="0" algn="l" defTabSz="914400" rtl="0" eaLnBrk="1" fontAlgn="auto" latinLnBrk="0" hangingPunct="1">
+              <a:lnSpc>
+                <a:spcPct val="100000"/>
+              </a:lnSpc>
+              <a:spcBef>
+                <a:spcPts val="0"/>
+              </a:spcBef>
+              <a:spcAft>
+                <a:spcPts val="0"/>
+              </a:spcAft>
+              <a:buClrTx/>
+              <a:buSzTx/>
+              <a:buFontTx/>
+              <a:buNone/>
+              <a:tabLst/>
+              <a:defRPr/>
+            </a:pPr>
+            <a:r>
+              <a:rPr kumimoji="0" lang="en-US" sz="1200" b="0" i="0" u="none" strike="noStrike" kern="1200" cap="none" spc="0" normalizeH="0" baseline="0" noProof="0" dirty="0">
+                <a:ln>
+                  <a:noFill/>
+                </a:ln>
+                <a:solidFill>
+                  <a:prstClr val="black"/>
+                </a:solidFill>
+                <a:effectLst/>
+                <a:uLnTx/>
+                <a:uFillTx/>
+                <a:latin typeface="Arial Narrow" panose="020B0604020202020204" pitchFamily="34" charset="0"/>
+                <a:ea typeface="+mn-ea"/>
+                <a:cs typeface="+mn-cs"/>
+              </a:rPr>
+              <a:t>item</a:t>
+            </a:r>
+          </a:p>
+        </p:txBody>
+      </p:sp>
+      <p:sp>
+        <p:nvSpPr>
+          <p:cNvPr id="29" name="TextBox 28">
+            <a:extLst>
+              <a:ext uri="{FF2B5EF4-FFF2-40B4-BE49-F238E27FC236}">
+                <a16:creationId xmlns:a16="http://schemas.microsoft.com/office/drawing/2014/main" xmlns="" id="{C5DB72EE-40A2-408E-9ABB-CE8073149E90}"/>
+              </a:ext>
+            </a:extLst>
+          </p:cNvPr>
+          <p:cNvSpPr txBox="1"/>
+          <p:nvPr/>
+        </p:nvSpPr>
+        <p:spPr>
+          <a:xfrm rot="19941039">
+            <a:off x="5221486" y="2776799"/>
+            <a:ext cx="879466" cy="276999"/>
+          </a:xfrm>
+          <a:prstGeom prst="rect">
+            <a:avLst/>
+          </a:prstGeom>
+          <a:noFill/>
+          <a:ln w="12700">
+            <a:noFill/>
+          </a:ln>
+        </p:spPr>
+        <p:txBody>
+          <a:bodyPr wrap="square" rtlCol="0">
+            <a:spAutoFit/>
+          </a:bodyPr>
+          <a:lstStyle/>
+          <a:p>
+            <a:pPr marL="0" marR="0" lvl="0" indent="0" algn="l" defTabSz="914400" rtl="0" eaLnBrk="1" fontAlgn="auto" latinLnBrk="0" hangingPunct="1">
+              <a:lnSpc>
+                <a:spcPct val="100000"/>
+              </a:lnSpc>
+              <a:spcBef>
+                <a:spcPts val="0"/>
+              </a:spcBef>
+              <a:spcAft>
+                <a:spcPts val="0"/>
+              </a:spcAft>
+              <a:buClrTx/>
+              <a:buSzTx/>
+              <a:buFontTx/>
+              <a:buNone/>
+              <a:tabLst/>
+              <a:defRPr/>
+            </a:pPr>
+            <a:r>
+              <a:rPr kumimoji="0" lang="en-US" sz="1200" b="0" i="0" u="none" strike="noStrike" kern="1200" cap="none" spc="0" normalizeH="0" baseline="0" noProof="0" dirty="0">
+                <a:ln>
+                  <a:noFill/>
+                </a:ln>
+                <a:solidFill>
+                  <a:prstClr val="black"/>
+                </a:solidFill>
+                <a:effectLst/>
+                <a:uLnTx/>
+                <a:uFillTx/>
+                <a:latin typeface="Arial Narrow" panose="020B0604020202020204" pitchFamily="34" charset="0"/>
+                <a:ea typeface="+mn-ea"/>
+                <a:cs typeface="+mn-cs"/>
+              </a:rPr>
+              <a:t>transaction</a:t>
+            </a:r>
+          </a:p>
+        </p:txBody>
+      </p:sp>
+      <p:sp>
+        <p:nvSpPr>
+          <p:cNvPr id="30" name="Rectangle 29">
+            <a:extLst>
+              <a:ext uri="{FF2B5EF4-FFF2-40B4-BE49-F238E27FC236}">
+                <a16:creationId xmlns:a16="http://schemas.microsoft.com/office/drawing/2014/main" xmlns="" id="{BDA00B79-D653-415B-AF6F-4628F0885ADD}"/>
+              </a:ext>
+            </a:extLst>
+          </p:cNvPr>
+          <p:cNvSpPr/>
+          <p:nvPr/>
+        </p:nvSpPr>
+        <p:spPr>
+          <a:xfrm>
+            <a:off x="5661219" y="1271258"/>
+            <a:ext cx="388248" cy="276999"/>
+          </a:xfrm>
+          <a:prstGeom prst="rect">
+            <a:avLst/>
+          </a:prstGeom>
+        </p:spPr>
+        <p:txBody>
+          <a:bodyPr wrap="none">
+            <a:spAutoFit/>
+          </a:bodyPr>
+          <a:lstStyle/>
+          <a:p>
+            <a:pPr marL="0" marR="0" lvl="0" indent="0" algn="ctr" defTabSz="914400" rtl="0" eaLnBrk="1" fontAlgn="auto" latinLnBrk="0" hangingPunct="1">
+              <a:lnSpc>
+                <a:spcPct val="100000"/>
+              </a:lnSpc>
+              <a:spcBef>
+                <a:spcPts val="0"/>
+              </a:spcBef>
+              <a:spcAft>
+                <a:spcPts val="0"/>
+              </a:spcAft>
+              <a:buClrTx/>
+              <a:buSzTx/>
+              <a:buFontTx/>
+              <a:buNone/>
+              <a:tabLst/>
+              <a:defRPr/>
+            </a:pPr>
+            <a:r>
+              <a:rPr kumimoji="0" lang="en-US" sz="1200" b="0" i="0" u="none" strike="noStrike" kern="1200" cap="none" spc="0" normalizeH="0" baseline="0" noProof="0" dirty="0">
+                <a:ln>
+                  <a:noFill/>
+                </a:ln>
+                <a:solidFill>
+                  <a:prstClr val="black"/>
+                </a:solidFill>
+                <a:effectLst/>
+                <a:uLnTx/>
+                <a:uFillTx/>
+                <a:latin typeface="Arial Narrow" panose="020B0604020202020204" pitchFamily="34" charset="0"/>
+                <a:ea typeface="+mn-ea"/>
+                <a:cs typeface="Arial Narrow" panose="020B0604020202020204" pitchFamily="34" charset="0"/>
+              </a:rPr>
+              <a:t>has</a:t>
+            </a:r>
+          </a:p>
+        </p:txBody>
+      </p:sp>
+      <p:sp>
+        <p:nvSpPr>
+          <p:cNvPr id="31" name="Rectangle 30">
+            <a:extLst>
+              <a:ext uri="{FF2B5EF4-FFF2-40B4-BE49-F238E27FC236}">
+                <a16:creationId xmlns:a16="http://schemas.microsoft.com/office/drawing/2014/main" xmlns="" id="{66AD4AA0-BA47-4A5B-BBDA-A407459662C0}"/>
+              </a:ext>
+            </a:extLst>
+          </p:cNvPr>
+          <p:cNvSpPr/>
+          <p:nvPr/>
+        </p:nvSpPr>
+        <p:spPr>
+          <a:xfrm rot="16200000">
+            <a:off x="5884393" y="1257958"/>
+            <a:ext cx="336951" cy="276999"/>
+          </a:xfrm>
+          <a:prstGeom prst="rect">
+            <a:avLst/>
+          </a:prstGeom>
+        </p:spPr>
+        <p:txBody>
+          <a:bodyPr wrap="square">
+            <a:spAutoFit/>
+          </a:bodyPr>
+          <a:lstStyle/>
+          <a:p>
+            <a:pPr marL="0" marR="0" lvl="0" indent="0" algn="ctr" defTabSz="914400" rtl="0" eaLnBrk="1" fontAlgn="auto" latinLnBrk="0" hangingPunct="1">
+              <a:lnSpc>
+                <a:spcPct val="100000"/>
+              </a:lnSpc>
+              <a:spcBef>
+                <a:spcPts val="0"/>
+              </a:spcBef>
+              <a:spcAft>
+                <a:spcPts val="0"/>
+              </a:spcAft>
+              <a:buClrTx/>
+              <a:buSzTx/>
+              <a:buFontTx/>
+              <a:buNone/>
+              <a:tabLst/>
+              <a:defRPr/>
+            </a:pPr>
+            <a:r>
+              <a:rPr kumimoji="0" lang="en-US" sz="1200" b="0" i="0" u="none" strike="noStrike" kern="1200" cap="none" spc="0" normalizeH="0" baseline="0" noProof="0" dirty="0">
+                <a:ln>
+                  <a:noFill/>
+                </a:ln>
+                <a:solidFill>
+                  <a:prstClr val="black"/>
+                </a:solidFill>
+                <a:effectLst/>
+                <a:uLnTx/>
+                <a:uFillTx/>
+                <a:latin typeface="Arial Narrow" panose="020B0604020202020204" pitchFamily="34" charset="0"/>
+                <a:ea typeface="+mn-ea"/>
+                <a:cs typeface="Arial Narrow" panose="020B0604020202020204" pitchFamily="34" charset="0"/>
+              </a:rPr>
+              <a:t>▼</a:t>
+            </a:r>
+            <a:endParaRPr kumimoji="0" lang="en-US" sz="1200" b="0" i="0" u="none" strike="noStrike" kern="1200" cap="none" spc="0" normalizeH="0" baseline="0" noProof="0" dirty="0">
+              <a:ln>
+                <a:noFill/>
+              </a:ln>
+              <a:solidFill>
+                <a:prstClr val="black"/>
+              </a:solidFill>
+              <a:effectLst/>
+              <a:uLnTx/>
+              <a:uFillTx/>
+              <a:latin typeface="Calibri" panose="020F0502020204030204"/>
+              <a:ea typeface="+mn-ea"/>
+              <a:cs typeface="+mn-cs"/>
+            </a:endParaRPr>
+          </a:p>
+        </p:txBody>
+      </p:sp>
+      <p:sp>
+        <p:nvSpPr>
+          <p:cNvPr id="32" name="TextBox 31">
+            <a:extLst>
+              <a:ext uri="{FF2B5EF4-FFF2-40B4-BE49-F238E27FC236}">
+                <a16:creationId xmlns:a16="http://schemas.microsoft.com/office/drawing/2014/main" xmlns="" id="{58252777-F735-414F-9786-E84F2A7EF6B9}"/>
+              </a:ext>
+            </a:extLst>
+          </p:cNvPr>
+          <p:cNvSpPr txBox="1"/>
+          <p:nvPr/>
+        </p:nvSpPr>
+        <p:spPr>
+          <a:xfrm>
+            <a:off x="4077716" y="1047638"/>
+            <a:ext cx="313595" cy="276999"/>
+          </a:xfrm>
+          <a:prstGeom prst="rect">
+            <a:avLst/>
+          </a:prstGeom>
+          <a:noFill/>
+          <a:ln w="12700">
+            <a:noFill/>
+          </a:ln>
+        </p:spPr>
+        <p:txBody>
+          <a:bodyPr wrap="square" rtlCol="0">
+            <a:spAutoFit/>
+          </a:bodyPr>
+          <a:lstStyle/>
+          <a:p>
+            <a:pPr marL="0" marR="0" lvl="0" indent="0" algn="l" defTabSz="914400" rtl="0" eaLnBrk="1" fontAlgn="auto" latinLnBrk="0" hangingPunct="1">
+              <a:lnSpc>
+                <a:spcPct val="100000"/>
+              </a:lnSpc>
+              <a:spcBef>
+                <a:spcPts val="0"/>
+              </a:spcBef>
+              <a:spcAft>
+                <a:spcPts val="0"/>
+              </a:spcAft>
+              <a:buClrTx/>
+              <a:buSzTx/>
+              <a:buFontTx/>
+              <a:buNone/>
+              <a:tabLst/>
+              <a:defRPr/>
+            </a:pPr>
+            <a:r>
+              <a:rPr kumimoji="0" lang="en-US" sz="1200" b="0" i="0" u="none" strike="noStrike" kern="1200" cap="none" spc="0" normalizeH="0" baseline="0" noProof="0" dirty="0">
+                <a:ln>
+                  <a:noFill/>
+                </a:ln>
+                <a:solidFill>
+                  <a:prstClr val="black"/>
+                </a:solidFill>
+                <a:effectLst/>
+                <a:uLnTx/>
+                <a:uFillTx/>
+                <a:latin typeface="Arial Narrow" panose="020B0604020202020204" pitchFamily="34" charset="0"/>
+                <a:ea typeface="+mn-ea"/>
+                <a:cs typeface="Arial Narrow" panose="020B0604020202020204" pitchFamily="34" charset="0"/>
+              </a:rPr>
+              <a:t>1</a:t>
+            </a:r>
+          </a:p>
+        </p:txBody>
+      </p:sp>
+      <p:sp>
+        <p:nvSpPr>
+          <p:cNvPr id="33" name="TextBox 32">
+            <a:extLst>
+              <a:ext uri="{FF2B5EF4-FFF2-40B4-BE49-F238E27FC236}">
+                <a16:creationId xmlns:a16="http://schemas.microsoft.com/office/drawing/2014/main" xmlns="" id="{DF78528B-C4AC-4C2D-9D13-21F0CD59AB1F}"/>
+              </a:ext>
+            </a:extLst>
+          </p:cNvPr>
+          <p:cNvSpPr txBox="1"/>
+          <p:nvPr/>
+        </p:nvSpPr>
+        <p:spPr>
+          <a:xfrm>
+            <a:off x="3574714" y="1894454"/>
+            <a:ext cx="255198" cy="276999"/>
+          </a:xfrm>
+          <a:prstGeom prst="rect">
+            <a:avLst/>
+          </a:prstGeom>
+          <a:noFill/>
+          <a:ln w="12700">
+            <a:noFill/>
+          </a:ln>
+        </p:spPr>
+        <p:txBody>
+          <a:bodyPr wrap="none" rtlCol="0">
+            <a:spAutoFit/>
+          </a:bodyPr>
+          <a:lstStyle/>
+          <a:p>
+            <a:pPr marL="0" marR="0" lvl="0" indent="0" algn="l" defTabSz="914400" rtl="0" eaLnBrk="1" fontAlgn="auto" latinLnBrk="0" hangingPunct="1">
+              <a:lnSpc>
+                <a:spcPct val="100000"/>
+              </a:lnSpc>
+              <a:spcBef>
+                <a:spcPts val="0"/>
+              </a:spcBef>
+              <a:spcAft>
+                <a:spcPts val="0"/>
+              </a:spcAft>
+              <a:buClrTx/>
+              <a:buSzTx/>
+              <a:buFontTx/>
+              <a:buNone/>
+              <a:tabLst/>
+              <a:defRPr/>
+            </a:pPr>
+            <a:r>
+              <a:rPr kumimoji="0" lang="en-US" sz="1200" b="0" i="0" u="none" strike="noStrike" kern="1200" cap="none" spc="0" normalizeH="0" baseline="0" noProof="0" dirty="0">
+                <a:ln>
+                  <a:noFill/>
+                </a:ln>
+                <a:solidFill>
+                  <a:prstClr val="black"/>
+                </a:solidFill>
+                <a:effectLst/>
+                <a:uLnTx/>
+                <a:uFillTx/>
+                <a:latin typeface="Arial Narrow" panose="020B0604020202020204" pitchFamily="34" charset="0"/>
+                <a:ea typeface="+mn-ea"/>
+                <a:cs typeface="Arial Narrow" panose="020B0604020202020204" pitchFamily="34" charset="0"/>
+              </a:rPr>
+              <a:t>2</a:t>
+            </a:r>
+          </a:p>
+        </p:txBody>
+      </p:sp>
+      <p:sp>
+        <p:nvSpPr>
+          <p:cNvPr id="34" name="TextBox 33">
+            <a:extLst>
+              <a:ext uri="{FF2B5EF4-FFF2-40B4-BE49-F238E27FC236}">
+                <a16:creationId xmlns:a16="http://schemas.microsoft.com/office/drawing/2014/main" xmlns="" id="{A1306CC8-0663-47ED-A43C-70531064E628}"/>
+              </a:ext>
+            </a:extLst>
+          </p:cNvPr>
+          <p:cNvSpPr txBox="1"/>
+          <p:nvPr/>
+        </p:nvSpPr>
+        <p:spPr>
+          <a:xfrm>
+            <a:off x="2778171" y="2822916"/>
+            <a:ext cx="375424" cy="276999"/>
+          </a:xfrm>
+          <a:prstGeom prst="rect">
+            <a:avLst/>
+          </a:prstGeom>
+          <a:noFill/>
+          <a:ln w="12700">
+            <a:noFill/>
+          </a:ln>
+        </p:spPr>
+        <p:txBody>
+          <a:bodyPr wrap="none" rtlCol="0">
+            <a:spAutoFit/>
+          </a:bodyPr>
+          <a:lstStyle/>
+          <a:p>
+            <a:pPr marL="0" marR="0" lvl="0" indent="0" algn="l" defTabSz="914400" rtl="0" eaLnBrk="1" fontAlgn="auto" latinLnBrk="0" hangingPunct="1">
+              <a:lnSpc>
+                <a:spcPct val="100000"/>
+              </a:lnSpc>
+              <a:spcBef>
+                <a:spcPts val="0"/>
+              </a:spcBef>
+              <a:spcAft>
+                <a:spcPts val="0"/>
+              </a:spcAft>
+              <a:buClrTx/>
+              <a:buSzTx/>
+              <a:buFontTx/>
+              <a:buNone/>
+              <a:tabLst/>
+              <a:defRPr/>
+            </a:pPr>
+            <a:r>
+              <a:rPr kumimoji="0" lang="en-US" sz="1200" b="0" i="0" u="none" strike="noStrike" kern="1200" cap="none" spc="0" normalizeH="0" baseline="0" noProof="0" dirty="0">
+                <a:ln>
+                  <a:noFill/>
+                </a:ln>
+                <a:solidFill>
+                  <a:prstClr val="black"/>
+                </a:solidFill>
+                <a:effectLst/>
+                <a:uLnTx/>
+                <a:uFillTx/>
+                <a:latin typeface="Arial Narrow" panose="020B0604020202020204" pitchFamily="34" charset="0"/>
+                <a:ea typeface="+mn-ea"/>
+                <a:cs typeface="Arial Narrow" panose="020B0604020202020204" pitchFamily="34" charset="0"/>
+              </a:rPr>
+              <a:t>0, *</a:t>
+            </a:r>
+          </a:p>
+        </p:txBody>
+      </p:sp>
+      <p:sp>
+        <p:nvSpPr>
+          <p:cNvPr id="35" name="TextBox 34">
+            <a:extLst>
+              <a:ext uri="{FF2B5EF4-FFF2-40B4-BE49-F238E27FC236}">
+                <a16:creationId xmlns:a16="http://schemas.microsoft.com/office/drawing/2014/main" xmlns="" id="{5FF22EE0-D7E3-43C2-9431-66A6DE50B8BD}"/>
+              </a:ext>
+            </a:extLst>
+          </p:cNvPr>
+          <p:cNvSpPr txBox="1"/>
+          <p:nvPr/>
+        </p:nvSpPr>
+        <p:spPr>
+          <a:xfrm>
+            <a:off x="3544067" y="2814013"/>
+            <a:ext cx="375424" cy="276999"/>
+          </a:xfrm>
+          <a:prstGeom prst="rect">
+            <a:avLst/>
+          </a:prstGeom>
+          <a:noFill/>
+          <a:ln w="12700">
+            <a:noFill/>
+          </a:ln>
+        </p:spPr>
+        <p:txBody>
+          <a:bodyPr wrap="square" rtlCol="0">
+            <a:spAutoFit/>
+          </a:bodyPr>
+          <a:lstStyle/>
+          <a:p>
+            <a:pPr marL="0" marR="0" lvl="0" indent="0" algn="l" defTabSz="914400" rtl="0" eaLnBrk="1" fontAlgn="auto" latinLnBrk="0" hangingPunct="1">
+              <a:lnSpc>
+                <a:spcPct val="100000"/>
+              </a:lnSpc>
+              <a:spcBef>
+                <a:spcPts val="0"/>
+              </a:spcBef>
+              <a:spcAft>
+                <a:spcPts val="0"/>
+              </a:spcAft>
+              <a:buClrTx/>
+              <a:buSzTx/>
+              <a:buFontTx/>
+              <a:buNone/>
+              <a:tabLst/>
+              <a:defRPr/>
+            </a:pPr>
+            <a:r>
+              <a:rPr kumimoji="0" lang="en-US" sz="1200" b="0" i="0" u="none" strike="noStrike" kern="1200" cap="none" spc="0" normalizeH="0" baseline="0" noProof="0" dirty="0">
+                <a:ln>
+                  <a:noFill/>
+                </a:ln>
+                <a:solidFill>
+                  <a:prstClr val="black"/>
+                </a:solidFill>
+                <a:effectLst/>
+                <a:uLnTx/>
+                <a:uFillTx/>
+                <a:latin typeface="Arial Narrow" panose="020B0604020202020204" pitchFamily="34" charset="0"/>
+                <a:ea typeface="+mn-ea"/>
+                <a:cs typeface="Arial Narrow" panose="020B0604020202020204" pitchFamily="34" charset="0"/>
+              </a:rPr>
+              <a:t>0, *</a:t>
+            </a:r>
+          </a:p>
+        </p:txBody>
+      </p:sp>
+      <p:grpSp>
+        <p:nvGrpSpPr>
+          <p:cNvPr id="36" name="Group 35">
+            <a:extLst>
+              <a:ext uri="{FF2B5EF4-FFF2-40B4-BE49-F238E27FC236}">
+                <a16:creationId xmlns:a16="http://schemas.microsoft.com/office/drawing/2014/main" xmlns="" id="{6F23F39D-9B2B-4D8B-94A9-6CFFCA827149}"/>
+              </a:ext>
+            </a:extLst>
+          </p:cNvPr>
+          <p:cNvGrpSpPr/>
+          <p:nvPr/>
+        </p:nvGrpSpPr>
+        <p:grpSpPr>
+          <a:xfrm>
+            <a:off x="2467031" y="2288816"/>
+            <a:ext cx="442894" cy="453455"/>
+            <a:chOff x="2467031" y="2196874"/>
+            <a:chExt cx="442894" cy="453455"/>
+          </a:xfrm>
+        </p:grpSpPr>
+        <p:sp>
+          <p:nvSpPr>
+            <p:cNvPr id="37" name="Rectangle 36">
+              <a:extLst>
+                <a:ext uri="{FF2B5EF4-FFF2-40B4-BE49-F238E27FC236}">
+                  <a16:creationId xmlns:a16="http://schemas.microsoft.com/office/drawing/2014/main" xmlns="" id="{85981300-E1C9-4C9E-B839-B463A12057E9}"/>
+                </a:ext>
+              </a:extLst>
+            </p:cNvPr>
+            <p:cNvSpPr/>
+            <p:nvPr/>
+          </p:nvSpPr>
+          <p:spPr>
+            <a:xfrm>
+              <a:off x="2558919" y="2373330"/>
+              <a:ext cx="336952" cy="276999"/>
+            </a:xfrm>
+            <a:prstGeom prst="rect">
+              <a:avLst/>
+            </a:prstGeom>
+          </p:spPr>
+          <p:txBody>
+            <a:bodyPr wrap="square">
+              <a:spAutoFit/>
+            </a:bodyPr>
+            <a:lstStyle/>
+            <a:p>
+              <a:pPr marL="0" marR="0" lvl="0" indent="0" algn="l" defTabSz="914400" rtl="0" eaLnBrk="1" fontAlgn="auto" latinLnBrk="0" hangingPunct="1">
+                <a:lnSpc>
+                  <a:spcPct val="100000"/>
+                </a:lnSpc>
+                <a:spcBef>
+                  <a:spcPts val="0"/>
+                </a:spcBef>
+                <a:spcAft>
+                  <a:spcPts val="0"/>
+                </a:spcAft>
+                <a:buClrTx/>
+                <a:buSzTx/>
+                <a:buFontTx/>
+                <a:buNone/>
+                <a:tabLst/>
+                <a:defRPr/>
+              </a:pPr>
+              <a:r>
+                <a:rPr kumimoji="0" lang="en-US" sz="1200" b="0" i="0" u="none" strike="noStrike" kern="1200" cap="none" spc="0" normalizeH="0" baseline="0" noProof="0" dirty="0">
+                  <a:ln>
+                    <a:noFill/>
+                  </a:ln>
+                  <a:solidFill>
+                    <a:prstClr val="black"/>
+                  </a:solidFill>
+                  <a:effectLst/>
+                  <a:uLnTx/>
+                  <a:uFillTx/>
+                  <a:latin typeface="Arial Narrow" panose="020B0604020202020204" pitchFamily="34" charset="0"/>
+                  <a:ea typeface="+mn-ea"/>
+                  <a:cs typeface="Arial Narrow" panose="020B0604020202020204" pitchFamily="34" charset="0"/>
+                </a:rPr>
+                <a:t>▼</a:t>
+              </a:r>
+              <a:endParaRPr kumimoji="0" lang="en-US" sz="1200" b="0" i="0" u="none" strike="noStrike" kern="1200" cap="none" spc="0" normalizeH="0" baseline="0" noProof="0" dirty="0">
+                <a:ln>
+                  <a:noFill/>
+                </a:ln>
+                <a:solidFill>
+                  <a:prstClr val="black"/>
+                </a:solidFill>
+                <a:effectLst/>
+                <a:uLnTx/>
+                <a:uFillTx/>
+                <a:latin typeface="Calibri" panose="020F0502020204030204"/>
+                <a:ea typeface="+mn-ea"/>
+                <a:cs typeface="+mn-cs"/>
+              </a:endParaRPr>
+            </a:p>
+          </p:txBody>
+        </p:sp>
+        <p:sp>
+          <p:nvSpPr>
+            <p:cNvPr id="38" name="Rectangle 37">
+              <a:extLst>
+                <a:ext uri="{FF2B5EF4-FFF2-40B4-BE49-F238E27FC236}">
+                  <a16:creationId xmlns:a16="http://schemas.microsoft.com/office/drawing/2014/main" xmlns="" id="{973DE8A9-50A7-46D1-A020-0F0D3F94AADD}"/>
+                </a:ext>
+              </a:extLst>
+            </p:cNvPr>
+            <p:cNvSpPr/>
+            <p:nvPr/>
+          </p:nvSpPr>
+          <p:spPr>
+            <a:xfrm>
+              <a:off x="2467031" y="2196874"/>
+              <a:ext cx="442894" cy="276999"/>
+            </a:xfrm>
+            <a:prstGeom prst="rect">
+              <a:avLst/>
+            </a:prstGeom>
+          </p:spPr>
+          <p:txBody>
+            <a:bodyPr wrap="square">
+              <a:spAutoFit/>
+            </a:bodyPr>
+            <a:lstStyle/>
+            <a:p>
+              <a:pPr marL="0" marR="0" lvl="0" indent="0" algn="ctr" defTabSz="914400" rtl="0" eaLnBrk="1" fontAlgn="auto" latinLnBrk="0" hangingPunct="1">
+                <a:lnSpc>
+                  <a:spcPct val="100000"/>
+                </a:lnSpc>
+                <a:spcBef>
+                  <a:spcPts val="0"/>
+                </a:spcBef>
+                <a:spcAft>
+                  <a:spcPts val="0"/>
+                </a:spcAft>
+                <a:buClrTx/>
+                <a:buSzTx/>
+                <a:buFontTx/>
+                <a:buNone/>
+                <a:tabLst/>
+                <a:defRPr/>
+              </a:pPr>
+              <a:r>
+                <a:rPr kumimoji="0" lang="en-US" sz="1200" b="0" i="0" u="none" strike="noStrike" kern="1200" cap="none" spc="0" normalizeH="0" baseline="0" noProof="0" dirty="0">
+                  <a:ln>
+                    <a:noFill/>
+                  </a:ln>
+                  <a:solidFill>
+                    <a:prstClr val="black"/>
+                  </a:solidFill>
+                  <a:effectLst/>
+                  <a:uLnTx/>
+                  <a:uFillTx/>
+                  <a:latin typeface="Arial Narrow" panose="020B0604020202020204" pitchFamily="34" charset="0"/>
+                  <a:ea typeface="+mn-ea"/>
+                  <a:cs typeface="Arial Narrow" panose="020B0604020202020204" pitchFamily="34" charset="0"/>
+                </a:rPr>
+                <a:t>has</a:t>
+              </a:r>
+            </a:p>
+          </p:txBody>
+        </p:sp>
+      </p:grpSp>
+      <p:grpSp>
+        <p:nvGrpSpPr>
+          <p:cNvPr id="39" name="Group 38">
+            <a:extLst>
+              <a:ext uri="{FF2B5EF4-FFF2-40B4-BE49-F238E27FC236}">
+                <a16:creationId xmlns:a16="http://schemas.microsoft.com/office/drawing/2014/main" xmlns="" id="{93E69870-7970-4997-979F-57646E450226}"/>
+              </a:ext>
+            </a:extLst>
+          </p:cNvPr>
+          <p:cNvGrpSpPr/>
+          <p:nvPr/>
+        </p:nvGrpSpPr>
+        <p:grpSpPr>
+          <a:xfrm>
+            <a:off x="3773919" y="2310594"/>
+            <a:ext cx="442894" cy="439388"/>
+            <a:chOff x="2467031" y="2210941"/>
+            <a:chExt cx="442894" cy="439388"/>
+          </a:xfrm>
+        </p:grpSpPr>
+        <p:sp>
+          <p:nvSpPr>
+            <p:cNvPr id="40" name="Rectangle 39">
+              <a:extLst>
+                <a:ext uri="{FF2B5EF4-FFF2-40B4-BE49-F238E27FC236}">
+                  <a16:creationId xmlns:a16="http://schemas.microsoft.com/office/drawing/2014/main" xmlns="" id="{6A642F0C-ECEF-46F4-B2F5-7F668B2686EB}"/>
+                </a:ext>
+              </a:extLst>
+            </p:cNvPr>
+            <p:cNvSpPr/>
+            <p:nvPr/>
+          </p:nvSpPr>
+          <p:spPr>
+            <a:xfrm>
+              <a:off x="2558919" y="2373330"/>
+              <a:ext cx="336952" cy="276999"/>
+            </a:xfrm>
+            <a:prstGeom prst="rect">
+              <a:avLst/>
+            </a:prstGeom>
+          </p:spPr>
+          <p:txBody>
+            <a:bodyPr wrap="square">
+              <a:spAutoFit/>
+            </a:bodyPr>
+            <a:lstStyle/>
+            <a:p>
+              <a:pPr marL="0" marR="0" lvl="0" indent="0" algn="l" defTabSz="914400" rtl="0" eaLnBrk="1" fontAlgn="auto" latinLnBrk="0" hangingPunct="1">
+                <a:lnSpc>
+                  <a:spcPct val="100000"/>
+                </a:lnSpc>
+                <a:spcBef>
+                  <a:spcPts val="0"/>
+                </a:spcBef>
+                <a:spcAft>
+                  <a:spcPts val="0"/>
+                </a:spcAft>
+                <a:buClrTx/>
+                <a:buSzTx/>
+                <a:buFontTx/>
+                <a:buNone/>
+                <a:tabLst/>
+                <a:defRPr/>
+              </a:pPr>
+              <a:r>
+                <a:rPr kumimoji="0" lang="en-US" sz="1200" b="0" i="0" u="none" strike="noStrike" kern="1200" cap="none" spc="0" normalizeH="0" baseline="0" noProof="0" dirty="0">
+                  <a:ln>
+                    <a:noFill/>
+                  </a:ln>
+                  <a:solidFill>
+                    <a:prstClr val="black"/>
+                  </a:solidFill>
+                  <a:effectLst/>
+                  <a:uLnTx/>
+                  <a:uFillTx/>
+                  <a:latin typeface="Arial Narrow" panose="020B0604020202020204" pitchFamily="34" charset="0"/>
+                  <a:ea typeface="+mn-ea"/>
+                  <a:cs typeface="Arial Narrow" panose="020B0604020202020204" pitchFamily="34" charset="0"/>
+                </a:rPr>
+                <a:t>▼</a:t>
+              </a:r>
+              <a:endParaRPr kumimoji="0" lang="en-US" sz="1200" b="0" i="0" u="none" strike="noStrike" kern="1200" cap="none" spc="0" normalizeH="0" baseline="0" noProof="0" dirty="0">
+                <a:ln>
+                  <a:noFill/>
+                </a:ln>
+                <a:solidFill>
+                  <a:prstClr val="black"/>
+                </a:solidFill>
+                <a:effectLst/>
+                <a:uLnTx/>
+                <a:uFillTx/>
+                <a:latin typeface="Calibri" panose="020F0502020204030204"/>
+                <a:ea typeface="+mn-ea"/>
+                <a:cs typeface="+mn-cs"/>
+              </a:endParaRPr>
+            </a:p>
+          </p:txBody>
+        </p:sp>
+        <p:sp>
+          <p:nvSpPr>
+            <p:cNvPr id="41" name="Rectangle 40">
+              <a:extLst>
+                <a:ext uri="{FF2B5EF4-FFF2-40B4-BE49-F238E27FC236}">
+                  <a16:creationId xmlns:a16="http://schemas.microsoft.com/office/drawing/2014/main" xmlns="" id="{C42DE9CF-128B-462A-8533-C9894E99F08F}"/>
+                </a:ext>
+              </a:extLst>
+            </p:cNvPr>
+            <p:cNvSpPr/>
+            <p:nvPr/>
+          </p:nvSpPr>
+          <p:spPr>
+            <a:xfrm>
+              <a:off x="2467031" y="2210941"/>
+              <a:ext cx="442894" cy="276999"/>
+            </a:xfrm>
+            <a:prstGeom prst="rect">
+              <a:avLst/>
+            </a:prstGeom>
+          </p:spPr>
+          <p:txBody>
+            <a:bodyPr wrap="square">
+              <a:spAutoFit/>
+            </a:bodyPr>
+            <a:lstStyle/>
+            <a:p>
+              <a:pPr marL="0" marR="0" lvl="0" indent="0" algn="ctr" defTabSz="914400" rtl="0" eaLnBrk="1" fontAlgn="auto" latinLnBrk="0" hangingPunct="1">
+                <a:lnSpc>
+                  <a:spcPct val="100000"/>
+                </a:lnSpc>
+                <a:spcBef>
+                  <a:spcPts val="0"/>
+                </a:spcBef>
+                <a:spcAft>
+                  <a:spcPts val="0"/>
+                </a:spcAft>
+                <a:buClrTx/>
+                <a:buSzTx/>
+                <a:buFontTx/>
+                <a:buNone/>
+                <a:tabLst/>
+                <a:defRPr/>
+              </a:pPr>
+              <a:r>
+                <a:rPr kumimoji="0" lang="en-US" sz="1200" b="0" i="0" u="none" strike="noStrike" kern="1200" cap="none" spc="0" normalizeH="0" baseline="0" noProof="0" dirty="0">
+                  <a:ln>
+                    <a:noFill/>
+                  </a:ln>
+                  <a:solidFill>
+                    <a:prstClr val="black"/>
+                  </a:solidFill>
+                  <a:effectLst/>
+                  <a:uLnTx/>
+                  <a:uFillTx/>
+                  <a:latin typeface="Arial Narrow" panose="020B0604020202020204" pitchFamily="34" charset="0"/>
+                  <a:ea typeface="+mn-ea"/>
+                  <a:cs typeface="Arial Narrow" panose="020B0604020202020204" pitchFamily="34" charset="0"/>
+                </a:rPr>
+                <a:t>has</a:t>
+              </a:r>
+            </a:p>
+          </p:txBody>
+        </p:sp>
+      </p:grpSp>
+      <p:sp>
+        <p:nvSpPr>
+          <p:cNvPr id="42" name="TextBox 41">
+            <a:extLst>
+              <a:ext uri="{FF2B5EF4-FFF2-40B4-BE49-F238E27FC236}">
+                <a16:creationId xmlns:a16="http://schemas.microsoft.com/office/drawing/2014/main" xmlns="" id="{B9485CA7-448E-4721-AA04-C47ECACC2C7E}"/>
+              </a:ext>
+            </a:extLst>
+          </p:cNvPr>
+          <p:cNvSpPr txBox="1"/>
+          <p:nvPr/>
+        </p:nvSpPr>
+        <p:spPr>
+          <a:xfrm>
+            <a:off x="4230116" y="1439445"/>
+            <a:ext cx="876886" cy="276999"/>
+          </a:xfrm>
+          <a:prstGeom prst="rect">
+            <a:avLst/>
+          </a:prstGeom>
+          <a:noFill/>
+          <a:ln w="12700">
+            <a:noFill/>
+          </a:ln>
+        </p:spPr>
+        <p:txBody>
+          <a:bodyPr wrap="square" rtlCol="0">
+            <a:spAutoFit/>
+          </a:bodyPr>
+          <a:lstStyle/>
+          <a:p>
+            <a:pPr marL="0" marR="0" lvl="0" indent="0" algn="l" defTabSz="914400" rtl="0" eaLnBrk="1" fontAlgn="auto" latinLnBrk="0" hangingPunct="1">
+              <a:lnSpc>
+                <a:spcPct val="100000"/>
+              </a:lnSpc>
+              <a:spcBef>
+                <a:spcPts val="0"/>
+              </a:spcBef>
+              <a:spcAft>
+                <a:spcPts val="0"/>
+              </a:spcAft>
+              <a:buClrTx/>
+              <a:buSzTx/>
+              <a:buFontTx/>
+              <a:buNone/>
+              <a:tabLst/>
+              <a:defRPr/>
+            </a:pPr>
+            <a:r>
+              <a:rPr kumimoji="0" lang="en-US" sz="1200" b="0" i="0" u="none" strike="noStrike" kern="1200" cap="none" spc="0" normalizeH="0" baseline="0" noProof="0" dirty="0">
+                <a:ln>
+                  <a:noFill/>
+                </a:ln>
+                <a:solidFill>
+                  <a:prstClr val="black"/>
+                </a:solidFill>
+                <a:effectLst/>
+                <a:uLnTx/>
+                <a:uFillTx/>
+                <a:latin typeface="Arial Narrow" panose="020B0604020202020204" pitchFamily="34" charset="0"/>
+                <a:ea typeface="+mn-ea"/>
+                <a:cs typeface="+mn-cs"/>
+              </a:rPr>
+              <a:t>seller</a:t>
+            </a:r>
+          </a:p>
+        </p:txBody>
+      </p:sp>
+      <p:sp>
+        <p:nvSpPr>
+          <p:cNvPr id="43" name="TextBox 42">
+            <a:extLst>
+              <a:ext uri="{FF2B5EF4-FFF2-40B4-BE49-F238E27FC236}">
+                <a16:creationId xmlns:a16="http://schemas.microsoft.com/office/drawing/2014/main" xmlns="" id="{7FAE3C1D-95B1-4C18-88B0-76E29B043909}"/>
+              </a:ext>
+            </a:extLst>
+          </p:cNvPr>
+          <p:cNvSpPr txBox="1"/>
+          <p:nvPr/>
+        </p:nvSpPr>
+        <p:spPr>
+          <a:xfrm>
+            <a:off x="2178040" y="2819741"/>
+            <a:ext cx="876886" cy="276999"/>
+          </a:xfrm>
+          <a:prstGeom prst="rect">
+            <a:avLst/>
+          </a:prstGeom>
+          <a:noFill/>
+          <a:ln w="12700">
+            <a:noFill/>
+          </a:ln>
+        </p:spPr>
+        <p:txBody>
+          <a:bodyPr wrap="square" rtlCol="0">
+            <a:spAutoFit/>
+          </a:bodyPr>
+          <a:lstStyle/>
+          <a:p>
+            <a:pPr marL="0" marR="0" lvl="0" indent="0" algn="l" defTabSz="914400" rtl="0" eaLnBrk="1" fontAlgn="auto" latinLnBrk="0" hangingPunct="1">
+              <a:lnSpc>
+                <a:spcPct val="100000"/>
+              </a:lnSpc>
+              <a:spcBef>
+                <a:spcPts val="0"/>
+              </a:spcBef>
+              <a:spcAft>
+                <a:spcPts val="0"/>
+              </a:spcAft>
+              <a:buClrTx/>
+              <a:buSzTx/>
+              <a:buFontTx/>
+              <a:buNone/>
+              <a:tabLst/>
+              <a:defRPr/>
+            </a:pPr>
+            <a:r>
+              <a:rPr kumimoji="0" lang="en-US" sz="1200" b="0" i="0" u="none" strike="noStrike" kern="1200" cap="none" spc="0" normalizeH="0" baseline="0" noProof="0" dirty="0">
+                <a:ln>
+                  <a:noFill/>
+                </a:ln>
+                <a:solidFill>
+                  <a:prstClr val="black"/>
+                </a:solidFill>
+                <a:effectLst/>
+                <a:uLnTx/>
+                <a:uFillTx/>
+                <a:latin typeface="Arial Narrow" panose="020B0604020202020204" pitchFamily="34" charset="0"/>
+                <a:ea typeface="+mn-ea"/>
+                <a:cs typeface="+mn-cs"/>
+              </a:rPr>
+              <a:t>message</a:t>
+            </a:r>
+          </a:p>
+        </p:txBody>
+      </p:sp>
+      <p:sp>
+        <p:nvSpPr>
+          <p:cNvPr id="44" name="TextBox 43">
+            <a:extLst>
+              <a:ext uri="{FF2B5EF4-FFF2-40B4-BE49-F238E27FC236}">
+                <a16:creationId xmlns:a16="http://schemas.microsoft.com/office/drawing/2014/main" xmlns="" id="{9547729C-91E0-4317-8103-DE3B158A91CB}"/>
+              </a:ext>
+            </a:extLst>
+          </p:cNvPr>
+          <p:cNvSpPr txBox="1"/>
+          <p:nvPr/>
+        </p:nvSpPr>
+        <p:spPr>
+          <a:xfrm>
+            <a:off x="3823949" y="1877965"/>
+            <a:ext cx="876886" cy="461665"/>
+          </a:xfrm>
+          <a:prstGeom prst="rect">
+            <a:avLst/>
+          </a:prstGeom>
+          <a:noFill/>
+          <a:ln w="12700">
+            <a:noFill/>
+          </a:ln>
+        </p:spPr>
+        <p:txBody>
+          <a:bodyPr wrap="square" rtlCol="0">
+            <a:spAutoFit/>
+          </a:bodyPr>
+          <a:lstStyle/>
+          <a:p>
+            <a:pPr marL="0" marR="0" lvl="0" indent="0" algn="l" defTabSz="914400" rtl="0" eaLnBrk="1" fontAlgn="auto" latinLnBrk="0" hangingPunct="1">
+              <a:lnSpc>
+                <a:spcPct val="100000"/>
+              </a:lnSpc>
+              <a:spcBef>
+                <a:spcPts val="0"/>
+              </a:spcBef>
+              <a:spcAft>
+                <a:spcPts val="0"/>
+              </a:spcAft>
+              <a:buClrTx/>
+              <a:buSzTx/>
+              <a:buFontTx/>
+              <a:buNone/>
+              <a:tabLst/>
+              <a:defRPr/>
+            </a:pPr>
+            <a:r>
+              <a:rPr kumimoji="0" lang="en-US" sz="1200" b="0" i="0" u="none" strike="noStrike" kern="1200" cap="none" spc="0" normalizeH="0" baseline="0" noProof="0" dirty="0">
+                <a:ln>
+                  <a:noFill/>
+                </a:ln>
+                <a:solidFill>
+                  <a:prstClr val="black"/>
+                </a:solidFill>
+                <a:effectLst/>
+                <a:uLnTx/>
+                <a:uFillTx/>
+                <a:latin typeface="Arial Narrow" panose="020B0604020202020204" pitchFamily="34" charset="0"/>
+                <a:ea typeface="+mn-ea"/>
+                <a:cs typeface="+mn-cs"/>
+              </a:rPr>
+              <a:t>seller and  buyer</a:t>
+            </a:r>
+          </a:p>
+        </p:txBody>
+      </p:sp>
+      <p:sp>
+        <p:nvSpPr>
+          <p:cNvPr id="45" name="TextBox 44">
+            <a:extLst>
+              <a:ext uri="{FF2B5EF4-FFF2-40B4-BE49-F238E27FC236}">
+                <a16:creationId xmlns:a16="http://schemas.microsoft.com/office/drawing/2014/main" xmlns="" id="{6A8A4EA0-F577-4A8D-81C2-602CFEE49338}"/>
+              </a:ext>
+            </a:extLst>
+          </p:cNvPr>
+          <p:cNvSpPr txBox="1"/>
+          <p:nvPr/>
+        </p:nvSpPr>
+        <p:spPr>
+          <a:xfrm>
+            <a:off x="3826701" y="2792012"/>
+            <a:ext cx="941643" cy="276999"/>
+          </a:xfrm>
+          <a:prstGeom prst="rect">
+            <a:avLst/>
+          </a:prstGeom>
+          <a:noFill/>
+          <a:ln w="12700">
+            <a:noFill/>
+          </a:ln>
+        </p:spPr>
+        <p:txBody>
+          <a:bodyPr wrap="square" rtlCol="0">
+            <a:spAutoFit/>
+          </a:bodyPr>
+          <a:lstStyle/>
+          <a:p>
+            <a:pPr marL="0" marR="0" lvl="0" indent="0" algn="l" defTabSz="914400" rtl="0" eaLnBrk="1" fontAlgn="auto" latinLnBrk="0" hangingPunct="1">
+              <a:lnSpc>
+                <a:spcPct val="100000"/>
+              </a:lnSpc>
+              <a:spcBef>
+                <a:spcPts val="0"/>
+              </a:spcBef>
+              <a:spcAft>
+                <a:spcPts val="0"/>
+              </a:spcAft>
+              <a:buClrTx/>
+              <a:buSzTx/>
+              <a:buFontTx/>
+              <a:buNone/>
+              <a:tabLst/>
+              <a:defRPr/>
+            </a:pPr>
+            <a:r>
+              <a:rPr kumimoji="0" lang="en-US" sz="1200" b="0" i="0" u="none" strike="noStrike" kern="1200" cap="none" spc="0" normalizeH="0" baseline="0" noProof="0" dirty="0">
+                <a:ln>
+                  <a:noFill/>
+                </a:ln>
+                <a:solidFill>
+                  <a:prstClr val="black"/>
+                </a:solidFill>
+                <a:effectLst/>
+                <a:uLnTx/>
+                <a:uFillTx/>
+                <a:latin typeface="Arial Narrow" panose="020B0604020202020204" pitchFamily="34" charset="0"/>
+                <a:ea typeface="+mn-ea"/>
+                <a:cs typeface="+mn-cs"/>
+              </a:rPr>
+              <a:t>deal</a:t>
+            </a:r>
+          </a:p>
+        </p:txBody>
+      </p:sp>
+      <p:sp>
+        <p:nvSpPr>
+          <p:cNvPr id="47" name="TextBox 46">
+            <a:extLst>
+              <a:ext uri="{FF2B5EF4-FFF2-40B4-BE49-F238E27FC236}">
+                <a16:creationId xmlns:a16="http://schemas.microsoft.com/office/drawing/2014/main" xmlns="" id="{E85E8FB3-7331-44E0-9CC3-79FDBE57BE61}"/>
+              </a:ext>
+            </a:extLst>
+          </p:cNvPr>
+          <p:cNvSpPr txBox="1"/>
+          <p:nvPr/>
+        </p:nvSpPr>
+        <p:spPr>
+          <a:xfrm>
+            <a:off x="8057809" y="5816329"/>
+            <a:ext cx="1712222" cy="830997"/>
+          </a:xfrm>
+          <a:prstGeom prst="rect">
+            <a:avLst/>
+          </a:prstGeom>
+          <a:noFill/>
+          <a:ln w="12700">
+            <a:solidFill>
+              <a:schemeClr val="tx1"/>
+            </a:solidFill>
+          </a:ln>
+        </p:spPr>
+        <p:txBody>
+          <a:bodyPr wrap="square" rtlCol="0">
+            <a:spAutoFit/>
+          </a:bodyPr>
+          <a:lstStyle/>
+          <a:p>
+            <a:pPr marL="0" marR="0" lvl="0" indent="0" algn="l" defTabSz="914400" rtl="0" eaLnBrk="1" fontAlgn="auto" latinLnBrk="0" hangingPunct="1">
+              <a:lnSpc>
+                <a:spcPct val="100000"/>
+              </a:lnSpc>
+              <a:spcBef>
+                <a:spcPts val="0"/>
+              </a:spcBef>
+              <a:spcAft>
+                <a:spcPts val="0"/>
+              </a:spcAft>
+              <a:buClrTx/>
+              <a:buSzTx/>
+              <a:buFontTx/>
+              <a:buNone/>
+              <a:tabLst/>
+              <a:defRPr/>
+            </a:pPr>
+            <a:r>
+              <a:rPr kumimoji="0" lang="en-US" sz="1200" b="0" i="0" u="none" strike="noStrike" kern="1200" cap="none" spc="0" normalizeH="0" baseline="0" noProof="0" dirty="0" smtClean="0">
+                <a:ln>
+                  <a:noFill/>
+                </a:ln>
+                <a:solidFill>
+                  <a:prstClr val="black"/>
+                </a:solidFill>
+                <a:effectLst/>
+                <a:uLnTx/>
+                <a:uFillTx/>
+                <a:latin typeface="Arial Narrow" panose="020B0604020202020204" pitchFamily="34" charset="0"/>
+                <a:ea typeface="+mn-ea"/>
+                <a:cs typeface="Arial Narrow" panose="020B0604020202020204" pitchFamily="34" charset="0"/>
+              </a:rPr>
+              <a:t>Category</a:t>
+            </a:r>
+            <a:endParaRPr kumimoji="0" lang="en-US" sz="1200" b="0" i="0" u="none" strike="noStrike" kern="1200" cap="none" spc="0" normalizeH="0" baseline="0" noProof="0" dirty="0">
+              <a:ln>
+                <a:noFill/>
+              </a:ln>
+              <a:solidFill>
+                <a:prstClr val="black"/>
+              </a:solidFill>
+              <a:effectLst/>
+              <a:uLnTx/>
+              <a:uFillTx/>
+              <a:latin typeface="Arial Narrow" panose="020B0604020202020204" pitchFamily="34" charset="0"/>
+              <a:ea typeface="+mn-ea"/>
+              <a:cs typeface="Arial Narrow" panose="020B0604020202020204" pitchFamily="34" charset="0"/>
+            </a:endParaRPr>
+          </a:p>
+          <a:p>
+            <a:pPr marL="0" marR="0" lvl="0" indent="0" algn="l" defTabSz="914400" rtl="0" eaLnBrk="1" fontAlgn="auto" latinLnBrk="0" hangingPunct="1">
+              <a:lnSpc>
+                <a:spcPct val="100000"/>
+              </a:lnSpc>
+              <a:spcBef>
+                <a:spcPts val="0"/>
+              </a:spcBef>
+              <a:spcAft>
+                <a:spcPts val="0"/>
+              </a:spcAft>
+              <a:buClrTx/>
+              <a:buSzTx/>
+              <a:buFontTx/>
+              <a:buNone/>
+              <a:tabLst/>
+              <a:defRPr/>
+            </a:pPr>
+            <a:r>
+              <a:rPr kumimoji="0" lang="en-US" sz="1200" b="0" i="0" u="none" strike="noStrike" kern="1200" cap="none" spc="0" normalizeH="0" baseline="0" noProof="0" dirty="0">
+                <a:ln>
+                  <a:noFill/>
+                </a:ln>
+                <a:solidFill>
+                  <a:prstClr val="black"/>
+                </a:solidFill>
+                <a:effectLst/>
+                <a:uLnTx/>
+                <a:uFillTx/>
+                <a:latin typeface="Arial Narrow" panose="020B0604020202020204" pitchFamily="34" charset="0"/>
+                <a:ea typeface="+mn-ea"/>
+                <a:cs typeface="Arial Narrow" panose="020B0604020202020204" pitchFamily="34" charset="0"/>
+              </a:rPr>
+              <a:t>_____________________</a:t>
+            </a:r>
+          </a:p>
+          <a:p>
+            <a:pPr marL="0" marR="0" lvl="0" indent="0" algn="l" defTabSz="914400" rtl="0" eaLnBrk="1" fontAlgn="auto" latinLnBrk="0" hangingPunct="1">
+              <a:lnSpc>
+                <a:spcPct val="100000"/>
+              </a:lnSpc>
+              <a:spcBef>
+                <a:spcPts val="0"/>
+              </a:spcBef>
+              <a:spcAft>
+                <a:spcPts val="0"/>
+              </a:spcAft>
+              <a:buClrTx/>
+              <a:buSzTx/>
+              <a:buFontTx/>
+              <a:buNone/>
+              <a:tabLst/>
+              <a:defRPr/>
+            </a:pPr>
+            <a:r>
+              <a:rPr kumimoji="0" lang="en-US" sz="1200" b="0" i="0" u="none" strike="noStrike" kern="1200" cap="none" spc="0" normalizeH="0" baseline="0" noProof="0" dirty="0" smtClean="0">
+                <a:ln>
+                  <a:noFill/>
+                </a:ln>
+                <a:solidFill>
+                  <a:prstClr val="black"/>
+                </a:solidFill>
+                <a:effectLst/>
+                <a:uLnTx/>
+                <a:uFillTx/>
+                <a:latin typeface="Arial Narrow" panose="020B0604020202020204" pitchFamily="34" charset="0"/>
+                <a:ea typeface="+mn-ea"/>
+                <a:cs typeface="Arial Narrow" panose="020B0604020202020204" pitchFamily="34" charset="0"/>
+              </a:rPr>
+              <a:t>Id: integer</a:t>
+            </a:r>
+          </a:p>
+          <a:p>
+            <a:pPr marL="0" marR="0" lvl="0" indent="0" algn="l" defTabSz="914400" rtl="0" eaLnBrk="1" fontAlgn="auto" latinLnBrk="0" hangingPunct="1">
+              <a:lnSpc>
+                <a:spcPct val="100000"/>
+              </a:lnSpc>
+              <a:spcBef>
+                <a:spcPts val="0"/>
+              </a:spcBef>
+              <a:spcAft>
+                <a:spcPts val="0"/>
+              </a:spcAft>
+              <a:buClrTx/>
+              <a:buSzTx/>
+              <a:buFontTx/>
+              <a:buNone/>
+              <a:tabLst/>
+              <a:defRPr/>
+            </a:pPr>
+            <a:r>
+              <a:rPr lang="en-US" sz="1200" dirty="0">
+                <a:solidFill>
+                  <a:prstClr val="black"/>
+                </a:solidFill>
+                <a:latin typeface="Arial Narrow" panose="020B0604020202020204" pitchFamily="34" charset="0"/>
+                <a:cs typeface="Arial Narrow" panose="020B0604020202020204" pitchFamily="34" charset="0"/>
+              </a:rPr>
+              <a:t>d</a:t>
+            </a:r>
+            <a:r>
+              <a:rPr lang="en-US" sz="1200" dirty="0" smtClean="0">
+                <a:solidFill>
+                  <a:prstClr val="black"/>
+                </a:solidFill>
+                <a:latin typeface="Arial Narrow" panose="020B0604020202020204" pitchFamily="34" charset="0"/>
+                <a:cs typeface="Arial Narrow" panose="020B0604020202020204" pitchFamily="34" charset="0"/>
+              </a:rPr>
+              <a:t>escription: string</a:t>
+            </a:r>
+            <a:endParaRPr kumimoji="0" lang="en-US" sz="1200" b="0" i="0" u="none" strike="noStrike" kern="1200" cap="none" spc="0" normalizeH="0" baseline="0" noProof="0" dirty="0">
+              <a:ln>
+                <a:noFill/>
+              </a:ln>
+              <a:solidFill>
+                <a:prstClr val="black"/>
+              </a:solidFill>
+              <a:effectLst/>
+              <a:uLnTx/>
+              <a:uFillTx/>
+              <a:latin typeface="Arial Narrow" panose="020B0604020202020204" pitchFamily="34" charset="0"/>
+              <a:ea typeface="+mn-ea"/>
+              <a:cs typeface="Arial Narrow" panose="020B0604020202020204" pitchFamily="34" charset="0"/>
+            </a:endParaRPr>
+          </a:p>
+        </p:txBody>
+      </p:sp>
+      <p:cxnSp>
+        <p:nvCxnSpPr>
+          <p:cNvPr id="48" name="Straight Connector 47">
+            <a:extLst>
+              <a:ext uri="{FF2B5EF4-FFF2-40B4-BE49-F238E27FC236}">
+                <a16:creationId xmlns:a16="http://schemas.microsoft.com/office/drawing/2014/main" xmlns="" id="{A186E243-E43B-4758-8C58-21366E719EC6}"/>
+              </a:ext>
+            </a:extLst>
+          </p:cNvPr>
+          <p:cNvCxnSpPr>
+            <a:cxnSpLocks/>
+          </p:cNvCxnSpPr>
+          <p:nvPr/>
+        </p:nvCxnSpPr>
+        <p:spPr>
+          <a:xfrm flipV="1">
+            <a:off x="8819966" y="4022916"/>
+            <a:ext cx="0" cy="1789558"/>
+          </a:xfrm>
+          <a:prstGeom prst="line">
+            <a:avLst/>
+          </a:prstGeom>
+          <a:ln w="12700">
+            <a:solidFill>
+              <a:schemeClr val="tx1"/>
+            </a:solidFill>
+          </a:ln>
+        </p:spPr>
+        <p:style>
+          <a:lnRef idx="1">
+            <a:schemeClr val="accent1"/>
+          </a:lnRef>
+          <a:fillRef idx="0">
+            <a:schemeClr val="accent1"/>
+          </a:fillRef>
+          <a:effectRef idx="0">
+            <a:schemeClr val="accent1"/>
+          </a:effectRef>
+          <a:fontRef idx="minor">
+            <a:schemeClr val="tx1"/>
+          </a:fontRef>
+        </p:style>
+      </p:cxnSp>
+      <p:sp>
+        <p:nvSpPr>
+          <p:cNvPr id="51" name="TextBox 50">
+            <a:extLst>
+              <a:ext uri="{FF2B5EF4-FFF2-40B4-BE49-F238E27FC236}">
+                <a16:creationId xmlns:a16="http://schemas.microsoft.com/office/drawing/2014/main" xmlns="" id="{C53A9BFD-139E-4EF1-B5D6-0592E93ECA08}"/>
+              </a:ext>
+            </a:extLst>
+          </p:cNvPr>
+          <p:cNvSpPr txBox="1"/>
+          <p:nvPr/>
+        </p:nvSpPr>
+        <p:spPr>
+          <a:xfrm rot="16200000">
+            <a:off x="8710867" y="4757768"/>
+            <a:ext cx="495197" cy="276999"/>
+          </a:xfrm>
+          <a:prstGeom prst="rect">
+            <a:avLst/>
+          </a:prstGeom>
+          <a:noFill/>
+          <a:ln w="12700">
+            <a:noFill/>
+          </a:ln>
+        </p:spPr>
+        <p:txBody>
+          <a:bodyPr wrap="square" rtlCol="0">
+            <a:spAutoFit/>
+          </a:bodyPr>
+          <a:lstStyle/>
+          <a:p>
+            <a:pPr marL="0" marR="0" lvl="0" indent="0" algn="l" defTabSz="914400" rtl="0" eaLnBrk="1" fontAlgn="auto" latinLnBrk="0" hangingPunct="1">
+              <a:lnSpc>
+                <a:spcPct val="100000"/>
+              </a:lnSpc>
+              <a:spcBef>
+                <a:spcPts val="0"/>
+              </a:spcBef>
+              <a:spcAft>
+                <a:spcPts val="0"/>
+              </a:spcAft>
+              <a:buClrTx/>
+              <a:buSzTx/>
+              <a:buFontTx/>
+              <a:buNone/>
+              <a:tabLst/>
+              <a:defRPr/>
+            </a:pPr>
+            <a:r>
+              <a:rPr kumimoji="0" lang="en-US" sz="1200" b="0" i="0" u="none" strike="noStrike" kern="1200" cap="none" spc="0" normalizeH="0" baseline="0" noProof="0" dirty="0">
+                <a:ln>
+                  <a:noFill/>
+                </a:ln>
+                <a:solidFill>
+                  <a:prstClr val="black"/>
+                </a:solidFill>
+                <a:effectLst/>
+                <a:uLnTx/>
+                <a:uFillTx/>
+                <a:latin typeface="Arial Narrow" panose="020B0604020202020204" pitchFamily="34" charset="0"/>
+                <a:ea typeface="+mn-ea"/>
+                <a:cs typeface="+mn-cs"/>
+              </a:rPr>
+              <a:t>has</a:t>
+            </a:r>
+          </a:p>
+        </p:txBody>
+      </p:sp>
+      <p:sp>
+        <p:nvSpPr>
+          <p:cNvPr id="53" name="Rectangle 52">
+            <a:extLst>
+              <a:ext uri="{FF2B5EF4-FFF2-40B4-BE49-F238E27FC236}">
+                <a16:creationId xmlns:a16="http://schemas.microsoft.com/office/drawing/2014/main" xmlns="" id="{6A642F0C-ECEF-46F4-B2F5-7F668B2686EB}"/>
+              </a:ext>
+            </a:extLst>
+          </p:cNvPr>
+          <p:cNvSpPr/>
+          <p:nvPr/>
+        </p:nvSpPr>
+        <p:spPr>
+          <a:xfrm>
+            <a:off x="8829205" y="5088038"/>
+            <a:ext cx="336952" cy="276999"/>
+          </a:xfrm>
+          <a:prstGeom prst="rect">
+            <a:avLst/>
+          </a:prstGeom>
+        </p:spPr>
+        <p:txBody>
+          <a:bodyPr wrap="square">
+            <a:spAutoFit/>
+          </a:bodyPr>
+          <a:lstStyle/>
+          <a:p>
+            <a:pPr marL="0" marR="0" lvl="0" indent="0" algn="l" defTabSz="914400" rtl="0" eaLnBrk="1" fontAlgn="auto" latinLnBrk="0" hangingPunct="1">
+              <a:lnSpc>
+                <a:spcPct val="100000"/>
+              </a:lnSpc>
+              <a:spcBef>
+                <a:spcPts val="0"/>
+              </a:spcBef>
+              <a:spcAft>
+                <a:spcPts val="0"/>
+              </a:spcAft>
+              <a:buClrTx/>
+              <a:buSzTx/>
+              <a:buFontTx/>
+              <a:buNone/>
+              <a:tabLst/>
+              <a:defRPr/>
+            </a:pPr>
+            <a:r>
+              <a:rPr kumimoji="0" lang="en-US" sz="1200" b="0" i="0" u="none" strike="noStrike" kern="1200" cap="none" spc="0" normalizeH="0" baseline="0" noProof="0" dirty="0">
+                <a:ln>
+                  <a:noFill/>
+                </a:ln>
+                <a:solidFill>
+                  <a:prstClr val="black"/>
+                </a:solidFill>
+                <a:effectLst/>
+                <a:uLnTx/>
+                <a:uFillTx/>
+                <a:latin typeface="Arial Narrow" panose="020B0604020202020204" pitchFamily="34" charset="0"/>
+                <a:ea typeface="+mn-ea"/>
+                <a:cs typeface="Arial Narrow" panose="020B0604020202020204" pitchFamily="34" charset="0"/>
+              </a:rPr>
+              <a:t>▼</a:t>
+            </a:r>
+            <a:endParaRPr kumimoji="0" lang="en-US" sz="1200" b="0" i="0" u="none" strike="noStrike" kern="1200" cap="none" spc="0" normalizeH="0" baseline="0" noProof="0" dirty="0">
+              <a:ln>
+                <a:noFill/>
+              </a:ln>
+              <a:solidFill>
+                <a:prstClr val="black"/>
+              </a:solidFill>
+              <a:effectLst/>
+              <a:uLnTx/>
+              <a:uFillTx/>
+              <a:latin typeface="Calibri" panose="020F0502020204030204"/>
+              <a:ea typeface="+mn-ea"/>
+              <a:cs typeface="+mn-cs"/>
+            </a:endParaRPr>
+          </a:p>
+        </p:txBody>
+      </p:sp>
+      <p:sp>
+        <p:nvSpPr>
+          <p:cNvPr id="54" name="TextBox 53">
+            <a:extLst>
+              <a:ext uri="{FF2B5EF4-FFF2-40B4-BE49-F238E27FC236}">
+                <a16:creationId xmlns:a16="http://schemas.microsoft.com/office/drawing/2014/main" xmlns="" id="{58252777-F735-414F-9786-E84F2A7EF6B9}"/>
+              </a:ext>
+            </a:extLst>
+          </p:cNvPr>
+          <p:cNvSpPr txBox="1"/>
+          <p:nvPr/>
+        </p:nvSpPr>
+        <p:spPr>
+          <a:xfrm>
+            <a:off x="8829205" y="5539330"/>
+            <a:ext cx="313595" cy="276999"/>
+          </a:xfrm>
+          <a:prstGeom prst="rect">
+            <a:avLst/>
+          </a:prstGeom>
+          <a:noFill/>
+          <a:ln w="12700">
+            <a:noFill/>
+          </a:ln>
+        </p:spPr>
+        <p:txBody>
+          <a:bodyPr wrap="square" rtlCol="0">
+            <a:spAutoFit/>
+          </a:bodyPr>
+          <a:lstStyle/>
+          <a:p>
+            <a:pPr marL="0" marR="0" lvl="0" indent="0" algn="l" defTabSz="914400" rtl="0" eaLnBrk="1" fontAlgn="auto" latinLnBrk="0" hangingPunct="1">
+              <a:lnSpc>
+                <a:spcPct val="100000"/>
+              </a:lnSpc>
+              <a:spcBef>
+                <a:spcPts val="0"/>
+              </a:spcBef>
+              <a:spcAft>
+                <a:spcPts val="0"/>
+              </a:spcAft>
+              <a:buClrTx/>
+              <a:buSzTx/>
+              <a:buFontTx/>
+              <a:buNone/>
+              <a:tabLst/>
+              <a:defRPr/>
+            </a:pPr>
+            <a:r>
+              <a:rPr kumimoji="0" lang="en-US" sz="1200" b="0" i="0" u="none" strike="noStrike" kern="1200" cap="none" spc="0" normalizeH="0" baseline="0" noProof="0" dirty="0">
+                <a:ln>
+                  <a:noFill/>
+                </a:ln>
+                <a:solidFill>
+                  <a:prstClr val="black"/>
+                </a:solidFill>
+                <a:effectLst/>
+                <a:uLnTx/>
+                <a:uFillTx/>
+                <a:latin typeface="Arial Narrow" panose="020B0604020202020204" pitchFamily="34" charset="0"/>
+                <a:ea typeface="+mn-ea"/>
+                <a:cs typeface="Arial Narrow" panose="020B0604020202020204" pitchFamily="34" charset="0"/>
+              </a:rPr>
+              <a:t>1</a:t>
+            </a:r>
+          </a:p>
+        </p:txBody>
+      </p:sp>
+      <p:sp>
+        <p:nvSpPr>
+          <p:cNvPr id="55" name="TextBox 54">
+            <a:extLst>
+              <a:ext uri="{FF2B5EF4-FFF2-40B4-BE49-F238E27FC236}">
+                <a16:creationId xmlns:a16="http://schemas.microsoft.com/office/drawing/2014/main" xmlns="" id="{5FF22EE0-D7E3-43C2-9431-66A6DE50B8BD}"/>
+              </a:ext>
+            </a:extLst>
+          </p:cNvPr>
+          <p:cNvSpPr txBox="1"/>
+          <p:nvPr/>
+        </p:nvSpPr>
+        <p:spPr>
+          <a:xfrm>
+            <a:off x="8829205" y="4431398"/>
+            <a:ext cx="375424" cy="276999"/>
+          </a:xfrm>
+          <a:prstGeom prst="rect">
+            <a:avLst/>
+          </a:prstGeom>
+          <a:noFill/>
+          <a:ln w="12700">
+            <a:noFill/>
+          </a:ln>
+        </p:spPr>
+        <p:txBody>
+          <a:bodyPr wrap="square" rtlCol="0">
+            <a:spAutoFit/>
+          </a:bodyPr>
+          <a:lstStyle/>
+          <a:p>
+            <a:pPr marL="0" marR="0" lvl="0" indent="0" algn="l" defTabSz="914400" rtl="0" eaLnBrk="1" fontAlgn="auto" latinLnBrk="0" hangingPunct="1">
+              <a:lnSpc>
+                <a:spcPct val="100000"/>
+              </a:lnSpc>
+              <a:spcBef>
+                <a:spcPts val="0"/>
+              </a:spcBef>
+              <a:spcAft>
+                <a:spcPts val="0"/>
+              </a:spcAft>
+              <a:buClrTx/>
+              <a:buSzTx/>
+              <a:buFontTx/>
+              <a:buNone/>
+              <a:tabLst/>
+              <a:defRPr/>
+            </a:pPr>
+            <a:r>
+              <a:rPr kumimoji="0" lang="en-US" sz="1200" b="0" i="0" u="none" strike="noStrike" kern="1200" cap="none" spc="0" normalizeH="0" baseline="0" noProof="0" dirty="0">
+                <a:ln>
+                  <a:noFill/>
+                </a:ln>
+                <a:solidFill>
+                  <a:prstClr val="black"/>
+                </a:solidFill>
+                <a:effectLst/>
+                <a:uLnTx/>
+                <a:uFillTx/>
+                <a:latin typeface="Arial Narrow" panose="020B0604020202020204" pitchFamily="34" charset="0"/>
+                <a:ea typeface="+mn-ea"/>
+                <a:cs typeface="Arial Narrow" panose="020B0604020202020204" pitchFamily="34" charset="0"/>
+              </a:rPr>
+              <a:t>0, *</a:t>
+            </a:r>
+          </a:p>
+        </p:txBody>
+      </p:sp>
+    </p:spTree>
+    <p:extLst>
+      <p:ext uri="{BB962C8B-B14F-4D97-AF65-F5344CB8AC3E}">
+        <p14:creationId xmlns:p14="http://schemas.microsoft.com/office/powerpoint/2010/main" val="3634755238"/>
       </p:ext>
     </p:extLst>
   </p:cSld>
@@ -7209,7 +11183,7 @@
     </a:clrScheme>
     <a:fontScheme name="Office">
       <a:majorFont>
-        <a:latin typeface="Calibri Light" panose="020F0302020204030204"/>
+        <a:latin typeface="Calibri Light"/>
         <a:ea typeface=""/>
         <a:cs typeface=""/>
         <a:font script="Jpan" typeface="游ゴシック Light"/>
@@ -7261,7 +11235,7 @@
         <a:font script="Tfng" typeface="Ebrima"/>
       </a:majorFont>
       <a:minorFont>
-        <a:latin typeface="Calibri" panose="020F0502020204030204"/>
+        <a:latin typeface="Calibri"/>
         <a:ea typeface=""/>
         <a:cs typeface=""/>
         <a:font script="Jpan" typeface="游ゴシック"/>
@@ -7532,7 +11506,7 @@
   <a:extraClrSchemeLst/>
   <a:extLst>
     <a:ext uri="{05A4C25C-085E-4340-85A3-A5531E510DB2}">
-      <thm15:themeFamily xmlns:thm15="http://schemas.microsoft.com/office/thememl/2012/main" name="Office Theme" id="{62F939B6-93AF-4DB8-9C6B-D6C7DFDC589F}" vid="{4A3C46E8-61CC-4603-A589-7422A47A8E4A}"/>
+      <thm15:themeFamily xmlns:thm15="http://schemas.microsoft.com/office/thememl/2012/main" xmlns="" name="Office Theme" id="{62F939B6-93AF-4DB8-9C6B-D6C7DFDC589F}" vid="{4A3C46E8-61CC-4603-A589-7422A47A8E4A}"/>
     </a:ext>
   </a:extLst>
 </a:theme>
